--- a/Mockup-GUI-Space-Invaders.pptx
+++ b/Mockup-GUI-Space-Invaders.pptx
@@ -4,9 +4,13 @@
   <p:sldMasterIdLst>
     <p:sldMasterId id="2147483648" r:id="rId1"/>
   </p:sldMasterIdLst>
+  <p:notesMasterIdLst>
+    <p:notesMasterId r:id="rId5"/>
+  </p:notesMasterIdLst>
   <p:sldIdLst>
     <p:sldId id="256" r:id="rId2"/>
     <p:sldId id="257" r:id="rId3"/>
+    <p:sldId id="258" r:id="rId4"/>
   </p:sldIdLst>
   <p:sldSz cx="12192000" cy="6858000"/>
   <p:notesSz cx="6858000" cy="9144000"/>
@@ -1628,6 +1632,879 @@
 </pc:chgInfo>
 </file>
 
+<file path=ppt/notesMasters/notesMaster1.xml><?xml version="1.0" encoding="utf-8"?>
+<p:notesMaster xmlns:a="http://schemas.openxmlformats.org/drawingml/2006/main" xmlns:r="http://schemas.openxmlformats.org/officeDocument/2006/relationships" xmlns:p="http://schemas.openxmlformats.org/presentationml/2006/main">
+  <p:cSld>
+    <p:bg>
+      <p:bgRef idx="1001">
+        <a:schemeClr val="bg1"/>
+      </p:bgRef>
+    </p:bg>
+    <p:spTree>
+      <p:nvGrpSpPr>
+        <p:cNvPr id="1" name=""/>
+        <p:cNvGrpSpPr/>
+        <p:nvPr/>
+      </p:nvGrpSpPr>
+      <p:grpSpPr>
+        <a:xfrm>
+          <a:off x="0" y="0"/>
+          <a:ext cx="0" cy="0"/>
+          <a:chOff x="0" y="0"/>
+          <a:chExt cx="0" cy="0"/>
+        </a:xfrm>
+      </p:grpSpPr>
+      <p:sp>
+        <p:nvSpPr>
+          <p:cNvPr id="2" name="Header Placeholder 1"/>
+          <p:cNvSpPr>
+            <a:spLocks noGrp="1"/>
+          </p:cNvSpPr>
+          <p:nvPr>
+            <p:ph type="hdr" sz="quarter"/>
+          </p:nvPr>
+        </p:nvSpPr>
+        <p:spPr>
+          <a:xfrm>
+            <a:off x="0" y="0"/>
+            <a:ext cx="2971800" cy="458788"/>
+          </a:xfrm>
+          <a:prstGeom prst="rect">
+            <a:avLst/>
+          </a:prstGeom>
+        </p:spPr>
+        <p:txBody>
+          <a:bodyPr vert="horz" lIns="91440" tIns="45720" rIns="91440" bIns="45720" rtlCol="0"/>
+          <a:lstStyle>
+            <a:lvl1pPr algn="l">
+              <a:defRPr sz="1200"/>
+            </a:lvl1pPr>
+          </a:lstStyle>
+          <a:p>
+            <a:endParaRPr lang="en-DE"/>
+          </a:p>
+        </p:txBody>
+      </p:sp>
+      <p:sp>
+        <p:nvSpPr>
+          <p:cNvPr id="3" name="Date Placeholder 2"/>
+          <p:cNvSpPr>
+            <a:spLocks noGrp="1"/>
+          </p:cNvSpPr>
+          <p:nvPr>
+            <p:ph type="dt" idx="1"/>
+          </p:nvPr>
+        </p:nvSpPr>
+        <p:spPr>
+          <a:xfrm>
+            <a:off x="3884613" y="0"/>
+            <a:ext cx="2971800" cy="458788"/>
+          </a:xfrm>
+          <a:prstGeom prst="rect">
+            <a:avLst/>
+          </a:prstGeom>
+        </p:spPr>
+        <p:txBody>
+          <a:bodyPr vert="horz" lIns="91440" tIns="45720" rIns="91440" bIns="45720" rtlCol="0"/>
+          <a:lstStyle>
+            <a:lvl1pPr algn="r">
+              <a:defRPr sz="1200"/>
+            </a:lvl1pPr>
+          </a:lstStyle>
+          <a:p>
+            <a:fld id="{B787B185-F8CF-F64F-B58B-F31DE2B71282}" type="datetimeFigureOut">
+              <a:rPr lang="en-DE" smtClean="0"/>
+              <a:t>13.05.21</a:t>
+            </a:fld>
+            <a:endParaRPr lang="en-DE"/>
+          </a:p>
+        </p:txBody>
+      </p:sp>
+      <p:sp>
+        <p:nvSpPr>
+          <p:cNvPr id="4" name="Slide Image Placeholder 3"/>
+          <p:cNvSpPr>
+            <a:spLocks noGrp="1" noRot="1" noChangeAspect="1"/>
+          </p:cNvSpPr>
+          <p:nvPr>
+            <p:ph type="sldImg" idx="2"/>
+          </p:nvPr>
+        </p:nvSpPr>
+        <p:spPr>
+          <a:xfrm>
+            <a:off x="685800" y="1143000"/>
+            <a:ext cx="5486400" cy="3086100"/>
+          </a:xfrm>
+          <a:prstGeom prst="rect">
+            <a:avLst/>
+          </a:prstGeom>
+          <a:noFill/>
+          <a:ln w="12700">
+            <a:solidFill>
+              <a:prstClr val="black"/>
+            </a:solidFill>
+          </a:ln>
+        </p:spPr>
+        <p:txBody>
+          <a:bodyPr vert="horz" lIns="91440" tIns="45720" rIns="91440" bIns="45720" rtlCol="0" anchor="ctr"/>
+          <a:lstStyle/>
+          <a:p>
+            <a:endParaRPr lang="en-DE"/>
+          </a:p>
+        </p:txBody>
+      </p:sp>
+      <p:sp>
+        <p:nvSpPr>
+          <p:cNvPr id="5" name="Notes Placeholder 4"/>
+          <p:cNvSpPr>
+            <a:spLocks noGrp="1"/>
+          </p:cNvSpPr>
+          <p:nvPr>
+            <p:ph type="body" sz="quarter" idx="3"/>
+          </p:nvPr>
+        </p:nvSpPr>
+        <p:spPr>
+          <a:xfrm>
+            <a:off x="685800" y="4400550"/>
+            <a:ext cx="5486400" cy="3600450"/>
+          </a:xfrm>
+          <a:prstGeom prst="rect">
+            <a:avLst/>
+          </a:prstGeom>
+        </p:spPr>
+        <p:txBody>
+          <a:bodyPr vert="horz" lIns="91440" tIns="45720" rIns="91440" bIns="45720" rtlCol="0"/>
+          <a:lstStyle/>
+          <a:p>
+            <a:pPr lvl="0"/>
+            <a:r>
+              <a:rPr lang="en-GB"/>
+              <a:t>Click to edit Master text styles</a:t>
+            </a:r>
+          </a:p>
+          <a:p>
+            <a:pPr lvl="1"/>
+            <a:r>
+              <a:rPr lang="en-GB"/>
+              <a:t>Second level</a:t>
+            </a:r>
+          </a:p>
+          <a:p>
+            <a:pPr lvl="2"/>
+            <a:r>
+              <a:rPr lang="en-GB"/>
+              <a:t>Third level</a:t>
+            </a:r>
+          </a:p>
+          <a:p>
+            <a:pPr lvl="3"/>
+            <a:r>
+              <a:rPr lang="en-GB"/>
+              <a:t>Fourth level</a:t>
+            </a:r>
+          </a:p>
+          <a:p>
+            <a:pPr lvl="4"/>
+            <a:r>
+              <a:rPr lang="en-GB"/>
+              <a:t>Fifth level</a:t>
+            </a:r>
+            <a:endParaRPr lang="en-DE"/>
+          </a:p>
+        </p:txBody>
+      </p:sp>
+      <p:sp>
+        <p:nvSpPr>
+          <p:cNvPr id="6" name="Footer Placeholder 5"/>
+          <p:cNvSpPr>
+            <a:spLocks noGrp="1"/>
+          </p:cNvSpPr>
+          <p:nvPr>
+            <p:ph type="ftr" sz="quarter" idx="4"/>
+          </p:nvPr>
+        </p:nvSpPr>
+        <p:spPr>
+          <a:xfrm>
+            <a:off x="0" y="8685213"/>
+            <a:ext cx="2971800" cy="458787"/>
+          </a:xfrm>
+          <a:prstGeom prst="rect">
+            <a:avLst/>
+          </a:prstGeom>
+        </p:spPr>
+        <p:txBody>
+          <a:bodyPr vert="horz" lIns="91440" tIns="45720" rIns="91440" bIns="45720" rtlCol="0" anchor="b"/>
+          <a:lstStyle>
+            <a:lvl1pPr algn="l">
+              <a:defRPr sz="1200"/>
+            </a:lvl1pPr>
+          </a:lstStyle>
+          <a:p>
+            <a:endParaRPr lang="en-DE"/>
+          </a:p>
+        </p:txBody>
+      </p:sp>
+      <p:sp>
+        <p:nvSpPr>
+          <p:cNvPr id="7" name="Slide Number Placeholder 6"/>
+          <p:cNvSpPr>
+            <a:spLocks noGrp="1"/>
+          </p:cNvSpPr>
+          <p:nvPr>
+            <p:ph type="sldNum" sz="quarter" idx="5"/>
+          </p:nvPr>
+        </p:nvSpPr>
+        <p:spPr>
+          <a:xfrm>
+            <a:off x="3884613" y="8685213"/>
+            <a:ext cx="2971800" cy="458787"/>
+          </a:xfrm>
+          <a:prstGeom prst="rect">
+            <a:avLst/>
+          </a:prstGeom>
+        </p:spPr>
+        <p:txBody>
+          <a:bodyPr vert="horz" lIns="91440" tIns="45720" rIns="91440" bIns="45720" rtlCol="0" anchor="b"/>
+          <a:lstStyle>
+            <a:lvl1pPr algn="r">
+              <a:defRPr sz="1200"/>
+            </a:lvl1pPr>
+          </a:lstStyle>
+          <a:p>
+            <a:fld id="{0E78DB0E-1F1A-AD4E-B17B-42FD0E374619}" type="slidenum">
+              <a:rPr lang="en-DE" smtClean="0"/>
+              <a:t>‹#›</a:t>
+            </a:fld>
+            <a:endParaRPr lang="en-DE"/>
+          </a:p>
+        </p:txBody>
+      </p:sp>
+    </p:spTree>
+    <p:extLst>
+      <p:ext uri="{BB962C8B-B14F-4D97-AF65-F5344CB8AC3E}">
+        <p14:creationId xmlns:p14="http://schemas.microsoft.com/office/powerpoint/2010/main" val="1649297375"/>
+      </p:ext>
+    </p:extLst>
+  </p:cSld>
+  <p:clrMap bg1="lt1" tx1="dk1" bg2="lt2" tx2="dk2" accent1="accent1" accent2="accent2" accent3="accent3" accent4="accent4" accent5="accent5" accent6="accent6" hlink="hlink" folHlink="folHlink"/>
+  <p:notesStyle>
+    <a:lvl1pPr marL="0" algn="l" defTabSz="914400" rtl="0" eaLnBrk="1" latinLnBrk="0" hangingPunct="1">
+      <a:defRPr sz="1200" kern="1200">
+        <a:solidFill>
+          <a:schemeClr val="tx1"/>
+        </a:solidFill>
+        <a:latin typeface="+mn-lt"/>
+        <a:ea typeface="+mn-ea"/>
+        <a:cs typeface="+mn-cs"/>
+      </a:defRPr>
+    </a:lvl1pPr>
+    <a:lvl2pPr marL="457200" algn="l" defTabSz="914400" rtl="0" eaLnBrk="1" latinLnBrk="0" hangingPunct="1">
+      <a:defRPr sz="1200" kern="1200">
+        <a:solidFill>
+          <a:schemeClr val="tx1"/>
+        </a:solidFill>
+        <a:latin typeface="+mn-lt"/>
+        <a:ea typeface="+mn-ea"/>
+        <a:cs typeface="+mn-cs"/>
+      </a:defRPr>
+    </a:lvl2pPr>
+    <a:lvl3pPr marL="914400" algn="l" defTabSz="914400" rtl="0" eaLnBrk="1" latinLnBrk="0" hangingPunct="1">
+      <a:defRPr sz="1200" kern="1200">
+        <a:solidFill>
+          <a:schemeClr val="tx1"/>
+        </a:solidFill>
+        <a:latin typeface="+mn-lt"/>
+        <a:ea typeface="+mn-ea"/>
+        <a:cs typeface="+mn-cs"/>
+      </a:defRPr>
+    </a:lvl3pPr>
+    <a:lvl4pPr marL="1371600" algn="l" defTabSz="914400" rtl="0" eaLnBrk="1" latinLnBrk="0" hangingPunct="1">
+      <a:defRPr sz="1200" kern="1200">
+        <a:solidFill>
+          <a:schemeClr val="tx1"/>
+        </a:solidFill>
+        <a:latin typeface="+mn-lt"/>
+        <a:ea typeface="+mn-ea"/>
+        <a:cs typeface="+mn-cs"/>
+      </a:defRPr>
+    </a:lvl4pPr>
+    <a:lvl5pPr marL="1828800" algn="l" defTabSz="914400" rtl="0" eaLnBrk="1" latinLnBrk="0" hangingPunct="1">
+      <a:defRPr sz="1200" kern="1200">
+        <a:solidFill>
+          <a:schemeClr val="tx1"/>
+        </a:solidFill>
+        <a:latin typeface="+mn-lt"/>
+        <a:ea typeface="+mn-ea"/>
+        <a:cs typeface="+mn-cs"/>
+      </a:defRPr>
+    </a:lvl5pPr>
+    <a:lvl6pPr marL="2286000" algn="l" defTabSz="914400" rtl="0" eaLnBrk="1" latinLnBrk="0" hangingPunct="1">
+      <a:defRPr sz="1200" kern="1200">
+        <a:solidFill>
+          <a:schemeClr val="tx1"/>
+        </a:solidFill>
+        <a:latin typeface="+mn-lt"/>
+        <a:ea typeface="+mn-ea"/>
+        <a:cs typeface="+mn-cs"/>
+      </a:defRPr>
+    </a:lvl6pPr>
+    <a:lvl7pPr marL="2743200" algn="l" defTabSz="914400" rtl="0" eaLnBrk="1" latinLnBrk="0" hangingPunct="1">
+      <a:defRPr sz="1200" kern="1200">
+        <a:solidFill>
+          <a:schemeClr val="tx1"/>
+        </a:solidFill>
+        <a:latin typeface="+mn-lt"/>
+        <a:ea typeface="+mn-ea"/>
+        <a:cs typeface="+mn-cs"/>
+      </a:defRPr>
+    </a:lvl7pPr>
+    <a:lvl8pPr marL="3200400" algn="l" defTabSz="914400" rtl="0" eaLnBrk="1" latinLnBrk="0" hangingPunct="1">
+      <a:defRPr sz="1200" kern="1200">
+        <a:solidFill>
+          <a:schemeClr val="tx1"/>
+        </a:solidFill>
+        <a:latin typeface="+mn-lt"/>
+        <a:ea typeface="+mn-ea"/>
+        <a:cs typeface="+mn-cs"/>
+      </a:defRPr>
+    </a:lvl8pPr>
+    <a:lvl9pPr marL="3657600" algn="l" defTabSz="914400" rtl="0" eaLnBrk="1" latinLnBrk="0" hangingPunct="1">
+      <a:defRPr sz="1200" kern="1200">
+        <a:solidFill>
+          <a:schemeClr val="tx1"/>
+        </a:solidFill>
+        <a:latin typeface="+mn-lt"/>
+        <a:ea typeface="+mn-ea"/>
+        <a:cs typeface="+mn-cs"/>
+      </a:defRPr>
+    </a:lvl9pPr>
+  </p:notesStyle>
+</p:notesMaster>
+</file>
+
+<file path=ppt/notesSlides/notesSlide1.xml><?xml version="1.0" encoding="utf-8"?>
+<p:notes xmlns:a="http://schemas.openxmlformats.org/drawingml/2006/main" xmlns:r="http://schemas.openxmlformats.org/officeDocument/2006/relationships" xmlns:p="http://schemas.openxmlformats.org/presentationml/2006/main">
+  <p:cSld>
+    <p:spTree>
+      <p:nvGrpSpPr>
+        <p:cNvPr id="1" name=""/>
+        <p:cNvGrpSpPr/>
+        <p:nvPr/>
+      </p:nvGrpSpPr>
+      <p:grpSpPr>
+        <a:xfrm>
+          <a:off x="0" y="0"/>
+          <a:ext cx="0" cy="0"/>
+          <a:chOff x="0" y="0"/>
+          <a:chExt cx="0" cy="0"/>
+        </a:xfrm>
+      </p:grpSpPr>
+      <p:sp>
+        <p:nvSpPr>
+          <p:cNvPr id="2" name="Slide Image Placeholder 1"/>
+          <p:cNvSpPr>
+            <a:spLocks noGrp="1" noRot="1" noChangeAspect="1"/>
+          </p:cNvSpPr>
+          <p:nvPr>
+            <p:ph type="sldImg"/>
+          </p:nvPr>
+        </p:nvSpPr>
+        <p:spPr/>
+      </p:sp>
+      <p:sp>
+        <p:nvSpPr>
+          <p:cNvPr id="3" name="Notes Placeholder 2"/>
+          <p:cNvSpPr>
+            <a:spLocks noGrp="1"/>
+          </p:cNvSpPr>
+          <p:nvPr>
+            <p:ph type="body" idx="1"/>
+          </p:nvPr>
+        </p:nvSpPr>
+        <p:spPr/>
+        <p:txBody>
+          <a:bodyPr/>
+          <a:lstStyle/>
+          <a:p>
+            <a:r>
+              <a:rPr lang="en-DE" dirty="0"/>
+              <a:t>Umgerechnet mit 125 dpi</a:t>
+            </a:r>
+          </a:p>
+          <a:p>
+            <a:endParaRPr lang="en-DE" dirty="0"/>
+          </a:p>
+          <a:p>
+            <a:r>
+              <a:rPr lang="en-DE" u="sng" dirty="0"/>
+              <a:t>Bilschirm:</a:t>
+            </a:r>
+          </a:p>
+          <a:p>
+            <a:r>
+              <a:rPr lang="en-DE" dirty="0"/>
+              <a:t>Breite (600px) = 12,19 cm</a:t>
+            </a:r>
+          </a:p>
+          <a:p>
+            <a:r>
+              <a:rPr lang="en-DE" dirty="0"/>
+              <a:t>Höhe (768px) = 15,61 cm</a:t>
+            </a:r>
+          </a:p>
+          <a:p>
+            <a:endParaRPr lang="en-DE" dirty="0"/>
+          </a:p>
+          <a:p>
+            <a:r>
+              <a:rPr lang="en-DE" i="0" u="sng" dirty="0"/>
+              <a:t>Raumschiff:</a:t>
+            </a:r>
+          </a:p>
+          <a:p>
+            <a:r>
+              <a:rPr lang="en-DE" dirty="0"/>
+              <a:t>Höhe und Breit (40px) = 0,81 cm</a:t>
+            </a:r>
+          </a:p>
+          <a:p>
+            <a:endParaRPr lang="en-DE" dirty="0"/>
+          </a:p>
+          <a:p>
+            <a:r>
+              <a:rPr lang="en-DE" u="sng" dirty="0"/>
+              <a:t>Monster:</a:t>
+            </a:r>
+          </a:p>
+          <a:p>
+            <a:r>
+              <a:rPr lang="en-DE" b="0" dirty="0"/>
+              <a:t>Höhe und Breite (25px) = 0,51 cm</a:t>
+            </a:r>
+          </a:p>
+          <a:p>
+            <a:endParaRPr lang="en-DE" b="1" dirty="0"/>
+          </a:p>
+          <a:p>
+            <a:pPr marL="0" marR="0" lvl="0" indent="0" algn="l" defTabSz="914400" rtl="0" eaLnBrk="1" fontAlgn="auto" latinLnBrk="0" hangingPunct="1">
+              <a:lnSpc>
+                <a:spcPct val="100000"/>
+              </a:lnSpc>
+              <a:spcBef>
+                <a:spcPts val="0"/>
+              </a:spcBef>
+              <a:spcAft>
+                <a:spcPts val="0"/>
+              </a:spcAft>
+              <a:buClrTx/>
+              <a:buSzTx/>
+              <a:buFontTx/>
+              <a:buNone/>
+              <a:tabLst/>
+              <a:defRPr/>
+            </a:pPr>
+            <a:r>
+              <a:rPr lang="en-DE" b="0" u="sng" dirty="0"/>
+              <a:t>Abstand:</a:t>
+            </a:r>
+          </a:p>
+          <a:p>
+            <a:pPr marL="0" marR="0" lvl="0" indent="0" algn="l" defTabSz="914400" rtl="0" eaLnBrk="1" fontAlgn="auto" latinLnBrk="0" hangingPunct="1">
+              <a:lnSpc>
+                <a:spcPct val="100000"/>
+              </a:lnSpc>
+              <a:spcBef>
+                <a:spcPts val="0"/>
+              </a:spcBef>
+              <a:spcAft>
+                <a:spcPts val="0"/>
+              </a:spcAft>
+              <a:buClrTx/>
+              <a:buSzTx/>
+              <a:buFontTx/>
+              <a:buNone/>
+              <a:tabLst/>
+              <a:defRPr/>
+            </a:pPr>
+            <a:r>
+              <a:rPr lang="en-GB" dirty="0"/>
+              <a:t>V</a:t>
+            </a:r>
+            <a:r>
+              <a:rPr lang="en-DE" dirty="0"/>
+              <a:t>om Rand jeweils (30px) = 0,61 cm</a:t>
+            </a:r>
+          </a:p>
+          <a:p>
+            <a:pPr marL="0" marR="0" lvl="0" indent="0" algn="l" defTabSz="914400" rtl="0" eaLnBrk="1" fontAlgn="auto" latinLnBrk="0" hangingPunct="1">
+              <a:lnSpc>
+                <a:spcPct val="100000"/>
+              </a:lnSpc>
+              <a:spcBef>
+                <a:spcPts val="0"/>
+              </a:spcBef>
+              <a:spcAft>
+                <a:spcPts val="0"/>
+              </a:spcAft>
+              <a:buClrTx/>
+              <a:buSzTx/>
+              <a:buFontTx/>
+              <a:buNone/>
+              <a:tabLst/>
+              <a:defRPr/>
+            </a:pPr>
+            <a:r>
+              <a:rPr lang="en-GB" dirty="0"/>
+              <a:t>Z</a:t>
+            </a:r>
+            <a:r>
+              <a:rPr lang="en-DE" dirty="0"/>
+              <a:t>wischen Monster (15px) = 0,30 cm</a:t>
+            </a:r>
+          </a:p>
+          <a:p>
+            <a:pPr marL="0" marR="0" lvl="0" indent="0" algn="l" defTabSz="914400" rtl="0" eaLnBrk="1" fontAlgn="auto" latinLnBrk="0" hangingPunct="1">
+              <a:lnSpc>
+                <a:spcPct val="100000"/>
+              </a:lnSpc>
+              <a:spcBef>
+                <a:spcPts val="0"/>
+              </a:spcBef>
+              <a:spcAft>
+                <a:spcPts val="0"/>
+              </a:spcAft>
+              <a:buClrTx/>
+              <a:buSzTx/>
+              <a:buFontTx/>
+              <a:buNone/>
+              <a:tabLst/>
+              <a:defRPr/>
+            </a:pPr>
+            <a:endParaRPr lang="en-DE" dirty="0"/>
+          </a:p>
+          <a:p>
+            <a:pPr marL="0" marR="0" lvl="0" indent="0" algn="l" defTabSz="914400" rtl="0" eaLnBrk="1" fontAlgn="auto" latinLnBrk="0" hangingPunct="1">
+              <a:lnSpc>
+                <a:spcPct val="100000"/>
+              </a:lnSpc>
+              <a:spcBef>
+                <a:spcPts val="0"/>
+              </a:spcBef>
+              <a:spcAft>
+                <a:spcPts val="0"/>
+              </a:spcAft>
+              <a:buClrTx/>
+              <a:buSzTx/>
+              <a:buFontTx/>
+              <a:buNone/>
+              <a:tabLst/>
+              <a:defRPr/>
+            </a:pPr>
+            <a:r>
+              <a:rPr lang="en-DE" u="sng" dirty="0"/>
+              <a:t>Bewegung:</a:t>
+            </a:r>
+          </a:p>
+          <a:p>
+            <a:pPr marL="0" marR="0" lvl="0" indent="0" algn="l" defTabSz="914400" rtl="0" eaLnBrk="1" fontAlgn="auto" latinLnBrk="0" hangingPunct="1">
+              <a:lnSpc>
+                <a:spcPct val="100000"/>
+              </a:lnSpc>
+              <a:spcBef>
+                <a:spcPts val="0"/>
+              </a:spcBef>
+              <a:spcAft>
+                <a:spcPts val="0"/>
+              </a:spcAft>
+              <a:buClrTx/>
+              <a:buSzTx/>
+              <a:buFontTx/>
+              <a:buNone/>
+              <a:tabLst/>
+              <a:defRPr/>
+            </a:pPr>
+            <a:r>
+              <a:rPr lang="en-DE" dirty="0"/>
+              <a:t>Rechts-Links (10px) = 0,2 cm</a:t>
+            </a:r>
+          </a:p>
+          <a:p>
+            <a:pPr marL="0" marR="0" lvl="0" indent="0" algn="l" defTabSz="914400" rtl="0" eaLnBrk="1" fontAlgn="auto" latinLnBrk="0" hangingPunct="1">
+              <a:lnSpc>
+                <a:spcPct val="100000"/>
+              </a:lnSpc>
+              <a:spcBef>
+                <a:spcPts val="0"/>
+              </a:spcBef>
+              <a:spcAft>
+                <a:spcPts val="0"/>
+              </a:spcAft>
+              <a:buClrTx/>
+              <a:buSzTx/>
+              <a:buFontTx/>
+              <a:buNone/>
+              <a:tabLst/>
+              <a:defRPr/>
+            </a:pPr>
+            <a:r>
+              <a:rPr lang="en-DE" dirty="0"/>
+              <a:t>Runter (55px) = 1,12 cm</a:t>
+            </a:r>
+          </a:p>
+          <a:p>
+            <a:pPr marL="0" marR="0" lvl="0" indent="0" algn="l" defTabSz="914400" rtl="0" eaLnBrk="1" fontAlgn="auto" latinLnBrk="0" hangingPunct="1">
+              <a:lnSpc>
+                <a:spcPct val="100000"/>
+              </a:lnSpc>
+              <a:spcBef>
+                <a:spcPts val="0"/>
+              </a:spcBef>
+              <a:spcAft>
+                <a:spcPts val="0"/>
+              </a:spcAft>
+              <a:buClrTx/>
+              <a:buSzTx/>
+              <a:buFontTx/>
+              <a:buNone/>
+              <a:tabLst/>
+              <a:defRPr/>
+            </a:pPr>
+            <a:endParaRPr lang="en-DE" dirty="0"/>
+          </a:p>
+          <a:p>
+            <a:pPr marL="0" marR="0" lvl="0" indent="0" algn="l" defTabSz="914400" rtl="0" eaLnBrk="1" fontAlgn="auto" latinLnBrk="0" hangingPunct="1">
+              <a:lnSpc>
+                <a:spcPct val="100000"/>
+              </a:lnSpc>
+              <a:spcBef>
+                <a:spcPts val="0"/>
+              </a:spcBef>
+              <a:spcAft>
+                <a:spcPts val="0"/>
+              </a:spcAft>
+              <a:buClrTx/>
+              <a:buSzTx/>
+              <a:buFontTx/>
+              <a:buNone/>
+              <a:tabLst/>
+              <a:defRPr/>
+            </a:pPr>
+            <a:r>
+              <a:rPr lang="en-DE" u="sng" dirty="0"/>
+              <a:t>Header:</a:t>
+            </a:r>
+          </a:p>
+          <a:p>
+            <a:pPr marL="0" marR="0" lvl="0" indent="0" algn="l" defTabSz="914400" rtl="0" eaLnBrk="1" fontAlgn="auto" latinLnBrk="0" hangingPunct="1">
+              <a:lnSpc>
+                <a:spcPct val="100000"/>
+              </a:lnSpc>
+              <a:spcBef>
+                <a:spcPts val="0"/>
+              </a:spcBef>
+              <a:spcAft>
+                <a:spcPts val="0"/>
+              </a:spcAft>
+              <a:buClrTx/>
+              <a:buSzTx/>
+              <a:buFontTx/>
+              <a:buNone/>
+              <a:tabLst/>
+              <a:defRPr/>
+            </a:pPr>
+            <a:r>
+              <a:rPr lang="en-DE" dirty="0"/>
+              <a:t>Höhe</a:t>
+            </a:r>
+            <a:r>
+              <a:rPr lang="en-DE" dirty="0">
+                <a:sym typeface="Wingdings" pitchFamily="2" charset="2"/>
+              </a:rPr>
+              <a:t> (74px) = 1,5 cm</a:t>
+            </a:r>
+          </a:p>
+          <a:p>
+            <a:pPr marL="0" marR="0" lvl="0" indent="0" algn="l" defTabSz="914400" rtl="0" eaLnBrk="1" fontAlgn="auto" latinLnBrk="0" hangingPunct="1">
+              <a:lnSpc>
+                <a:spcPct val="100000"/>
+              </a:lnSpc>
+              <a:spcBef>
+                <a:spcPts val="0"/>
+              </a:spcBef>
+              <a:spcAft>
+                <a:spcPts val="0"/>
+              </a:spcAft>
+              <a:buClrTx/>
+              <a:buSzTx/>
+              <a:buFontTx/>
+              <a:buNone/>
+              <a:tabLst/>
+              <a:defRPr/>
+            </a:pPr>
+            <a:endParaRPr lang="en-DE" dirty="0">
+              <a:sym typeface="Wingdings" pitchFamily="2" charset="2"/>
+            </a:endParaRPr>
+          </a:p>
+          <a:p>
+            <a:pPr marL="0" marR="0" lvl="0" indent="0" algn="l" defTabSz="914400" rtl="0" eaLnBrk="1" fontAlgn="auto" latinLnBrk="0" hangingPunct="1">
+              <a:lnSpc>
+                <a:spcPct val="100000"/>
+              </a:lnSpc>
+              <a:spcBef>
+                <a:spcPts val="0"/>
+              </a:spcBef>
+              <a:spcAft>
+                <a:spcPts val="0"/>
+              </a:spcAft>
+              <a:buClrTx/>
+              <a:buSzTx/>
+              <a:buFontTx/>
+              <a:buNone/>
+              <a:tabLst/>
+              <a:defRPr/>
+            </a:pPr>
+            <a:r>
+              <a:rPr lang="en-DE" u="sng" dirty="0">
+                <a:sym typeface="Wingdings" pitchFamily="2" charset="2"/>
+              </a:rPr>
+              <a:t>Footer:</a:t>
+            </a:r>
+          </a:p>
+          <a:p>
+            <a:pPr marL="0" marR="0" lvl="0" indent="0" algn="l" defTabSz="914400" rtl="0" eaLnBrk="1" fontAlgn="auto" latinLnBrk="0" hangingPunct="1">
+              <a:lnSpc>
+                <a:spcPct val="100000"/>
+              </a:lnSpc>
+              <a:spcBef>
+                <a:spcPts val="0"/>
+              </a:spcBef>
+              <a:spcAft>
+                <a:spcPts val="0"/>
+              </a:spcAft>
+              <a:buClrTx/>
+              <a:buSzTx/>
+              <a:buFontTx/>
+              <a:buNone/>
+              <a:tabLst/>
+              <a:defRPr/>
+            </a:pPr>
+            <a:r>
+              <a:rPr lang="en-DE" dirty="0">
+                <a:sym typeface="Wingdings" pitchFamily="2" charset="2"/>
+              </a:rPr>
+              <a:t>Höhe (55px) = 1,12cm</a:t>
+            </a:r>
+            <a:endParaRPr lang="en-DE" dirty="0"/>
+          </a:p>
+          <a:p>
+            <a:pPr marL="0" marR="0" lvl="0" indent="0" algn="l" defTabSz="914400" rtl="0" eaLnBrk="1" fontAlgn="auto" latinLnBrk="0" hangingPunct="1">
+              <a:lnSpc>
+                <a:spcPct val="100000"/>
+              </a:lnSpc>
+              <a:spcBef>
+                <a:spcPts val="0"/>
+              </a:spcBef>
+              <a:spcAft>
+                <a:spcPts val="0"/>
+              </a:spcAft>
+              <a:buClrTx/>
+              <a:buSzTx/>
+              <a:buFontTx/>
+              <a:buNone/>
+              <a:tabLst/>
+              <a:defRPr/>
+            </a:pPr>
+            <a:endParaRPr lang="en-DE" dirty="0"/>
+          </a:p>
+          <a:p>
+            <a:pPr marL="0" marR="0" lvl="0" indent="0" algn="l" defTabSz="914400" rtl="0" eaLnBrk="1" fontAlgn="auto" latinLnBrk="0" hangingPunct="1">
+              <a:lnSpc>
+                <a:spcPct val="100000"/>
+              </a:lnSpc>
+              <a:spcBef>
+                <a:spcPts val="0"/>
+              </a:spcBef>
+              <a:spcAft>
+                <a:spcPts val="0"/>
+              </a:spcAft>
+              <a:buClrTx/>
+              <a:buSzTx/>
+              <a:buFontTx/>
+              <a:buNone/>
+              <a:tabLst/>
+              <a:defRPr/>
+            </a:pPr>
+            <a:r>
+              <a:rPr lang="en-GB" dirty="0"/>
+              <a:t>https://</a:t>
+            </a:r>
+            <a:r>
+              <a:rPr lang="en-GB" dirty="0" err="1"/>
+              <a:t>www.blitzrechner.de</a:t>
+            </a:r>
+            <a:r>
+              <a:rPr lang="en-GB" dirty="0"/>
+              <a:t>/pixel-</a:t>
+            </a:r>
+            <a:r>
+              <a:rPr lang="en-GB" dirty="0" err="1"/>
+              <a:t>zentimeter</a:t>
+            </a:r>
+            <a:r>
+              <a:rPr lang="en-GB" dirty="0"/>
+              <a:t>-</a:t>
+            </a:r>
+            <a:r>
+              <a:rPr lang="en-GB" dirty="0" err="1"/>
+              <a:t>umrechnen</a:t>
+            </a:r>
+            <a:r>
+              <a:rPr lang="en-GB" dirty="0"/>
+              <a:t>/</a:t>
+            </a:r>
+            <a:endParaRPr lang="en-DE" dirty="0"/>
+          </a:p>
+          <a:p>
+            <a:endParaRPr lang="en-DE" dirty="0"/>
+          </a:p>
+        </p:txBody>
+      </p:sp>
+      <p:sp>
+        <p:nvSpPr>
+          <p:cNvPr id="4" name="Slide Number Placeholder 3"/>
+          <p:cNvSpPr>
+            <a:spLocks noGrp="1"/>
+          </p:cNvSpPr>
+          <p:nvPr>
+            <p:ph type="sldNum" sz="quarter" idx="5"/>
+          </p:nvPr>
+        </p:nvSpPr>
+        <p:spPr/>
+        <p:txBody>
+          <a:bodyPr/>
+          <a:lstStyle/>
+          <a:p>
+            <a:fld id="{0E78DB0E-1F1A-AD4E-B17B-42FD0E374619}" type="slidenum">
+              <a:rPr lang="en-DE" smtClean="0"/>
+              <a:t>3</a:t>
+            </a:fld>
+            <a:endParaRPr lang="en-DE"/>
+          </a:p>
+        </p:txBody>
+      </p:sp>
+    </p:spTree>
+    <p:extLst>
+      <p:ext uri="{BB962C8B-B14F-4D97-AF65-F5344CB8AC3E}">
+        <p14:creationId xmlns:p14="http://schemas.microsoft.com/office/powerpoint/2010/main" val="3951495524"/>
+      </p:ext>
+    </p:extLst>
+  </p:cSld>
+  <p:clrMapOvr>
+    <a:masterClrMapping/>
+  </p:clrMapOvr>
+</p:notes>
+</file>
+
 <file path=ppt/slideLayouts/slideLayout1.xml><?xml version="1.0" encoding="utf-8"?>
 <p:sldLayout xmlns:a="http://schemas.openxmlformats.org/drawingml/2006/main" xmlns:r="http://schemas.openxmlformats.org/officeDocument/2006/relationships" xmlns:p="http://schemas.openxmlformats.org/presentationml/2006/main" type="title" preserve="1">
   <p:cSld name="Title Slide">
@@ -1775,7 +2652,7 @@
           <a:p>
             <a:fld id="{5483CEF8-9ECA-4BFA-8C7F-BE638FC1BACD}" type="datetimeFigureOut">
               <a:rPr lang="en-US" smtClean="0"/>
-              <a:t>5/7/2021</a:t>
+              <a:t>5/13/21</a:t>
             </a:fld>
             <a:endParaRPr lang="en-US"/>
           </a:p>
@@ -1973,7 +2850,7 @@
           <a:p>
             <a:fld id="{5483CEF8-9ECA-4BFA-8C7F-BE638FC1BACD}" type="datetimeFigureOut">
               <a:rPr lang="en-US" smtClean="0"/>
-              <a:t>5/7/2021</a:t>
+              <a:t>5/13/21</a:t>
             </a:fld>
             <a:endParaRPr lang="en-US"/>
           </a:p>
@@ -2181,7 +3058,7 @@
           <a:p>
             <a:fld id="{5483CEF8-9ECA-4BFA-8C7F-BE638FC1BACD}" type="datetimeFigureOut">
               <a:rPr lang="en-US" smtClean="0"/>
-              <a:t>5/7/2021</a:t>
+              <a:t>5/13/21</a:t>
             </a:fld>
             <a:endParaRPr lang="en-US"/>
           </a:p>
@@ -2379,7 +3256,7 @@
           <a:p>
             <a:fld id="{5483CEF8-9ECA-4BFA-8C7F-BE638FC1BACD}" type="datetimeFigureOut">
               <a:rPr lang="en-US" smtClean="0"/>
-              <a:t>5/7/2021</a:t>
+              <a:t>5/13/21</a:t>
             </a:fld>
             <a:endParaRPr lang="en-US"/>
           </a:p>
@@ -2654,7 +3531,7 @@
           <a:p>
             <a:fld id="{5483CEF8-9ECA-4BFA-8C7F-BE638FC1BACD}" type="datetimeFigureOut">
               <a:rPr lang="en-US" smtClean="0"/>
-              <a:t>5/7/2021</a:t>
+              <a:t>5/13/21</a:t>
             </a:fld>
             <a:endParaRPr lang="en-US"/>
           </a:p>
@@ -2919,7 +3796,7 @@
           <a:p>
             <a:fld id="{5483CEF8-9ECA-4BFA-8C7F-BE638FC1BACD}" type="datetimeFigureOut">
               <a:rPr lang="en-US" smtClean="0"/>
-              <a:t>5/7/2021</a:t>
+              <a:t>5/13/21</a:t>
             </a:fld>
             <a:endParaRPr lang="en-US"/>
           </a:p>
@@ -3331,7 +4208,7 @@
           <a:p>
             <a:fld id="{5483CEF8-9ECA-4BFA-8C7F-BE638FC1BACD}" type="datetimeFigureOut">
               <a:rPr lang="en-US" smtClean="0"/>
-              <a:t>5/7/2021</a:t>
+              <a:t>5/13/21</a:t>
             </a:fld>
             <a:endParaRPr lang="en-US"/>
           </a:p>
@@ -3472,7 +4349,7 @@
           <a:p>
             <a:fld id="{5483CEF8-9ECA-4BFA-8C7F-BE638FC1BACD}" type="datetimeFigureOut">
               <a:rPr lang="en-US" smtClean="0"/>
-              <a:t>5/7/2021</a:t>
+              <a:t>5/13/21</a:t>
             </a:fld>
             <a:endParaRPr lang="en-US"/>
           </a:p>
@@ -3585,7 +4462,7 @@
           <a:p>
             <a:fld id="{5483CEF8-9ECA-4BFA-8C7F-BE638FC1BACD}" type="datetimeFigureOut">
               <a:rPr lang="en-US" smtClean="0"/>
-              <a:t>5/7/2021</a:t>
+              <a:t>5/13/21</a:t>
             </a:fld>
             <a:endParaRPr lang="en-US"/>
           </a:p>
@@ -3896,7 +4773,7 @@
           <a:p>
             <a:fld id="{5483CEF8-9ECA-4BFA-8C7F-BE638FC1BACD}" type="datetimeFigureOut">
               <a:rPr lang="en-US" smtClean="0"/>
-              <a:t>5/7/2021</a:t>
+              <a:t>5/13/21</a:t>
             </a:fld>
             <a:endParaRPr lang="en-US"/>
           </a:p>
@@ -4184,7 +5061,7 @@
           <a:p>
             <a:fld id="{5483CEF8-9ECA-4BFA-8C7F-BE638FC1BACD}" type="datetimeFigureOut">
               <a:rPr lang="en-US" smtClean="0"/>
-              <a:t>5/7/2021</a:t>
+              <a:t>5/13/21</a:t>
             </a:fld>
             <a:endParaRPr lang="en-US"/>
           </a:p>
@@ -4425,7 +5302,7 @@
           <a:p>
             <a:fld id="{5483CEF8-9ECA-4BFA-8C7F-BE638FC1BACD}" type="datetimeFigureOut">
               <a:rPr lang="en-US" smtClean="0"/>
-              <a:t>5/7/2021</a:t>
+              <a:t>5/13/21</a:t>
             </a:fld>
             <a:endParaRPr lang="en-US"/>
           </a:p>
@@ -10048,6 +10925,7644 @@
 </p:sld>
 </file>
 
+<file path=ppt/slides/slide3.xml><?xml version="1.0" encoding="utf-8"?>
+<p:sld xmlns:a="http://schemas.openxmlformats.org/drawingml/2006/main" xmlns:r="http://schemas.openxmlformats.org/officeDocument/2006/relationships" xmlns:p="http://schemas.openxmlformats.org/presentationml/2006/main">
+  <p:cSld>
+    <p:spTree>
+      <p:nvGrpSpPr>
+        <p:cNvPr id="1" name=""/>
+        <p:cNvGrpSpPr/>
+        <p:nvPr/>
+      </p:nvGrpSpPr>
+      <p:grpSpPr>
+        <a:xfrm>
+          <a:off x="0" y="0"/>
+          <a:ext cx="0" cy="0"/>
+          <a:chOff x="0" y="0"/>
+          <a:chExt cx="0" cy="0"/>
+        </a:xfrm>
+      </p:grpSpPr>
+      <p:sp>
+        <p:nvSpPr>
+          <p:cNvPr id="4" name="Rectangle 3">
+            <a:extLst>
+              <a:ext uri="{FF2B5EF4-FFF2-40B4-BE49-F238E27FC236}">
+                <a16:creationId xmlns:a16="http://schemas.microsoft.com/office/drawing/2014/main" id="{6E3027E0-938B-104C-8EF2-3D9623A6CF88}"/>
+              </a:ext>
+            </a:extLst>
+          </p:cNvPr>
+          <p:cNvSpPr/>
+          <p:nvPr/>
+        </p:nvSpPr>
+        <p:spPr>
+          <a:xfrm>
+            <a:off x="4016100" y="656167"/>
+            <a:ext cx="4388400" cy="5619600"/>
+          </a:xfrm>
+          <a:prstGeom prst="rect">
+            <a:avLst/>
+          </a:prstGeom>
+          <a:solidFill>
+            <a:schemeClr val="tx1"/>
+          </a:solidFill>
+          <a:ln>
+            <a:solidFill>
+              <a:schemeClr val="tx1"/>
+            </a:solidFill>
+          </a:ln>
+        </p:spPr>
+        <p:style>
+          <a:lnRef idx="2">
+            <a:schemeClr val="accent1">
+              <a:shade val="50000"/>
+            </a:schemeClr>
+          </a:lnRef>
+          <a:fillRef idx="1">
+            <a:schemeClr val="accent1"/>
+          </a:fillRef>
+          <a:effectRef idx="0">
+            <a:schemeClr val="accent1"/>
+          </a:effectRef>
+          <a:fontRef idx="minor">
+            <a:schemeClr val="lt1"/>
+          </a:fontRef>
+        </p:style>
+        <p:txBody>
+          <a:bodyPr rtlCol="0" anchor="ctr"/>
+          <a:lstStyle/>
+          <a:p>
+            <a:pPr algn="ctr"/>
+            <a:endParaRPr lang="en-DE"/>
+          </a:p>
+        </p:txBody>
+      </p:sp>
+      <p:sp>
+        <p:nvSpPr>
+          <p:cNvPr id="5" name="Rectangle 4">
+            <a:extLst>
+              <a:ext uri="{FF2B5EF4-FFF2-40B4-BE49-F238E27FC236}">
+                <a16:creationId xmlns:a16="http://schemas.microsoft.com/office/drawing/2014/main" id="{3C33D614-0173-EA40-A8DB-E417F117856C}"/>
+              </a:ext>
+            </a:extLst>
+          </p:cNvPr>
+          <p:cNvSpPr>
+            <a:spLocks noChangeAspect="1"/>
+          </p:cNvSpPr>
+          <p:nvPr/>
+        </p:nvSpPr>
+        <p:spPr>
+          <a:xfrm>
+            <a:off x="4235701" y="1371009"/>
+            <a:ext cx="183600" cy="183600"/>
+          </a:xfrm>
+          <a:prstGeom prst="rect">
+            <a:avLst/>
+          </a:prstGeom>
+          <a:solidFill>
+            <a:schemeClr val="bg1"/>
+          </a:solidFill>
+          <a:ln>
+            <a:solidFill>
+              <a:srgbClr val="00B050"/>
+            </a:solidFill>
+          </a:ln>
+        </p:spPr>
+        <p:style>
+          <a:lnRef idx="2">
+            <a:schemeClr val="accent1">
+              <a:shade val="50000"/>
+            </a:schemeClr>
+          </a:lnRef>
+          <a:fillRef idx="1">
+            <a:schemeClr val="accent1"/>
+          </a:fillRef>
+          <a:effectRef idx="0">
+            <a:schemeClr val="accent1"/>
+          </a:effectRef>
+          <a:fontRef idx="minor">
+            <a:schemeClr val="lt1"/>
+          </a:fontRef>
+        </p:style>
+        <p:txBody>
+          <a:bodyPr rtlCol="0" anchor="ctr"/>
+          <a:lstStyle/>
+          <a:p>
+            <a:pPr algn="ctr"/>
+            <a:endParaRPr lang="en-DE"/>
+          </a:p>
+        </p:txBody>
+      </p:sp>
+      <p:sp>
+        <p:nvSpPr>
+          <p:cNvPr id="12" name="Rectangle 11">
+            <a:extLst>
+              <a:ext uri="{FF2B5EF4-FFF2-40B4-BE49-F238E27FC236}">
+                <a16:creationId xmlns:a16="http://schemas.microsoft.com/office/drawing/2014/main" id="{E9783F1C-FC3B-FD4A-BF87-AB3BC45A16F5}"/>
+              </a:ext>
+            </a:extLst>
+          </p:cNvPr>
+          <p:cNvSpPr/>
+          <p:nvPr/>
+        </p:nvSpPr>
+        <p:spPr>
+          <a:xfrm rot="5400000">
+            <a:off x="1307426" y="3356167"/>
+            <a:ext cx="5619600" cy="219600"/>
+          </a:xfrm>
+          <a:prstGeom prst="rect">
+            <a:avLst/>
+          </a:prstGeom>
+          <a:solidFill>
+            <a:schemeClr val="tx1">
+              <a:lumMod val="75000"/>
+              <a:lumOff val="25000"/>
+            </a:schemeClr>
+          </a:solidFill>
+          <a:ln>
+            <a:noFill/>
+          </a:ln>
+        </p:spPr>
+        <p:style>
+          <a:lnRef idx="2">
+            <a:schemeClr val="accent1">
+              <a:shade val="50000"/>
+            </a:schemeClr>
+          </a:lnRef>
+          <a:fillRef idx="1">
+            <a:schemeClr val="accent1"/>
+          </a:fillRef>
+          <a:effectRef idx="0">
+            <a:schemeClr val="accent1"/>
+          </a:effectRef>
+          <a:fontRef idx="minor">
+            <a:schemeClr val="lt1"/>
+          </a:fontRef>
+        </p:style>
+        <p:txBody>
+          <a:bodyPr rtlCol="0" anchor="ctr"/>
+          <a:lstStyle/>
+          <a:p>
+            <a:pPr algn="ctr"/>
+            <a:r>
+              <a:rPr lang="en-DE" dirty="0"/>
+              <a:t>Abstand vom Rand</a:t>
+            </a:r>
+          </a:p>
+        </p:txBody>
+      </p:sp>
+      <p:sp>
+        <p:nvSpPr>
+          <p:cNvPr id="13" name="Rectangle 12">
+            <a:extLst>
+              <a:ext uri="{FF2B5EF4-FFF2-40B4-BE49-F238E27FC236}">
+                <a16:creationId xmlns:a16="http://schemas.microsoft.com/office/drawing/2014/main" id="{1F81CED6-D6F4-114F-A09D-6CE848ED2932}"/>
+              </a:ext>
+            </a:extLst>
+          </p:cNvPr>
+          <p:cNvSpPr/>
+          <p:nvPr/>
+        </p:nvSpPr>
+        <p:spPr>
+          <a:xfrm rot="5400000">
+            <a:off x="5486848" y="3356167"/>
+            <a:ext cx="5619600" cy="219600"/>
+          </a:xfrm>
+          <a:prstGeom prst="rect">
+            <a:avLst/>
+          </a:prstGeom>
+          <a:solidFill>
+            <a:schemeClr val="tx1">
+              <a:lumMod val="75000"/>
+              <a:lumOff val="25000"/>
+            </a:schemeClr>
+          </a:solidFill>
+          <a:ln>
+            <a:noFill/>
+          </a:ln>
+        </p:spPr>
+        <p:style>
+          <a:lnRef idx="2">
+            <a:schemeClr val="accent1">
+              <a:shade val="50000"/>
+            </a:schemeClr>
+          </a:lnRef>
+          <a:fillRef idx="1">
+            <a:schemeClr val="accent1"/>
+          </a:fillRef>
+          <a:effectRef idx="0">
+            <a:schemeClr val="accent1"/>
+          </a:effectRef>
+          <a:fontRef idx="minor">
+            <a:schemeClr val="lt1"/>
+          </a:fontRef>
+        </p:style>
+        <p:txBody>
+          <a:bodyPr rtlCol="0" anchor="ctr"/>
+          <a:lstStyle/>
+          <a:p>
+            <a:pPr algn="ctr"/>
+            <a:r>
+              <a:rPr lang="en-DE" dirty="0"/>
+              <a:t>Abstand vom Rand</a:t>
+            </a:r>
+          </a:p>
+        </p:txBody>
+      </p:sp>
+      <p:sp>
+        <p:nvSpPr>
+          <p:cNvPr id="14" name="Rectangle 13">
+            <a:extLst>
+              <a:ext uri="{FF2B5EF4-FFF2-40B4-BE49-F238E27FC236}">
+                <a16:creationId xmlns:a16="http://schemas.microsoft.com/office/drawing/2014/main" id="{C695F26B-55B5-4E4D-B41A-C19A7D4D2144}"/>
+              </a:ext>
+            </a:extLst>
+          </p:cNvPr>
+          <p:cNvSpPr/>
+          <p:nvPr/>
+        </p:nvSpPr>
+        <p:spPr>
+          <a:xfrm>
+            <a:off x="4425876" y="1371009"/>
+            <a:ext cx="108000" cy="183600"/>
+          </a:xfrm>
+          <a:prstGeom prst="rect">
+            <a:avLst/>
+          </a:prstGeom>
+          <a:solidFill>
+            <a:schemeClr val="tx1">
+              <a:lumMod val="75000"/>
+              <a:lumOff val="25000"/>
+            </a:schemeClr>
+          </a:solidFill>
+          <a:ln>
+            <a:noFill/>
+          </a:ln>
+        </p:spPr>
+        <p:style>
+          <a:lnRef idx="2">
+            <a:schemeClr val="accent1">
+              <a:shade val="50000"/>
+            </a:schemeClr>
+          </a:lnRef>
+          <a:fillRef idx="1">
+            <a:schemeClr val="accent1"/>
+          </a:fillRef>
+          <a:effectRef idx="0">
+            <a:schemeClr val="accent1"/>
+          </a:effectRef>
+          <a:fontRef idx="minor">
+            <a:schemeClr val="lt1"/>
+          </a:fontRef>
+        </p:style>
+        <p:txBody>
+          <a:bodyPr rtlCol="0" anchor="ctr"/>
+          <a:lstStyle/>
+          <a:p>
+            <a:pPr algn="ctr"/>
+            <a:endParaRPr lang="en-DE"/>
+          </a:p>
+        </p:txBody>
+      </p:sp>
+      <p:sp>
+        <p:nvSpPr>
+          <p:cNvPr id="15" name="Rectangle 14">
+            <a:extLst>
+              <a:ext uri="{FF2B5EF4-FFF2-40B4-BE49-F238E27FC236}">
+                <a16:creationId xmlns:a16="http://schemas.microsoft.com/office/drawing/2014/main" id="{565FF8C7-3E2E-804F-86E8-07422D8D4059}"/>
+              </a:ext>
+            </a:extLst>
+          </p:cNvPr>
+          <p:cNvSpPr>
+            <a:spLocks noChangeAspect="1"/>
+          </p:cNvSpPr>
+          <p:nvPr/>
+        </p:nvSpPr>
+        <p:spPr>
+          <a:xfrm>
+            <a:off x="4530619" y="1371009"/>
+            <a:ext cx="183600" cy="183600"/>
+          </a:xfrm>
+          <a:prstGeom prst="rect">
+            <a:avLst/>
+          </a:prstGeom>
+          <a:solidFill>
+            <a:schemeClr val="bg1"/>
+          </a:solidFill>
+          <a:ln>
+            <a:solidFill>
+              <a:srgbClr val="00B050"/>
+            </a:solidFill>
+          </a:ln>
+        </p:spPr>
+        <p:style>
+          <a:lnRef idx="2">
+            <a:schemeClr val="accent1">
+              <a:shade val="50000"/>
+            </a:schemeClr>
+          </a:lnRef>
+          <a:fillRef idx="1">
+            <a:schemeClr val="accent1"/>
+          </a:fillRef>
+          <a:effectRef idx="0">
+            <a:schemeClr val="accent1"/>
+          </a:effectRef>
+          <a:fontRef idx="minor">
+            <a:schemeClr val="lt1"/>
+          </a:fontRef>
+        </p:style>
+        <p:txBody>
+          <a:bodyPr rtlCol="0" anchor="ctr"/>
+          <a:lstStyle/>
+          <a:p>
+            <a:pPr algn="ctr"/>
+            <a:endParaRPr lang="en-DE"/>
+          </a:p>
+        </p:txBody>
+      </p:sp>
+      <p:sp>
+        <p:nvSpPr>
+          <p:cNvPr id="16" name="Rectangle 15">
+            <a:extLst>
+              <a:ext uri="{FF2B5EF4-FFF2-40B4-BE49-F238E27FC236}">
+                <a16:creationId xmlns:a16="http://schemas.microsoft.com/office/drawing/2014/main" id="{148EB97C-4CDC-4E4A-8276-9522B1257ECB}"/>
+              </a:ext>
+            </a:extLst>
+          </p:cNvPr>
+          <p:cNvSpPr/>
+          <p:nvPr/>
+        </p:nvSpPr>
+        <p:spPr>
+          <a:xfrm>
+            <a:off x="4720794" y="1371009"/>
+            <a:ext cx="108000" cy="183600"/>
+          </a:xfrm>
+          <a:prstGeom prst="rect">
+            <a:avLst/>
+          </a:prstGeom>
+          <a:solidFill>
+            <a:schemeClr val="tx1">
+              <a:lumMod val="75000"/>
+              <a:lumOff val="25000"/>
+            </a:schemeClr>
+          </a:solidFill>
+          <a:ln>
+            <a:noFill/>
+          </a:ln>
+        </p:spPr>
+        <p:style>
+          <a:lnRef idx="2">
+            <a:schemeClr val="accent1">
+              <a:shade val="50000"/>
+            </a:schemeClr>
+          </a:lnRef>
+          <a:fillRef idx="1">
+            <a:schemeClr val="accent1"/>
+          </a:fillRef>
+          <a:effectRef idx="0">
+            <a:schemeClr val="accent1"/>
+          </a:effectRef>
+          <a:fontRef idx="minor">
+            <a:schemeClr val="lt1"/>
+          </a:fontRef>
+        </p:style>
+        <p:txBody>
+          <a:bodyPr rtlCol="0" anchor="ctr"/>
+          <a:lstStyle/>
+          <a:p>
+            <a:pPr algn="ctr"/>
+            <a:endParaRPr lang="en-DE"/>
+          </a:p>
+        </p:txBody>
+      </p:sp>
+      <p:sp>
+        <p:nvSpPr>
+          <p:cNvPr id="17" name="Rectangle 16">
+            <a:extLst>
+              <a:ext uri="{FF2B5EF4-FFF2-40B4-BE49-F238E27FC236}">
+                <a16:creationId xmlns:a16="http://schemas.microsoft.com/office/drawing/2014/main" id="{A24F7CB7-7744-9043-8197-5CD70FDBFA8C}"/>
+              </a:ext>
+            </a:extLst>
+          </p:cNvPr>
+          <p:cNvSpPr>
+            <a:spLocks noChangeAspect="1"/>
+          </p:cNvSpPr>
+          <p:nvPr/>
+        </p:nvSpPr>
+        <p:spPr>
+          <a:xfrm>
+            <a:off x="4835369" y="1371009"/>
+            <a:ext cx="183600" cy="183600"/>
+          </a:xfrm>
+          <a:prstGeom prst="rect">
+            <a:avLst/>
+          </a:prstGeom>
+          <a:solidFill>
+            <a:schemeClr val="bg1"/>
+          </a:solidFill>
+          <a:ln>
+            <a:solidFill>
+              <a:srgbClr val="00B050"/>
+            </a:solidFill>
+          </a:ln>
+        </p:spPr>
+        <p:style>
+          <a:lnRef idx="2">
+            <a:schemeClr val="accent1">
+              <a:shade val="50000"/>
+            </a:schemeClr>
+          </a:lnRef>
+          <a:fillRef idx="1">
+            <a:schemeClr val="accent1"/>
+          </a:fillRef>
+          <a:effectRef idx="0">
+            <a:schemeClr val="accent1"/>
+          </a:effectRef>
+          <a:fontRef idx="minor">
+            <a:schemeClr val="lt1"/>
+          </a:fontRef>
+        </p:style>
+        <p:txBody>
+          <a:bodyPr rtlCol="0" anchor="ctr"/>
+          <a:lstStyle/>
+          <a:p>
+            <a:pPr algn="ctr"/>
+            <a:endParaRPr lang="en-DE"/>
+          </a:p>
+        </p:txBody>
+      </p:sp>
+      <p:sp>
+        <p:nvSpPr>
+          <p:cNvPr id="18" name="Rectangle 17">
+            <a:extLst>
+              <a:ext uri="{FF2B5EF4-FFF2-40B4-BE49-F238E27FC236}">
+                <a16:creationId xmlns:a16="http://schemas.microsoft.com/office/drawing/2014/main" id="{E3B43021-0DCA-FC45-89FF-A6CA8CA0EAE5}"/>
+              </a:ext>
+            </a:extLst>
+          </p:cNvPr>
+          <p:cNvSpPr/>
+          <p:nvPr/>
+        </p:nvSpPr>
+        <p:spPr>
+          <a:xfrm>
+            <a:off x="5025544" y="1371009"/>
+            <a:ext cx="108000" cy="183600"/>
+          </a:xfrm>
+          <a:prstGeom prst="rect">
+            <a:avLst/>
+          </a:prstGeom>
+          <a:solidFill>
+            <a:schemeClr val="tx1">
+              <a:lumMod val="75000"/>
+              <a:lumOff val="25000"/>
+            </a:schemeClr>
+          </a:solidFill>
+          <a:ln>
+            <a:noFill/>
+          </a:ln>
+        </p:spPr>
+        <p:style>
+          <a:lnRef idx="2">
+            <a:schemeClr val="accent1">
+              <a:shade val="50000"/>
+            </a:schemeClr>
+          </a:lnRef>
+          <a:fillRef idx="1">
+            <a:schemeClr val="accent1"/>
+          </a:fillRef>
+          <a:effectRef idx="0">
+            <a:schemeClr val="accent1"/>
+          </a:effectRef>
+          <a:fontRef idx="minor">
+            <a:schemeClr val="lt1"/>
+          </a:fontRef>
+        </p:style>
+        <p:txBody>
+          <a:bodyPr rtlCol="0" anchor="ctr"/>
+          <a:lstStyle/>
+          <a:p>
+            <a:pPr algn="ctr"/>
+            <a:endParaRPr lang="en-DE"/>
+          </a:p>
+        </p:txBody>
+      </p:sp>
+      <p:sp>
+        <p:nvSpPr>
+          <p:cNvPr id="19" name="Rectangle 18">
+            <a:extLst>
+              <a:ext uri="{FF2B5EF4-FFF2-40B4-BE49-F238E27FC236}">
+                <a16:creationId xmlns:a16="http://schemas.microsoft.com/office/drawing/2014/main" id="{DED3733F-A823-F64C-9A59-284CC631F544}"/>
+              </a:ext>
+            </a:extLst>
+          </p:cNvPr>
+          <p:cNvSpPr>
+            <a:spLocks noChangeAspect="1"/>
+          </p:cNvSpPr>
+          <p:nvPr/>
+        </p:nvSpPr>
+        <p:spPr>
+          <a:xfrm>
+            <a:off x="5140119" y="1371009"/>
+            <a:ext cx="183600" cy="183600"/>
+          </a:xfrm>
+          <a:prstGeom prst="rect">
+            <a:avLst/>
+          </a:prstGeom>
+          <a:solidFill>
+            <a:schemeClr val="bg1"/>
+          </a:solidFill>
+          <a:ln>
+            <a:solidFill>
+              <a:srgbClr val="00B050"/>
+            </a:solidFill>
+          </a:ln>
+        </p:spPr>
+        <p:style>
+          <a:lnRef idx="2">
+            <a:schemeClr val="accent1">
+              <a:shade val="50000"/>
+            </a:schemeClr>
+          </a:lnRef>
+          <a:fillRef idx="1">
+            <a:schemeClr val="accent1"/>
+          </a:fillRef>
+          <a:effectRef idx="0">
+            <a:schemeClr val="accent1"/>
+          </a:effectRef>
+          <a:fontRef idx="minor">
+            <a:schemeClr val="lt1"/>
+          </a:fontRef>
+        </p:style>
+        <p:txBody>
+          <a:bodyPr rtlCol="0" anchor="ctr"/>
+          <a:lstStyle/>
+          <a:p>
+            <a:pPr algn="ctr"/>
+            <a:endParaRPr lang="en-DE"/>
+          </a:p>
+        </p:txBody>
+      </p:sp>
+      <p:sp>
+        <p:nvSpPr>
+          <p:cNvPr id="20" name="Rectangle 19">
+            <a:extLst>
+              <a:ext uri="{FF2B5EF4-FFF2-40B4-BE49-F238E27FC236}">
+                <a16:creationId xmlns:a16="http://schemas.microsoft.com/office/drawing/2014/main" id="{C43BCB70-B58F-FD41-9BE7-89552822876B}"/>
+              </a:ext>
+            </a:extLst>
+          </p:cNvPr>
+          <p:cNvSpPr/>
+          <p:nvPr/>
+        </p:nvSpPr>
+        <p:spPr>
+          <a:xfrm>
+            <a:off x="5330294" y="1371009"/>
+            <a:ext cx="108000" cy="183600"/>
+          </a:xfrm>
+          <a:prstGeom prst="rect">
+            <a:avLst/>
+          </a:prstGeom>
+          <a:solidFill>
+            <a:schemeClr val="tx1">
+              <a:lumMod val="75000"/>
+              <a:lumOff val="25000"/>
+            </a:schemeClr>
+          </a:solidFill>
+          <a:ln>
+            <a:noFill/>
+          </a:ln>
+        </p:spPr>
+        <p:style>
+          <a:lnRef idx="2">
+            <a:schemeClr val="accent1">
+              <a:shade val="50000"/>
+            </a:schemeClr>
+          </a:lnRef>
+          <a:fillRef idx="1">
+            <a:schemeClr val="accent1"/>
+          </a:fillRef>
+          <a:effectRef idx="0">
+            <a:schemeClr val="accent1"/>
+          </a:effectRef>
+          <a:fontRef idx="minor">
+            <a:schemeClr val="lt1"/>
+          </a:fontRef>
+        </p:style>
+        <p:txBody>
+          <a:bodyPr rtlCol="0" anchor="ctr"/>
+          <a:lstStyle/>
+          <a:p>
+            <a:pPr algn="ctr"/>
+            <a:endParaRPr lang="en-DE"/>
+          </a:p>
+        </p:txBody>
+      </p:sp>
+      <p:sp>
+        <p:nvSpPr>
+          <p:cNvPr id="21" name="Rectangle 20">
+            <a:extLst>
+              <a:ext uri="{FF2B5EF4-FFF2-40B4-BE49-F238E27FC236}">
+                <a16:creationId xmlns:a16="http://schemas.microsoft.com/office/drawing/2014/main" id="{03FC28E5-828C-0344-916F-3DF238B15763}"/>
+              </a:ext>
+            </a:extLst>
+          </p:cNvPr>
+          <p:cNvSpPr>
+            <a:spLocks noChangeAspect="1"/>
+          </p:cNvSpPr>
+          <p:nvPr/>
+        </p:nvSpPr>
+        <p:spPr>
+          <a:xfrm>
+            <a:off x="5445738" y="1371009"/>
+            <a:ext cx="183600" cy="183600"/>
+          </a:xfrm>
+          <a:prstGeom prst="rect">
+            <a:avLst/>
+          </a:prstGeom>
+          <a:solidFill>
+            <a:schemeClr val="bg1"/>
+          </a:solidFill>
+          <a:ln>
+            <a:solidFill>
+              <a:srgbClr val="00B050"/>
+            </a:solidFill>
+          </a:ln>
+        </p:spPr>
+        <p:style>
+          <a:lnRef idx="2">
+            <a:schemeClr val="accent1">
+              <a:shade val="50000"/>
+            </a:schemeClr>
+          </a:lnRef>
+          <a:fillRef idx="1">
+            <a:schemeClr val="accent1"/>
+          </a:fillRef>
+          <a:effectRef idx="0">
+            <a:schemeClr val="accent1"/>
+          </a:effectRef>
+          <a:fontRef idx="minor">
+            <a:schemeClr val="lt1"/>
+          </a:fontRef>
+        </p:style>
+        <p:txBody>
+          <a:bodyPr rtlCol="0" anchor="ctr"/>
+          <a:lstStyle/>
+          <a:p>
+            <a:pPr algn="ctr"/>
+            <a:endParaRPr lang="en-DE"/>
+          </a:p>
+        </p:txBody>
+      </p:sp>
+      <p:sp>
+        <p:nvSpPr>
+          <p:cNvPr id="22" name="Rectangle 21">
+            <a:extLst>
+              <a:ext uri="{FF2B5EF4-FFF2-40B4-BE49-F238E27FC236}">
+                <a16:creationId xmlns:a16="http://schemas.microsoft.com/office/drawing/2014/main" id="{D1A488F1-4BE3-FC4F-9DAF-635EFD2E100E}"/>
+              </a:ext>
+            </a:extLst>
+          </p:cNvPr>
+          <p:cNvSpPr/>
+          <p:nvPr/>
+        </p:nvSpPr>
+        <p:spPr>
+          <a:xfrm>
+            <a:off x="5635913" y="1371009"/>
+            <a:ext cx="108000" cy="183600"/>
+          </a:xfrm>
+          <a:prstGeom prst="rect">
+            <a:avLst/>
+          </a:prstGeom>
+          <a:solidFill>
+            <a:schemeClr val="tx1">
+              <a:lumMod val="75000"/>
+              <a:lumOff val="25000"/>
+            </a:schemeClr>
+          </a:solidFill>
+          <a:ln>
+            <a:noFill/>
+          </a:ln>
+        </p:spPr>
+        <p:style>
+          <a:lnRef idx="2">
+            <a:schemeClr val="accent1">
+              <a:shade val="50000"/>
+            </a:schemeClr>
+          </a:lnRef>
+          <a:fillRef idx="1">
+            <a:schemeClr val="accent1"/>
+          </a:fillRef>
+          <a:effectRef idx="0">
+            <a:schemeClr val="accent1"/>
+          </a:effectRef>
+          <a:fontRef idx="minor">
+            <a:schemeClr val="lt1"/>
+          </a:fontRef>
+        </p:style>
+        <p:txBody>
+          <a:bodyPr rtlCol="0" anchor="ctr"/>
+          <a:lstStyle/>
+          <a:p>
+            <a:pPr algn="ctr"/>
+            <a:endParaRPr lang="en-DE"/>
+          </a:p>
+        </p:txBody>
+      </p:sp>
+      <p:sp>
+        <p:nvSpPr>
+          <p:cNvPr id="23" name="Rectangle 22">
+            <a:extLst>
+              <a:ext uri="{FF2B5EF4-FFF2-40B4-BE49-F238E27FC236}">
+                <a16:creationId xmlns:a16="http://schemas.microsoft.com/office/drawing/2014/main" id="{9A139AFE-B9EB-7144-8981-EAF27A0E231D}"/>
+              </a:ext>
+            </a:extLst>
+          </p:cNvPr>
+          <p:cNvSpPr>
+            <a:spLocks noChangeAspect="1"/>
+          </p:cNvSpPr>
+          <p:nvPr/>
+        </p:nvSpPr>
+        <p:spPr>
+          <a:xfrm>
+            <a:off x="5742365" y="1371009"/>
+            <a:ext cx="183600" cy="183600"/>
+          </a:xfrm>
+          <a:prstGeom prst="rect">
+            <a:avLst/>
+          </a:prstGeom>
+          <a:solidFill>
+            <a:schemeClr val="bg1"/>
+          </a:solidFill>
+          <a:ln>
+            <a:solidFill>
+              <a:srgbClr val="00B050"/>
+            </a:solidFill>
+          </a:ln>
+        </p:spPr>
+        <p:style>
+          <a:lnRef idx="2">
+            <a:schemeClr val="accent1">
+              <a:shade val="50000"/>
+            </a:schemeClr>
+          </a:lnRef>
+          <a:fillRef idx="1">
+            <a:schemeClr val="accent1"/>
+          </a:fillRef>
+          <a:effectRef idx="0">
+            <a:schemeClr val="accent1"/>
+          </a:effectRef>
+          <a:fontRef idx="minor">
+            <a:schemeClr val="lt1"/>
+          </a:fontRef>
+        </p:style>
+        <p:txBody>
+          <a:bodyPr rtlCol="0" anchor="ctr"/>
+          <a:lstStyle/>
+          <a:p>
+            <a:pPr algn="ctr"/>
+            <a:endParaRPr lang="en-DE"/>
+          </a:p>
+        </p:txBody>
+      </p:sp>
+      <p:sp>
+        <p:nvSpPr>
+          <p:cNvPr id="24" name="Rectangle 23">
+            <a:extLst>
+              <a:ext uri="{FF2B5EF4-FFF2-40B4-BE49-F238E27FC236}">
+                <a16:creationId xmlns:a16="http://schemas.microsoft.com/office/drawing/2014/main" id="{46E9FC91-F203-6F4F-A85D-542BD509DB71}"/>
+              </a:ext>
+            </a:extLst>
+          </p:cNvPr>
+          <p:cNvSpPr/>
+          <p:nvPr/>
+        </p:nvSpPr>
+        <p:spPr>
+          <a:xfrm>
+            <a:off x="5932540" y="1371009"/>
+            <a:ext cx="108000" cy="183600"/>
+          </a:xfrm>
+          <a:prstGeom prst="rect">
+            <a:avLst/>
+          </a:prstGeom>
+          <a:solidFill>
+            <a:schemeClr val="tx1">
+              <a:lumMod val="75000"/>
+              <a:lumOff val="25000"/>
+            </a:schemeClr>
+          </a:solidFill>
+          <a:ln>
+            <a:noFill/>
+          </a:ln>
+        </p:spPr>
+        <p:style>
+          <a:lnRef idx="2">
+            <a:schemeClr val="accent1">
+              <a:shade val="50000"/>
+            </a:schemeClr>
+          </a:lnRef>
+          <a:fillRef idx="1">
+            <a:schemeClr val="accent1"/>
+          </a:fillRef>
+          <a:effectRef idx="0">
+            <a:schemeClr val="accent1"/>
+          </a:effectRef>
+          <a:fontRef idx="minor">
+            <a:schemeClr val="lt1"/>
+          </a:fontRef>
+        </p:style>
+        <p:txBody>
+          <a:bodyPr rtlCol="0" anchor="ctr"/>
+          <a:lstStyle/>
+          <a:p>
+            <a:pPr algn="ctr"/>
+            <a:endParaRPr lang="en-DE"/>
+          </a:p>
+        </p:txBody>
+      </p:sp>
+      <p:sp>
+        <p:nvSpPr>
+          <p:cNvPr id="25" name="Rectangle 24">
+            <a:extLst>
+              <a:ext uri="{FF2B5EF4-FFF2-40B4-BE49-F238E27FC236}">
+                <a16:creationId xmlns:a16="http://schemas.microsoft.com/office/drawing/2014/main" id="{0C54C58A-6B1F-FA40-B802-1E1DAE95E677}"/>
+              </a:ext>
+            </a:extLst>
+          </p:cNvPr>
+          <p:cNvSpPr>
+            <a:spLocks noChangeAspect="1"/>
+          </p:cNvSpPr>
+          <p:nvPr/>
+        </p:nvSpPr>
+        <p:spPr>
+          <a:xfrm>
+            <a:off x="6040540" y="1371009"/>
+            <a:ext cx="183600" cy="183600"/>
+          </a:xfrm>
+          <a:prstGeom prst="rect">
+            <a:avLst/>
+          </a:prstGeom>
+          <a:solidFill>
+            <a:schemeClr val="bg1"/>
+          </a:solidFill>
+          <a:ln>
+            <a:solidFill>
+              <a:srgbClr val="00B050"/>
+            </a:solidFill>
+          </a:ln>
+        </p:spPr>
+        <p:style>
+          <a:lnRef idx="2">
+            <a:schemeClr val="accent1">
+              <a:shade val="50000"/>
+            </a:schemeClr>
+          </a:lnRef>
+          <a:fillRef idx="1">
+            <a:schemeClr val="accent1"/>
+          </a:fillRef>
+          <a:effectRef idx="0">
+            <a:schemeClr val="accent1"/>
+          </a:effectRef>
+          <a:fontRef idx="minor">
+            <a:schemeClr val="lt1"/>
+          </a:fontRef>
+        </p:style>
+        <p:txBody>
+          <a:bodyPr rtlCol="0" anchor="ctr"/>
+          <a:lstStyle/>
+          <a:p>
+            <a:pPr algn="ctr"/>
+            <a:endParaRPr lang="en-DE"/>
+          </a:p>
+        </p:txBody>
+      </p:sp>
+      <p:sp>
+        <p:nvSpPr>
+          <p:cNvPr id="26" name="Rectangle 25">
+            <a:extLst>
+              <a:ext uri="{FF2B5EF4-FFF2-40B4-BE49-F238E27FC236}">
+                <a16:creationId xmlns:a16="http://schemas.microsoft.com/office/drawing/2014/main" id="{C734F991-F146-5A4D-BEF4-8BE4CFF59BFD}"/>
+              </a:ext>
+            </a:extLst>
+          </p:cNvPr>
+          <p:cNvSpPr/>
+          <p:nvPr/>
+        </p:nvSpPr>
+        <p:spPr>
+          <a:xfrm>
+            <a:off x="6230715" y="1371009"/>
+            <a:ext cx="108000" cy="183600"/>
+          </a:xfrm>
+          <a:prstGeom prst="rect">
+            <a:avLst/>
+          </a:prstGeom>
+          <a:solidFill>
+            <a:schemeClr val="tx1">
+              <a:lumMod val="75000"/>
+              <a:lumOff val="25000"/>
+            </a:schemeClr>
+          </a:solidFill>
+          <a:ln>
+            <a:noFill/>
+          </a:ln>
+        </p:spPr>
+        <p:style>
+          <a:lnRef idx="2">
+            <a:schemeClr val="accent1">
+              <a:shade val="50000"/>
+            </a:schemeClr>
+          </a:lnRef>
+          <a:fillRef idx="1">
+            <a:schemeClr val="accent1"/>
+          </a:fillRef>
+          <a:effectRef idx="0">
+            <a:schemeClr val="accent1"/>
+          </a:effectRef>
+          <a:fontRef idx="minor">
+            <a:schemeClr val="lt1"/>
+          </a:fontRef>
+        </p:style>
+        <p:txBody>
+          <a:bodyPr rtlCol="0" anchor="ctr"/>
+          <a:lstStyle/>
+          <a:p>
+            <a:pPr algn="ctr"/>
+            <a:endParaRPr lang="en-DE"/>
+          </a:p>
+        </p:txBody>
+      </p:sp>
+      <p:sp>
+        <p:nvSpPr>
+          <p:cNvPr id="27" name="Rectangle 26">
+            <a:extLst>
+              <a:ext uri="{FF2B5EF4-FFF2-40B4-BE49-F238E27FC236}">
+                <a16:creationId xmlns:a16="http://schemas.microsoft.com/office/drawing/2014/main" id="{9092403C-A6C6-9447-9855-33636F77AEE1}"/>
+              </a:ext>
+            </a:extLst>
+          </p:cNvPr>
+          <p:cNvSpPr>
+            <a:spLocks noChangeAspect="1"/>
+          </p:cNvSpPr>
+          <p:nvPr/>
+        </p:nvSpPr>
+        <p:spPr>
+          <a:xfrm>
+            <a:off x="6338179" y="1371009"/>
+            <a:ext cx="183600" cy="183600"/>
+          </a:xfrm>
+          <a:prstGeom prst="rect">
+            <a:avLst/>
+          </a:prstGeom>
+          <a:solidFill>
+            <a:schemeClr val="bg1"/>
+          </a:solidFill>
+          <a:ln>
+            <a:solidFill>
+              <a:srgbClr val="00B050"/>
+            </a:solidFill>
+          </a:ln>
+        </p:spPr>
+        <p:style>
+          <a:lnRef idx="2">
+            <a:schemeClr val="accent1">
+              <a:shade val="50000"/>
+            </a:schemeClr>
+          </a:lnRef>
+          <a:fillRef idx="1">
+            <a:schemeClr val="accent1"/>
+          </a:fillRef>
+          <a:effectRef idx="0">
+            <a:schemeClr val="accent1"/>
+          </a:effectRef>
+          <a:fontRef idx="minor">
+            <a:schemeClr val="lt1"/>
+          </a:fontRef>
+        </p:style>
+        <p:txBody>
+          <a:bodyPr rtlCol="0" anchor="ctr"/>
+          <a:lstStyle/>
+          <a:p>
+            <a:pPr algn="ctr"/>
+            <a:endParaRPr lang="en-DE"/>
+          </a:p>
+        </p:txBody>
+      </p:sp>
+      <p:sp>
+        <p:nvSpPr>
+          <p:cNvPr id="28" name="Rectangle 27">
+            <a:extLst>
+              <a:ext uri="{FF2B5EF4-FFF2-40B4-BE49-F238E27FC236}">
+                <a16:creationId xmlns:a16="http://schemas.microsoft.com/office/drawing/2014/main" id="{94D096F9-5885-4B41-96CF-4DB8D3F723D0}"/>
+              </a:ext>
+            </a:extLst>
+          </p:cNvPr>
+          <p:cNvSpPr/>
+          <p:nvPr/>
+        </p:nvSpPr>
+        <p:spPr>
+          <a:xfrm>
+            <a:off x="6528354" y="1371009"/>
+            <a:ext cx="108000" cy="183600"/>
+          </a:xfrm>
+          <a:prstGeom prst="rect">
+            <a:avLst/>
+          </a:prstGeom>
+          <a:solidFill>
+            <a:schemeClr val="tx1">
+              <a:lumMod val="75000"/>
+              <a:lumOff val="25000"/>
+            </a:schemeClr>
+          </a:solidFill>
+          <a:ln>
+            <a:noFill/>
+          </a:ln>
+        </p:spPr>
+        <p:style>
+          <a:lnRef idx="2">
+            <a:schemeClr val="accent1">
+              <a:shade val="50000"/>
+            </a:schemeClr>
+          </a:lnRef>
+          <a:fillRef idx="1">
+            <a:schemeClr val="accent1"/>
+          </a:fillRef>
+          <a:effectRef idx="0">
+            <a:schemeClr val="accent1"/>
+          </a:effectRef>
+          <a:fontRef idx="minor">
+            <a:schemeClr val="lt1"/>
+          </a:fontRef>
+        </p:style>
+        <p:txBody>
+          <a:bodyPr rtlCol="0" anchor="ctr"/>
+          <a:lstStyle/>
+          <a:p>
+            <a:pPr algn="ctr"/>
+            <a:endParaRPr lang="en-DE"/>
+          </a:p>
+        </p:txBody>
+      </p:sp>
+      <p:sp>
+        <p:nvSpPr>
+          <p:cNvPr id="29" name="Rectangle 28">
+            <a:extLst>
+              <a:ext uri="{FF2B5EF4-FFF2-40B4-BE49-F238E27FC236}">
+                <a16:creationId xmlns:a16="http://schemas.microsoft.com/office/drawing/2014/main" id="{A91A2E7F-59C1-4D46-BE26-F354E83BBBCA}"/>
+              </a:ext>
+            </a:extLst>
+          </p:cNvPr>
+          <p:cNvSpPr>
+            <a:spLocks noChangeAspect="1"/>
+          </p:cNvSpPr>
+          <p:nvPr/>
+        </p:nvSpPr>
+        <p:spPr>
+          <a:xfrm>
+            <a:off x="6629243" y="1371009"/>
+            <a:ext cx="183600" cy="183600"/>
+          </a:xfrm>
+          <a:prstGeom prst="rect">
+            <a:avLst/>
+          </a:prstGeom>
+          <a:solidFill>
+            <a:schemeClr val="bg1"/>
+          </a:solidFill>
+          <a:ln>
+            <a:solidFill>
+              <a:srgbClr val="00B050"/>
+            </a:solidFill>
+          </a:ln>
+        </p:spPr>
+        <p:style>
+          <a:lnRef idx="2">
+            <a:schemeClr val="accent1">
+              <a:shade val="50000"/>
+            </a:schemeClr>
+          </a:lnRef>
+          <a:fillRef idx="1">
+            <a:schemeClr val="accent1"/>
+          </a:fillRef>
+          <a:effectRef idx="0">
+            <a:schemeClr val="accent1"/>
+          </a:effectRef>
+          <a:fontRef idx="minor">
+            <a:schemeClr val="lt1"/>
+          </a:fontRef>
+        </p:style>
+        <p:txBody>
+          <a:bodyPr rtlCol="0" anchor="ctr"/>
+          <a:lstStyle/>
+          <a:p>
+            <a:pPr algn="ctr"/>
+            <a:endParaRPr lang="en-DE"/>
+          </a:p>
+        </p:txBody>
+      </p:sp>
+      <p:sp>
+        <p:nvSpPr>
+          <p:cNvPr id="30" name="Rectangle 29">
+            <a:extLst>
+              <a:ext uri="{FF2B5EF4-FFF2-40B4-BE49-F238E27FC236}">
+                <a16:creationId xmlns:a16="http://schemas.microsoft.com/office/drawing/2014/main" id="{7E3126EB-E671-C348-A271-1EFCC25C16F9}"/>
+              </a:ext>
+            </a:extLst>
+          </p:cNvPr>
+          <p:cNvSpPr/>
+          <p:nvPr/>
+        </p:nvSpPr>
+        <p:spPr>
+          <a:xfrm>
+            <a:off x="6819418" y="1371009"/>
+            <a:ext cx="108000" cy="183600"/>
+          </a:xfrm>
+          <a:prstGeom prst="rect">
+            <a:avLst/>
+          </a:prstGeom>
+          <a:solidFill>
+            <a:schemeClr val="tx1">
+              <a:lumMod val="75000"/>
+              <a:lumOff val="25000"/>
+            </a:schemeClr>
+          </a:solidFill>
+          <a:ln>
+            <a:noFill/>
+          </a:ln>
+        </p:spPr>
+        <p:style>
+          <a:lnRef idx="2">
+            <a:schemeClr val="accent1">
+              <a:shade val="50000"/>
+            </a:schemeClr>
+          </a:lnRef>
+          <a:fillRef idx="1">
+            <a:schemeClr val="accent1"/>
+          </a:fillRef>
+          <a:effectRef idx="0">
+            <a:schemeClr val="accent1"/>
+          </a:effectRef>
+          <a:fontRef idx="minor">
+            <a:schemeClr val="lt1"/>
+          </a:fontRef>
+        </p:style>
+        <p:txBody>
+          <a:bodyPr rtlCol="0" anchor="ctr"/>
+          <a:lstStyle/>
+          <a:p>
+            <a:pPr algn="ctr"/>
+            <a:endParaRPr lang="en-DE"/>
+          </a:p>
+        </p:txBody>
+      </p:sp>
+      <p:sp>
+        <p:nvSpPr>
+          <p:cNvPr id="31" name="Rectangle 30">
+            <a:extLst>
+              <a:ext uri="{FF2B5EF4-FFF2-40B4-BE49-F238E27FC236}">
+                <a16:creationId xmlns:a16="http://schemas.microsoft.com/office/drawing/2014/main" id="{25690557-3171-FC43-A009-0DB35CA314D7}"/>
+              </a:ext>
+            </a:extLst>
+          </p:cNvPr>
+          <p:cNvSpPr>
+            <a:spLocks noChangeAspect="1"/>
+          </p:cNvSpPr>
+          <p:nvPr/>
+        </p:nvSpPr>
+        <p:spPr>
+          <a:xfrm>
+            <a:off x="6933978" y="1371009"/>
+            <a:ext cx="183600" cy="183600"/>
+          </a:xfrm>
+          <a:prstGeom prst="rect">
+            <a:avLst/>
+          </a:prstGeom>
+          <a:solidFill>
+            <a:schemeClr val="bg1"/>
+          </a:solidFill>
+          <a:ln>
+            <a:solidFill>
+              <a:srgbClr val="00B050"/>
+            </a:solidFill>
+          </a:ln>
+        </p:spPr>
+        <p:style>
+          <a:lnRef idx="2">
+            <a:schemeClr val="accent1">
+              <a:shade val="50000"/>
+            </a:schemeClr>
+          </a:lnRef>
+          <a:fillRef idx="1">
+            <a:schemeClr val="accent1"/>
+          </a:fillRef>
+          <a:effectRef idx="0">
+            <a:schemeClr val="accent1"/>
+          </a:effectRef>
+          <a:fontRef idx="minor">
+            <a:schemeClr val="lt1"/>
+          </a:fontRef>
+        </p:style>
+        <p:txBody>
+          <a:bodyPr rtlCol="0" anchor="ctr"/>
+          <a:lstStyle/>
+          <a:p>
+            <a:pPr algn="ctr"/>
+            <a:endParaRPr lang="en-DE"/>
+          </a:p>
+        </p:txBody>
+      </p:sp>
+      <p:sp>
+        <p:nvSpPr>
+          <p:cNvPr id="32" name="Rectangle 31">
+            <a:extLst>
+              <a:ext uri="{FF2B5EF4-FFF2-40B4-BE49-F238E27FC236}">
+                <a16:creationId xmlns:a16="http://schemas.microsoft.com/office/drawing/2014/main" id="{0F370D10-0E53-A64A-834C-EB8757BC40FD}"/>
+              </a:ext>
+            </a:extLst>
+          </p:cNvPr>
+          <p:cNvSpPr/>
+          <p:nvPr/>
+        </p:nvSpPr>
+        <p:spPr>
+          <a:xfrm>
+            <a:off x="7127825" y="1371009"/>
+            <a:ext cx="108000" cy="183600"/>
+          </a:xfrm>
+          <a:prstGeom prst="rect">
+            <a:avLst/>
+          </a:prstGeom>
+          <a:solidFill>
+            <a:schemeClr val="tx1">
+              <a:lumMod val="75000"/>
+              <a:lumOff val="25000"/>
+            </a:schemeClr>
+          </a:solidFill>
+          <a:ln>
+            <a:noFill/>
+          </a:ln>
+        </p:spPr>
+        <p:style>
+          <a:lnRef idx="2">
+            <a:schemeClr val="accent1">
+              <a:shade val="50000"/>
+            </a:schemeClr>
+          </a:lnRef>
+          <a:fillRef idx="1">
+            <a:schemeClr val="accent1"/>
+          </a:fillRef>
+          <a:effectRef idx="0">
+            <a:schemeClr val="accent1"/>
+          </a:effectRef>
+          <a:fontRef idx="minor">
+            <a:schemeClr val="lt1"/>
+          </a:fontRef>
+        </p:style>
+        <p:txBody>
+          <a:bodyPr rtlCol="0" anchor="ctr"/>
+          <a:lstStyle/>
+          <a:p>
+            <a:pPr algn="ctr"/>
+            <a:endParaRPr lang="en-DE"/>
+          </a:p>
+        </p:txBody>
+      </p:sp>
+      <p:sp>
+        <p:nvSpPr>
+          <p:cNvPr id="33" name="Rectangle 32">
+            <a:extLst>
+              <a:ext uri="{FF2B5EF4-FFF2-40B4-BE49-F238E27FC236}">
+                <a16:creationId xmlns:a16="http://schemas.microsoft.com/office/drawing/2014/main" id="{61B8BDE5-3722-9D44-8D34-263CBF76A58B}"/>
+              </a:ext>
+            </a:extLst>
+          </p:cNvPr>
+          <p:cNvSpPr>
+            <a:spLocks noChangeAspect="1"/>
+          </p:cNvSpPr>
+          <p:nvPr/>
+        </p:nvSpPr>
+        <p:spPr>
+          <a:xfrm>
+            <a:off x="7242196" y="1371009"/>
+            <a:ext cx="183600" cy="183600"/>
+          </a:xfrm>
+          <a:prstGeom prst="rect">
+            <a:avLst/>
+          </a:prstGeom>
+          <a:solidFill>
+            <a:schemeClr val="bg1"/>
+          </a:solidFill>
+          <a:ln>
+            <a:solidFill>
+              <a:srgbClr val="00B050"/>
+            </a:solidFill>
+          </a:ln>
+        </p:spPr>
+        <p:style>
+          <a:lnRef idx="2">
+            <a:schemeClr val="accent1">
+              <a:shade val="50000"/>
+            </a:schemeClr>
+          </a:lnRef>
+          <a:fillRef idx="1">
+            <a:schemeClr val="accent1"/>
+          </a:fillRef>
+          <a:effectRef idx="0">
+            <a:schemeClr val="accent1"/>
+          </a:effectRef>
+          <a:fontRef idx="minor">
+            <a:schemeClr val="lt1"/>
+          </a:fontRef>
+        </p:style>
+        <p:txBody>
+          <a:bodyPr rtlCol="0" anchor="ctr"/>
+          <a:lstStyle/>
+          <a:p>
+            <a:pPr algn="ctr"/>
+            <a:endParaRPr lang="en-DE"/>
+          </a:p>
+        </p:txBody>
+      </p:sp>
+      <p:sp>
+        <p:nvSpPr>
+          <p:cNvPr id="34" name="Rectangle 33">
+            <a:extLst>
+              <a:ext uri="{FF2B5EF4-FFF2-40B4-BE49-F238E27FC236}">
+                <a16:creationId xmlns:a16="http://schemas.microsoft.com/office/drawing/2014/main" id="{3C648B89-2357-7444-8C90-D6D637557909}"/>
+              </a:ext>
+            </a:extLst>
+          </p:cNvPr>
+          <p:cNvSpPr/>
+          <p:nvPr/>
+        </p:nvSpPr>
+        <p:spPr>
+          <a:xfrm>
+            <a:off x="7436043" y="1371009"/>
+            <a:ext cx="108000" cy="183600"/>
+          </a:xfrm>
+          <a:prstGeom prst="rect">
+            <a:avLst/>
+          </a:prstGeom>
+          <a:solidFill>
+            <a:schemeClr val="tx1">
+              <a:lumMod val="75000"/>
+              <a:lumOff val="25000"/>
+            </a:schemeClr>
+          </a:solidFill>
+          <a:ln>
+            <a:noFill/>
+          </a:ln>
+        </p:spPr>
+        <p:style>
+          <a:lnRef idx="2">
+            <a:schemeClr val="accent1">
+              <a:shade val="50000"/>
+            </a:schemeClr>
+          </a:lnRef>
+          <a:fillRef idx="1">
+            <a:schemeClr val="accent1"/>
+          </a:fillRef>
+          <a:effectRef idx="0">
+            <a:schemeClr val="accent1"/>
+          </a:effectRef>
+          <a:fontRef idx="minor">
+            <a:schemeClr val="lt1"/>
+          </a:fontRef>
+        </p:style>
+        <p:txBody>
+          <a:bodyPr rtlCol="0" anchor="ctr"/>
+          <a:lstStyle/>
+          <a:p>
+            <a:pPr algn="ctr"/>
+            <a:endParaRPr lang="en-DE"/>
+          </a:p>
+        </p:txBody>
+      </p:sp>
+      <p:sp>
+        <p:nvSpPr>
+          <p:cNvPr id="35" name="Rectangle 34">
+            <a:extLst>
+              <a:ext uri="{FF2B5EF4-FFF2-40B4-BE49-F238E27FC236}">
+                <a16:creationId xmlns:a16="http://schemas.microsoft.com/office/drawing/2014/main" id="{6656EE1E-FDAD-5C4A-AEE2-B26503F64F8A}"/>
+              </a:ext>
+            </a:extLst>
+          </p:cNvPr>
+          <p:cNvSpPr>
+            <a:spLocks noChangeAspect="1"/>
+          </p:cNvSpPr>
+          <p:nvPr/>
+        </p:nvSpPr>
+        <p:spPr>
+          <a:xfrm>
+            <a:off x="7550618" y="1371009"/>
+            <a:ext cx="183600" cy="183600"/>
+          </a:xfrm>
+          <a:prstGeom prst="rect">
+            <a:avLst/>
+          </a:prstGeom>
+          <a:solidFill>
+            <a:schemeClr val="bg1"/>
+          </a:solidFill>
+          <a:ln>
+            <a:solidFill>
+              <a:srgbClr val="00B050"/>
+            </a:solidFill>
+          </a:ln>
+        </p:spPr>
+        <p:style>
+          <a:lnRef idx="2">
+            <a:schemeClr val="accent1">
+              <a:shade val="50000"/>
+            </a:schemeClr>
+          </a:lnRef>
+          <a:fillRef idx="1">
+            <a:schemeClr val="accent1"/>
+          </a:fillRef>
+          <a:effectRef idx="0">
+            <a:schemeClr val="accent1"/>
+          </a:effectRef>
+          <a:fontRef idx="minor">
+            <a:schemeClr val="lt1"/>
+          </a:fontRef>
+        </p:style>
+        <p:txBody>
+          <a:bodyPr rtlCol="0" anchor="ctr"/>
+          <a:lstStyle/>
+          <a:p>
+            <a:pPr algn="ctr"/>
+            <a:endParaRPr lang="en-DE"/>
+          </a:p>
+        </p:txBody>
+      </p:sp>
+      <p:cxnSp>
+        <p:nvCxnSpPr>
+          <p:cNvPr id="38" name="Straight Arrow Connector 37">
+            <a:extLst>
+              <a:ext uri="{FF2B5EF4-FFF2-40B4-BE49-F238E27FC236}">
+                <a16:creationId xmlns:a16="http://schemas.microsoft.com/office/drawing/2014/main" id="{0E3B9082-21E8-DF49-B5E7-FF3CC642767F}"/>
+              </a:ext>
+            </a:extLst>
+          </p:cNvPr>
+          <p:cNvCxnSpPr/>
+          <p:nvPr/>
+        </p:nvCxnSpPr>
+        <p:spPr>
+          <a:xfrm>
+            <a:off x="7750318" y="1456259"/>
+            <a:ext cx="72000" cy="0"/>
+          </a:xfrm>
+          <a:prstGeom prst="straightConnector1">
+            <a:avLst/>
+          </a:prstGeom>
+          <a:ln>
+            <a:solidFill>
+              <a:srgbClr val="00B050"/>
+            </a:solidFill>
+            <a:tailEnd type="triangle"/>
+          </a:ln>
+        </p:spPr>
+        <p:style>
+          <a:lnRef idx="1">
+            <a:schemeClr val="accent1"/>
+          </a:lnRef>
+          <a:fillRef idx="0">
+            <a:schemeClr val="accent1"/>
+          </a:fillRef>
+          <a:effectRef idx="0">
+            <a:schemeClr val="accent1"/>
+          </a:effectRef>
+          <a:fontRef idx="minor">
+            <a:schemeClr val="tx1"/>
+          </a:fontRef>
+        </p:style>
+      </p:cxnSp>
+      <p:cxnSp>
+        <p:nvCxnSpPr>
+          <p:cNvPr id="39" name="Straight Arrow Connector 38">
+            <a:extLst>
+              <a:ext uri="{FF2B5EF4-FFF2-40B4-BE49-F238E27FC236}">
+                <a16:creationId xmlns:a16="http://schemas.microsoft.com/office/drawing/2014/main" id="{A7C3907C-82D8-5744-92B6-0796633316F0}"/>
+              </a:ext>
+            </a:extLst>
+          </p:cNvPr>
+          <p:cNvCxnSpPr/>
+          <p:nvPr/>
+        </p:nvCxnSpPr>
+        <p:spPr>
+          <a:xfrm>
+            <a:off x="7822318" y="1459534"/>
+            <a:ext cx="72000" cy="0"/>
+          </a:xfrm>
+          <a:prstGeom prst="straightConnector1">
+            <a:avLst/>
+          </a:prstGeom>
+          <a:ln>
+            <a:solidFill>
+              <a:srgbClr val="00B050"/>
+            </a:solidFill>
+            <a:tailEnd type="triangle"/>
+          </a:ln>
+        </p:spPr>
+        <p:style>
+          <a:lnRef idx="1">
+            <a:schemeClr val="accent1"/>
+          </a:lnRef>
+          <a:fillRef idx="0">
+            <a:schemeClr val="accent1"/>
+          </a:fillRef>
+          <a:effectRef idx="0">
+            <a:schemeClr val="accent1"/>
+          </a:effectRef>
+          <a:fontRef idx="minor">
+            <a:schemeClr val="tx1"/>
+          </a:fontRef>
+        </p:style>
+      </p:cxnSp>
+      <p:cxnSp>
+        <p:nvCxnSpPr>
+          <p:cNvPr id="41" name="Straight Arrow Connector 40">
+            <a:extLst>
+              <a:ext uri="{FF2B5EF4-FFF2-40B4-BE49-F238E27FC236}">
+                <a16:creationId xmlns:a16="http://schemas.microsoft.com/office/drawing/2014/main" id="{B5BDC4EC-37C9-8D4A-9D65-9E58C62F97C0}"/>
+              </a:ext>
+            </a:extLst>
+          </p:cNvPr>
+          <p:cNvCxnSpPr/>
+          <p:nvPr/>
+        </p:nvCxnSpPr>
+        <p:spPr>
+          <a:xfrm>
+            <a:off x="7894318" y="1459534"/>
+            <a:ext cx="72000" cy="0"/>
+          </a:xfrm>
+          <a:prstGeom prst="straightConnector1">
+            <a:avLst/>
+          </a:prstGeom>
+          <a:ln>
+            <a:solidFill>
+              <a:srgbClr val="00B050"/>
+            </a:solidFill>
+            <a:tailEnd type="triangle"/>
+          </a:ln>
+        </p:spPr>
+        <p:style>
+          <a:lnRef idx="1">
+            <a:schemeClr val="accent1"/>
+          </a:lnRef>
+          <a:fillRef idx="0">
+            <a:schemeClr val="accent1"/>
+          </a:fillRef>
+          <a:effectRef idx="0">
+            <a:schemeClr val="accent1"/>
+          </a:effectRef>
+          <a:fontRef idx="minor">
+            <a:schemeClr val="tx1"/>
+          </a:fontRef>
+        </p:style>
+      </p:cxnSp>
+      <p:cxnSp>
+        <p:nvCxnSpPr>
+          <p:cNvPr id="42" name="Straight Arrow Connector 41">
+            <a:extLst>
+              <a:ext uri="{FF2B5EF4-FFF2-40B4-BE49-F238E27FC236}">
+                <a16:creationId xmlns:a16="http://schemas.microsoft.com/office/drawing/2014/main" id="{95AE652D-5BF1-B84E-A52D-EA3AF3E4346D}"/>
+              </a:ext>
+            </a:extLst>
+          </p:cNvPr>
+          <p:cNvCxnSpPr/>
+          <p:nvPr/>
+        </p:nvCxnSpPr>
+        <p:spPr>
+          <a:xfrm>
+            <a:off x="7966318" y="1462809"/>
+            <a:ext cx="72000" cy="0"/>
+          </a:xfrm>
+          <a:prstGeom prst="straightConnector1">
+            <a:avLst/>
+          </a:prstGeom>
+          <a:ln>
+            <a:solidFill>
+              <a:srgbClr val="00B050"/>
+            </a:solidFill>
+            <a:tailEnd type="triangle"/>
+          </a:ln>
+        </p:spPr>
+        <p:style>
+          <a:lnRef idx="1">
+            <a:schemeClr val="accent1"/>
+          </a:lnRef>
+          <a:fillRef idx="0">
+            <a:schemeClr val="accent1"/>
+          </a:fillRef>
+          <a:effectRef idx="0">
+            <a:schemeClr val="accent1"/>
+          </a:effectRef>
+          <a:fontRef idx="minor">
+            <a:schemeClr val="tx1"/>
+          </a:fontRef>
+        </p:style>
+      </p:cxnSp>
+      <p:cxnSp>
+        <p:nvCxnSpPr>
+          <p:cNvPr id="43" name="Straight Arrow Connector 42">
+            <a:extLst>
+              <a:ext uri="{FF2B5EF4-FFF2-40B4-BE49-F238E27FC236}">
+                <a16:creationId xmlns:a16="http://schemas.microsoft.com/office/drawing/2014/main" id="{1C53A675-416C-9442-A02F-FEEAEA7BCF69}"/>
+              </a:ext>
+            </a:extLst>
+          </p:cNvPr>
+          <p:cNvCxnSpPr>
+            <a:cxnSpLocks/>
+          </p:cNvCxnSpPr>
+          <p:nvPr/>
+        </p:nvCxnSpPr>
+        <p:spPr>
+          <a:xfrm>
+            <a:off x="8038318" y="1462809"/>
+            <a:ext cx="72000" cy="0"/>
+          </a:xfrm>
+          <a:prstGeom prst="straightConnector1">
+            <a:avLst/>
+          </a:prstGeom>
+          <a:ln>
+            <a:solidFill>
+              <a:srgbClr val="00B050"/>
+            </a:solidFill>
+            <a:tailEnd type="triangle"/>
+          </a:ln>
+        </p:spPr>
+        <p:style>
+          <a:lnRef idx="1">
+            <a:schemeClr val="accent1"/>
+          </a:lnRef>
+          <a:fillRef idx="0">
+            <a:schemeClr val="accent1"/>
+          </a:fillRef>
+          <a:effectRef idx="0">
+            <a:schemeClr val="accent1"/>
+          </a:effectRef>
+          <a:fontRef idx="minor">
+            <a:schemeClr val="tx1"/>
+          </a:fontRef>
+        </p:style>
+      </p:cxnSp>
+      <p:cxnSp>
+        <p:nvCxnSpPr>
+          <p:cNvPr id="45" name="Straight Arrow Connector 44">
+            <a:extLst>
+              <a:ext uri="{FF2B5EF4-FFF2-40B4-BE49-F238E27FC236}">
+                <a16:creationId xmlns:a16="http://schemas.microsoft.com/office/drawing/2014/main" id="{6A9CF188-0FBA-414D-9156-C7888E0B5618}"/>
+              </a:ext>
+            </a:extLst>
+          </p:cNvPr>
+          <p:cNvCxnSpPr>
+            <a:cxnSpLocks/>
+          </p:cNvCxnSpPr>
+          <p:nvPr/>
+        </p:nvCxnSpPr>
+        <p:spPr>
+          <a:xfrm>
+            <a:off x="8113313" y="1462809"/>
+            <a:ext cx="72000" cy="0"/>
+          </a:xfrm>
+          <a:prstGeom prst="straightConnector1">
+            <a:avLst/>
+          </a:prstGeom>
+          <a:ln>
+            <a:solidFill>
+              <a:srgbClr val="00B050"/>
+            </a:solidFill>
+            <a:tailEnd type="triangle"/>
+          </a:ln>
+        </p:spPr>
+        <p:style>
+          <a:lnRef idx="1">
+            <a:schemeClr val="accent1"/>
+          </a:lnRef>
+          <a:fillRef idx="0">
+            <a:schemeClr val="accent1"/>
+          </a:fillRef>
+          <a:effectRef idx="0">
+            <a:schemeClr val="accent1"/>
+          </a:effectRef>
+          <a:fontRef idx="minor">
+            <a:schemeClr val="tx1"/>
+          </a:fontRef>
+        </p:style>
+      </p:cxnSp>
+      <p:sp>
+        <p:nvSpPr>
+          <p:cNvPr id="46" name="Rectangle 45">
+            <a:extLst>
+              <a:ext uri="{FF2B5EF4-FFF2-40B4-BE49-F238E27FC236}">
+                <a16:creationId xmlns:a16="http://schemas.microsoft.com/office/drawing/2014/main" id="{1B5E28D1-F372-EE4F-8DA4-0009E6C89BE7}"/>
+              </a:ext>
+            </a:extLst>
+          </p:cNvPr>
+          <p:cNvSpPr/>
+          <p:nvPr/>
+        </p:nvSpPr>
+        <p:spPr>
+          <a:xfrm>
+            <a:off x="4222529" y="1552614"/>
+            <a:ext cx="3976289" cy="219600"/>
+          </a:xfrm>
+          <a:prstGeom prst="rect">
+            <a:avLst/>
+          </a:prstGeom>
+          <a:solidFill>
+            <a:schemeClr val="tx1">
+              <a:lumMod val="75000"/>
+              <a:lumOff val="25000"/>
+            </a:schemeClr>
+          </a:solidFill>
+          <a:ln>
+            <a:noFill/>
+          </a:ln>
+        </p:spPr>
+        <p:style>
+          <a:lnRef idx="2">
+            <a:schemeClr val="accent1">
+              <a:shade val="50000"/>
+            </a:schemeClr>
+          </a:lnRef>
+          <a:fillRef idx="1">
+            <a:schemeClr val="accent1"/>
+          </a:fillRef>
+          <a:effectRef idx="0">
+            <a:schemeClr val="accent1"/>
+          </a:effectRef>
+          <a:fontRef idx="minor">
+            <a:schemeClr val="lt1"/>
+          </a:fontRef>
+        </p:style>
+        <p:txBody>
+          <a:bodyPr rtlCol="0" anchor="ctr"/>
+          <a:lstStyle/>
+          <a:p>
+            <a:pPr algn="ctr"/>
+            <a:endParaRPr lang="en-DE"/>
+          </a:p>
+        </p:txBody>
+      </p:sp>
+      <p:sp>
+        <p:nvSpPr>
+          <p:cNvPr id="47" name="Rectangle 46">
+            <a:extLst>
+              <a:ext uri="{FF2B5EF4-FFF2-40B4-BE49-F238E27FC236}">
+                <a16:creationId xmlns:a16="http://schemas.microsoft.com/office/drawing/2014/main" id="{1C751E90-4A3E-3A4B-8AFB-40C7EB551E89}"/>
+              </a:ext>
+            </a:extLst>
+          </p:cNvPr>
+          <p:cNvSpPr>
+            <a:spLocks noChangeAspect="1"/>
+          </p:cNvSpPr>
+          <p:nvPr/>
+        </p:nvSpPr>
+        <p:spPr>
+          <a:xfrm>
+            <a:off x="4225658" y="1768755"/>
+            <a:ext cx="183600" cy="183600"/>
+          </a:xfrm>
+          <a:prstGeom prst="rect">
+            <a:avLst/>
+          </a:prstGeom>
+          <a:solidFill>
+            <a:schemeClr val="bg1"/>
+          </a:solidFill>
+          <a:ln>
+            <a:solidFill>
+              <a:srgbClr val="00B050"/>
+            </a:solidFill>
+          </a:ln>
+        </p:spPr>
+        <p:style>
+          <a:lnRef idx="2">
+            <a:schemeClr val="accent1">
+              <a:shade val="50000"/>
+            </a:schemeClr>
+          </a:lnRef>
+          <a:fillRef idx="1">
+            <a:schemeClr val="accent1"/>
+          </a:fillRef>
+          <a:effectRef idx="0">
+            <a:schemeClr val="accent1"/>
+          </a:effectRef>
+          <a:fontRef idx="minor">
+            <a:schemeClr val="lt1"/>
+          </a:fontRef>
+        </p:style>
+        <p:txBody>
+          <a:bodyPr rtlCol="0" anchor="ctr"/>
+          <a:lstStyle/>
+          <a:p>
+            <a:pPr algn="ctr"/>
+            <a:endParaRPr lang="en-DE"/>
+          </a:p>
+        </p:txBody>
+      </p:sp>
+      <p:sp>
+        <p:nvSpPr>
+          <p:cNvPr id="48" name="Rectangle 47">
+            <a:extLst>
+              <a:ext uri="{FF2B5EF4-FFF2-40B4-BE49-F238E27FC236}">
+                <a16:creationId xmlns:a16="http://schemas.microsoft.com/office/drawing/2014/main" id="{E12EC4BB-285B-474C-A22F-968D707A6100}"/>
+              </a:ext>
+            </a:extLst>
+          </p:cNvPr>
+          <p:cNvSpPr/>
+          <p:nvPr/>
+        </p:nvSpPr>
+        <p:spPr>
+          <a:xfrm>
+            <a:off x="4415833" y="1768755"/>
+            <a:ext cx="108000" cy="183600"/>
+          </a:xfrm>
+          <a:prstGeom prst="rect">
+            <a:avLst/>
+          </a:prstGeom>
+          <a:solidFill>
+            <a:schemeClr val="tx1">
+              <a:lumMod val="75000"/>
+              <a:lumOff val="25000"/>
+            </a:schemeClr>
+          </a:solidFill>
+          <a:ln>
+            <a:noFill/>
+          </a:ln>
+        </p:spPr>
+        <p:style>
+          <a:lnRef idx="2">
+            <a:schemeClr val="accent1">
+              <a:shade val="50000"/>
+            </a:schemeClr>
+          </a:lnRef>
+          <a:fillRef idx="1">
+            <a:schemeClr val="accent1"/>
+          </a:fillRef>
+          <a:effectRef idx="0">
+            <a:schemeClr val="accent1"/>
+          </a:effectRef>
+          <a:fontRef idx="minor">
+            <a:schemeClr val="lt1"/>
+          </a:fontRef>
+        </p:style>
+        <p:txBody>
+          <a:bodyPr rtlCol="0" anchor="ctr"/>
+          <a:lstStyle/>
+          <a:p>
+            <a:pPr algn="ctr"/>
+            <a:endParaRPr lang="en-DE"/>
+          </a:p>
+        </p:txBody>
+      </p:sp>
+      <p:sp>
+        <p:nvSpPr>
+          <p:cNvPr id="49" name="Rectangle 48">
+            <a:extLst>
+              <a:ext uri="{FF2B5EF4-FFF2-40B4-BE49-F238E27FC236}">
+                <a16:creationId xmlns:a16="http://schemas.microsoft.com/office/drawing/2014/main" id="{621F256E-1ECF-6444-87D4-F2E387418C09}"/>
+              </a:ext>
+            </a:extLst>
+          </p:cNvPr>
+          <p:cNvSpPr>
+            <a:spLocks noChangeAspect="1"/>
+          </p:cNvSpPr>
+          <p:nvPr/>
+        </p:nvSpPr>
+        <p:spPr>
+          <a:xfrm>
+            <a:off x="4520576" y="1768755"/>
+            <a:ext cx="183600" cy="183600"/>
+          </a:xfrm>
+          <a:prstGeom prst="rect">
+            <a:avLst/>
+          </a:prstGeom>
+          <a:solidFill>
+            <a:schemeClr val="bg1"/>
+          </a:solidFill>
+          <a:ln>
+            <a:solidFill>
+              <a:srgbClr val="00B050"/>
+            </a:solidFill>
+          </a:ln>
+        </p:spPr>
+        <p:style>
+          <a:lnRef idx="2">
+            <a:schemeClr val="accent1">
+              <a:shade val="50000"/>
+            </a:schemeClr>
+          </a:lnRef>
+          <a:fillRef idx="1">
+            <a:schemeClr val="accent1"/>
+          </a:fillRef>
+          <a:effectRef idx="0">
+            <a:schemeClr val="accent1"/>
+          </a:effectRef>
+          <a:fontRef idx="minor">
+            <a:schemeClr val="lt1"/>
+          </a:fontRef>
+        </p:style>
+        <p:txBody>
+          <a:bodyPr rtlCol="0" anchor="ctr"/>
+          <a:lstStyle/>
+          <a:p>
+            <a:pPr algn="ctr"/>
+            <a:endParaRPr lang="en-DE"/>
+          </a:p>
+        </p:txBody>
+      </p:sp>
+      <p:sp>
+        <p:nvSpPr>
+          <p:cNvPr id="50" name="Rectangle 49">
+            <a:extLst>
+              <a:ext uri="{FF2B5EF4-FFF2-40B4-BE49-F238E27FC236}">
+                <a16:creationId xmlns:a16="http://schemas.microsoft.com/office/drawing/2014/main" id="{44462C8F-CC9B-4644-8F9E-150087DB2E05}"/>
+              </a:ext>
+            </a:extLst>
+          </p:cNvPr>
+          <p:cNvSpPr/>
+          <p:nvPr/>
+        </p:nvSpPr>
+        <p:spPr>
+          <a:xfrm>
+            <a:off x="4710751" y="1768755"/>
+            <a:ext cx="108000" cy="183600"/>
+          </a:xfrm>
+          <a:prstGeom prst="rect">
+            <a:avLst/>
+          </a:prstGeom>
+          <a:solidFill>
+            <a:schemeClr val="tx1">
+              <a:lumMod val="75000"/>
+              <a:lumOff val="25000"/>
+            </a:schemeClr>
+          </a:solidFill>
+          <a:ln>
+            <a:noFill/>
+          </a:ln>
+        </p:spPr>
+        <p:style>
+          <a:lnRef idx="2">
+            <a:schemeClr val="accent1">
+              <a:shade val="50000"/>
+            </a:schemeClr>
+          </a:lnRef>
+          <a:fillRef idx="1">
+            <a:schemeClr val="accent1"/>
+          </a:fillRef>
+          <a:effectRef idx="0">
+            <a:schemeClr val="accent1"/>
+          </a:effectRef>
+          <a:fontRef idx="minor">
+            <a:schemeClr val="lt1"/>
+          </a:fontRef>
+        </p:style>
+        <p:txBody>
+          <a:bodyPr rtlCol="0" anchor="ctr"/>
+          <a:lstStyle/>
+          <a:p>
+            <a:pPr algn="ctr"/>
+            <a:endParaRPr lang="en-DE"/>
+          </a:p>
+        </p:txBody>
+      </p:sp>
+      <p:sp>
+        <p:nvSpPr>
+          <p:cNvPr id="51" name="Rectangle 50">
+            <a:extLst>
+              <a:ext uri="{FF2B5EF4-FFF2-40B4-BE49-F238E27FC236}">
+                <a16:creationId xmlns:a16="http://schemas.microsoft.com/office/drawing/2014/main" id="{BAD36E66-1DC0-2240-947E-697DE637A151}"/>
+              </a:ext>
+            </a:extLst>
+          </p:cNvPr>
+          <p:cNvSpPr>
+            <a:spLocks noChangeAspect="1"/>
+          </p:cNvSpPr>
+          <p:nvPr/>
+        </p:nvSpPr>
+        <p:spPr>
+          <a:xfrm>
+            <a:off x="4825326" y="1768755"/>
+            <a:ext cx="183600" cy="183600"/>
+          </a:xfrm>
+          <a:prstGeom prst="rect">
+            <a:avLst/>
+          </a:prstGeom>
+          <a:solidFill>
+            <a:schemeClr val="bg1"/>
+          </a:solidFill>
+          <a:ln>
+            <a:solidFill>
+              <a:srgbClr val="00B050"/>
+            </a:solidFill>
+          </a:ln>
+        </p:spPr>
+        <p:style>
+          <a:lnRef idx="2">
+            <a:schemeClr val="accent1">
+              <a:shade val="50000"/>
+            </a:schemeClr>
+          </a:lnRef>
+          <a:fillRef idx="1">
+            <a:schemeClr val="accent1"/>
+          </a:fillRef>
+          <a:effectRef idx="0">
+            <a:schemeClr val="accent1"/>
+          </a:effectRef>
+          <a:fontRef idx="minor">
+            <a:schemeClr val="lt1"/>
+          </a:fontRef>
+        </p:style>
+        <p:txBody>
+          <a:bodyPr rtlCol="0" anchor="ctr"/>
+          <a:lstStyle/>
+          <a:p>
+            <a:pPr algn="ctr"/>
+            <a:endParaRPr lang="en-DE"/>
+          </a:p>
+        </p:txBody>
+      </p:sp>
+      <p:sp>
+        <p:nvSpPr>
+          <p:cNvPr id="52" name="Rectangle 51">
+            <a:extLst>
+              <a:ext uri="{FF2B5EF4-FFF2-40B4-BE49-F238E27FC236}">
+                <a16:creationId xmlns:a16="http://schemas.microsoft.com/office/drawing/2014/main" id="{168916A3-0E75-7E40-9539-45A35845AD8B}"/>
+              </a:ext>
+            </a:extLst>
+          </p:cNvPr>
+          <p:cNvSpPr/>
+          <p:nvPr/>
+        </p:nvSpPr>
+        <p:spPr>
+          <a:xfrm>
+            <a:off x="5015501" y="1768755"/>
+            <a:ext cx="108000" cy="183600"/>
+          </a:xfrm>
+          <a:prstGeom prst="rect">
+            <a:avLst/>
+          </a:prstGeom>
+          <a:solidFill>
+            <a:schemeClr val="tx1">
+              <a:lumMod val="75000"/>
+              <a:lumOff val="25000"/>
+            </a:schemeClr>
+          </a:solidFill>
+          <a:ln>
+            <a:noFill/>
+          </a:ln>
+        </p:spPr>
+        <p:style>
+          <a:lnRef idx="2">
+            <a:schemeClr val="accent1">
+              <a:shade val="50000"/>
+            </a:schemeClr>
+          </a:lnRef>
+          <a:fillRef idx="1">
+            <a:schemeClr val="accent1"/>
+          </a:fillRef>
+          <a:effectRef idx="0">
+            <a:schemeClr val="accent1"/>
+          </a:effectRef>
+          <a:fontRef idx="minor">
+            <a:schemeClr val="lt1"/>
+          </a:fontRef>
+        </p:style>
+        <p:txBody>
+          <a:bodyPr rtlCol="0" anchor="ctr"/>
+          <a:lstStyle/>
+          <a:p>
+            <a:pPr algn="ctr"/>
+            <a:endParaRPr lang="en-DE"/>
+          </a:p>
+        </p:txBody>
+      </p:sp>
+      <p:sp>
+        <p:nvSpPr>
+          <p:cNvPr id="53" name="Rectangle 52">
+            <a:extLst>
+              <a:ext uri="{FF2B5EF4-FFF2-40B4-BE49-F238E27FC236}">
+                <a16:creationId xmlns:a16="http://schemas.microsoft.com/office/drawing/2014/main" id="{9FFC198A-D2C6-AE40-A104-17B07A3005A4}"/>
+              </a:ext>
+            </a:extLst>
+          </p:cNvPr>
+          <p:cNvSpPr>
+            <a:spLocks noChangeAspect="1"/>
+          </p:cNvSpPr>
+          <p:nvPr/>
+        </p:nvSpPr>
+        <p:spPr>
+          <a:xfrm>
+            <a:off x="5130076" y="1768755"/>
+            <a:ext cx="183600" cy="183600"/>
+          </a:xfrm>
+          <a:prstGeom prst="rect">
+            <a:avLst/>
+          </a:prstGeom>
+          <a:solidFill>
+            <a:schemeClr val="bg1"/>
+          </a:solidFill>
+          <a:ln>
+            <a:solidFill>
+              <a:srgbClr val="00B050"/>
+            </a:solidFill>
+          </a:ln>
+        </p:spPr>
+        <p:style>
+          <a:lnRef idx="2">
+            <a:schemeClr val="accent1">
+              <a:shade val="50000"/>
+            </a:schemeClr>
+          </a:lnRef>
+          <a:fillRef idx="1">
+            <a:schemeClr val="accent1"/>
+          </a:fillRef>
+          <a:effectRef idx="0">
+            <a:schemeClr val="accent1"/>
+          </a:effectRef>
+          <a:fontRef idx="minor">
+            <a:schemeClr val="lt1"/>
+          </a:fontRef>
+        </p:style>
+        <p:txBody>
+          <a:bodyPr rtlCol="0" anchor="ctr"/>
+          <a:lstStyle/>
+          <a:p>
+            <a:pPr algn="ctr"/>
+            <a:endParaRPr lang="en-DE"/>
+          </a:p>
+        </p:txBody>
+      </p:sp>
+      <p:sp>
+        <p:nvSpPr>
+          <p:cNvPr id="54" name="Rectangle 53">
+            <a:extLst>
+              <a:ext uri="{FF2B5EF4-FFF2-40B4-BE49-F238E27FC236}">
+                <a16:creationId xmlns:a16="http://schemas.microsoft.com/office/drawing/2014/main" id="{7979661C-8476-014E-8716-9BBBA5C89CD8}"/>
+              </a:ext>
+            </a:extLst>
+          </p:cNvPr>
+          <p:cNvSpPr/>
+          <p:nvPr/>
+        </p:nvSpPr>
+        <p:spPr>
+          <a:xfrm>
+            <a:off x="5320251" y="1768755"/>
+            <a:ext cx="108000" cy="183600"/>
+          </a:xfrm>
+          <a:prstGeom prst="rect">
+            <a:avLst/>
+          </a:prstGeom>
+          <a:solidFill>
+            <a:schemeClr val="tx1">
+              <a:lumMod val="75000"/>
+              <a:lumOff val="25000"/>
+            </a:schemeClr>
+          </a:solidFill>
+          <a:ln>
+            <a:noFill/>
+          </a:ln>
+        </p:spPr>
+        <p:style>
+          <a:lnRef idx="2">
+            <a:schemeClr val="accent1">
+              <a:shade val="50000"/>
+            </a:schemeClr>
+          </a:lnRef>
+          <a:fillRef idx="1">
+            <a:schemeClr val="accent1"/>
+          </a:fillRef>
+          <a:effectRef idx="0">
+            <a:schemeClr val="accent1"/>
+          </a:effectRef>
+          <a:fontRef idx="minor">
+            <a:schemeClr val="lt1"/>
+          </a:fontRef>
+        </p:style>
+        <p:txBody>
+          <a:bodyPr rtlCol="0" anchor="ctr"/>
+          <a:lstStyle/>
+          <a:p>
+            <a:pPr algn="ctr"/>
+            <a:endParaRPr lang="en-DE"/>
+          </a:p>
+        </p:txBody>
+      </p:sp>
+      <p:sp>
+        <p:nvSpPr>
+          <p:cNvPr id="55" name="Rectangle 54">
+            <a:extLst>
+              <a:ext uri="{FF2B5EF4-FFF2-40B4-BE49-F238E27FC236}">
+                <a16:creationId xmlns:a16="http://schemas.microsoft.com/office/drawing/2014/main" id="{38AE629C-6018-1A48-80CC-21DB77DA57A9}"/>
+              </a:ext>
+            </a:extLst>
+          </p:cNvPr>
+          <p:cNvSpPr>
+            <a:spLocks noChangeAspect="1"/>
+          </p:cNvSpPr>
+          <p:nvPr/>
+        </p:nvSpPr>
+        <p:spPr>
+          <a:xfrm>
+            <a:off x="5435695" y="1768755"/>
+            <a:ext cx="183600" cy="183600"/>
+          </a:xfrm>
+          <a:prstGeom prst="rect">
+            <a:avLst/>
+          </a:prstGeom>
+          <a:solidFill>
+            <a:schemeClr val="bg1"/>
+          </a:solidFill>
+          <a:ln>
+            <a:solidFill>
+              <a:srgbClr val="00B050"/>
+            </a:solidFill>
+          </a:ln>
+        </p:spPr>
+        <p:style>
+          <a:lnRef idx="2">
+            <a:schemeClr val="accent1">
+              <a:shade val="50000"/>
+            </a:schemeClr>
+          </a:lnRef>
+          <a:fillRef idx="1">
+            <a:schemeClr val="accent1"/>
+          </a:fillRef>
+          <a:effectRef idx="0">
+            <a:schemeClr val="accent1"/>
+          </a:effectRef>
+          <a:fontRef idx="minor">
+            <a:schemeClr val="lt1"/>
+          </a:fontRef>
+        </p:style>
+        <p:txBody>
+          <a:bodyPr rtlCol="0" anchor="ctr"/>
+          <a:lstStyle/>
+          <a:p>
+            <a:pPr algn="ctr"/>
+            <a:endParaRPr lang="en-DE"/>
+          </a:p>
+        </p:txBody>
+      </p:sp>
+      <p:sp>
+        <p:nvSpPr>
+          <p:cNvPr id="56" name="Rectangle 55">
+            <a:extLst>
+              <a:ext uri="{FF2B5EF4-FFF2-40B4-BE49-F238E27FC236}">
+                <a16:creationId xmlns:a16="http://schemas.microsoft.com/office/drawing/2014/main" id="{9A40373D-B6CB-5B4E-87F7-4B9545498444}"/>
+              </a:ext>
+            </a:extLst>
+          </p:cNvPr>
+          <p:cNvSpPr/>
+          <p:nvPr/>
+        </p:nvSpPr>
+        <p:spPr>
+          <a:xfrm>
+            <a:off x="5625870" y="1768755"/>
+            <a:ext cx="108000" cy="183600"/>
+          </a:xfrm>
+          <a:prstGeom prst="rect">
+            <a:avLst/>
+          </a:prstGeom>
+          <a:solidFill>
+            <a:schemeClr val="tx1">
+              <a:lumMod val="75000"/>
+              <a:lumOff val="25000"/>
+            </a:schemeClr>
+          </a:solidFill>
+          <a:ln>
+            <a:noFill/>
+          </a:ln>
+        </p:spPr>
+        <p:style>
+          <a:lnRef idx="2">
+            <a:schemeClr val="accent1">
+              <a:shade val="50000"/>
+            </a:schemeClr>
+          </a:lnRef>
+          <a:fillRef idx="1">
+            <a:schemeClr val="accent1"/>
+          </a:fillRef>
+          <a:effectRef idx="0">
+            <a:schemeClr val="accent1"/>
+          </a:effectRef>
+          <a:fontRef idx="minor">
+            <a:schemeClr val="lt1"/>
+          </a:fontRef>
+        </p:style>
+        <p:txBody>
+          <a:bodyPr rtlCol="0" anchor="ctr"/>
+          <a:lstStyle/>
+          <a:p>
+            <a:pPr algn="ctr"/>
+            <a:endParaRPr lang="en-DE"/>
+          </a:p>
+        </p:txBody>
+      </p:sp>
+      <p:sp>
+        <p:nvSpPr>
+          <p:cNvPr id="57" name="Rectangle 56">
+            <a:extLst>
+              <a:ext uri="{FF2B5EF4-FFF2-40B4-BE49-F238E27FC236}">
+                <a16:creationId xmlns:a16="http://schemas.microsoft.com/office/drawing/2014/main" id="{09B7ED54-5747-E940-AADD-5B15060CBE31}"/>
+              </a:ext>
+            </a:extLst>
+          </p:cNvPr>
+          <p:cNvSpPr>
+            <a:spLocks noChangeAspect="1"/>
+          </p:cNvSpPr>
+          <p:nvPr/>
+        </p:nvSpPr>
+        <p:spPr>
+          <a:xfrm>
+            <a:off x="5732322" y="1768755"/>
+            <a:ext cx="183600" cy="183600"/>
+          </a:xfrm>
+          <a:prstGeom prst="rect">
+            <a:avLst/>
+          </a:prstGeom>
+          <a:solidFill>
+            <a:schemeClr val="bg1"/>
+          </a:solidFill>
+          <a:ln>
+            <a:solidFill>
+              <a:srgbClr val="00B050"/>
+            </a:solidFill>
+          </a:ln>
+        </p:spPr>
+        <p:style>
+          <a:lnRef idx="2">
+            <a:schemeClr val="accent1">
+              <a:shade val="50000"/>
+            </a:schemeClr>
+          </a:lnRef>
+          <a:fillRef idx="1">
+            <a:schemeClr val="accent1"/>
+          </a:fillRef>
+          <a:effectRef idx="0">
+            <a:schemeClr val="accent1"/>
+          </a:effectRef>
+          <a:fontRef idx="minor">
+            <a:schemeClr val="lt1"/>
+          </a:fontRef>
+        </p:style>
+        <p:txBody>
+          <a:bodyPr rtlCol="0" anchor="ctr"/>
+          <a:lstStyle/>
+          <a:p>
+            <a:pPr algn="ctr"/>
+            <a:endParaRPr lang="en-DE"/>
+          </a:p>
+        </p:txBody>
+      </p:sp>
+      <p:sp>
+        <p:nvSpPr>
+          <p:cNvPr id="58" name="Rectangle 57">
+            <a:extLst>
+              <a:ext uri="{FF2B5EF4-FFF2-40B4-BE49-F238E27FC236}">
+                <a16:creationId xmlns:a16="http://schemas.microsoft.com/office/drawing/2014/main" id="{C9095954-3A94-8D42-8162-C27FF6273850}"/>
+              </a:ext>
+            </a:extLst>
+          </p:cNvPr>
+          <p:cNvSpPr/>
+          <p:nvPr/>
+        </p:nvSpPr>
+        <p:spPr>
+          <a:xfrm>
+            <a:off x="5922497" y="1768755"/>
+            <a:ext cx="108000" cy="183600"/>
+          </a:xfrm>
+          <a:prstGeom prst="rect">
+            <a:avLst/>
+          </a:prstGeom>
+          <a:solidFill>
+            <a:schemeClr val="tx1">
+              <a:lumMod val="75000"/>
+              <a:lumOff val="25000"/>
+            </a:schemeClr>
+          </a:solidFill>
+          <a:ln>
+            <a:noFill/>
+          </a:ln>
+        </p:spPr>
+        <p:style>
+          <a:lnRef idx="2">
+            <a:schemeClr val="accent1">
+              <a:shade val="50000"/>
+            </a:schemeClr>
+          </a:lnRef>
+          <a:fillRef idx="1">
+            <a:schemeClr val="accent1"/>
+          </a:fillRef>
+          <a:effectRef idx="0">
+            <a:schemeClr val="accent1"/>
+          </a:effectRef>
+          <a:fontRef idx="minor">
+            <a:schemeClr val="lt1"/>
+          </a:fontRef>
+        </p:style>
+        <p:txBody>
+          <a:bodyPr rtlCol="0" anchor="ctr"/>
+          <a:lstStyle/>
+          <a:p>
+            <a:pPr algn="ctr"/>
+            <a:endParaRPr lang="en-DE"/>
+          </a:p>
+        </p:txBody>
+      </p:sp>
+      <p:sp>
+        <p:nvSpPr>
+          <p:cNvPr id="59" name="Rectangle 58">
+            <a:extLst>
+              <a:ext uri="{FF2B5EF4-FFF2-40B4-BE49-F238E27FC236}">
+                <a16:creationId xmlns:a16="http://schemas.microsoft.com/office/drawing/2014/main" id="{0C86B01F-60C5-7B4E-8039-2D4014D8392D}"/>
+              </a:ext>
+            </a:extLst>
+          </p:cNvPr>
+          <p:cNvSpPr>
+            <a:spLocks noChangeAspect="1"/>
+          </p:cNvSpPr>
+          <p:nvPr/>
+        </p:nvSpPr>
+        <p:spPr>
+          <a:xfrm>
+            <a:off x="6030497" y="1768755"/>
+            <a:ext cx="183600" cy="183600"/>
+          </a:xfrm>
+          <a:prstGeom prst="rect">
+            <a:avLst/>
+          </a:prstGeom>
+          <a:solidFill>
+            <a:schemeClr val="bg1"/>
+          </a:solidFill>
+          <a:ln>
+            <a:solidFill>
+              <a:srgbClr val="00B050"/>
+            </a:solidFill>
+          </a:ln>
+        </p:spPr>
+        <p:style>
+          <a:lnRef idx="2">
+            <a:schemeClr val="accent1">
+              <a:shade val="50000"/>
+            </a:schemeClr>
+          </a:lnRef>
+          <a:fillRef idx="1">
+            <a:schemeClr val="accent1"/>
+          </a:fillRef>
+          <a:effectRef idx="0">
+            <a:schemeClr val="accent1"/>
+          </a:effectRef>
+          <a:fontRef idx="minor">
+            <a:schemeClr val="lt1"/>
+          </a:fontRef>
+        </p:style>
+        <p:txBody>
+          <a:bodyPr rtlCol="0" anchor="ctr"/>
+          <a:lstStyle/>
+          <a:p>
+            <a:pPr algn="ctr"/>
+            <a:endParaRPr lang="en-DE"/>
+          </a:p>
+        </p:txBody>
+      </p:sp>
+      <p:sp>
+        <p:nvSpPr>
+          <p:cNvPr id="60" name="Rectangle 59">
+            <a:extLst>
+              <a:ext uri="{FF2B5EF4-FFF2-40B4-BE49-F238E27FC236}">
+                <a16:creationId xmlns:a16="http://schemas.microsoft.com/office/drawing/2014/main" id="{B5685DAC-4268-E748-A449-18457990FC83}"/>
+              </a:ext>
+            </a:extLst>
+          </p:cNvPr>
+          <p:cNvSpPr/>
+          <p:nvPr/>
+        </p:nvSpPr>
+        <p:spPr>
+          <a:xfrm>
+            <a:off x="6220672" y="1768755"/>
+            <a:ext cx="108000" cy="183600"/>
+          </a:xfrm>
+          <a:prstGeom prst="rect">
+            <a:avLst/>
+          </a:prstGeom>
+          <a:solidFill>
+            <a:schemeClr val="tx1">
+              <a:lumMod val="75000"/>
+              <a:lumOff val="25000"/>
+            </a:schemeClr>
+          </a:solidFill>
+          <a:ln>
+            <a:noFill/>
+          </a:ln>
+        </p:spPr>
+        <p:style>
+          <a:lnRef idx="2">
+            <a:schemeClr val="accent1">
+              <a:shade val="50000"/>
+            </a:schemeClr>
+          </a:lnRef>
+          <a:fillRef idx="1">
+            <a:schemeClr val="accent1"/>
+          </a:fillRef>
+          <a:effectRef idx="0">
+            <a:schemeClr val="accent1"/>
+          </a:effectRef>
+          <a:fontRef idx="minor">
+            <a:schemeClr val="lt1"/>
+          </a:fontRef>
+        </p:style>
+        <p:txBody>
+          <a:bodyPr rtlCol="0" anchor="ctr"/>
+          <a:lstStyle/>
+          <a:p>
+            <a:pPr algn="ctr"/>
+            <a:endParaRPr lang="en-DE"/>
+          </a:p>
+        </p:txBody>
+      </p:sp>
+      <p:sp>
+        <p:nvSpPr>
+          <p:cNvPr id="61" name="Rectangle 60">
+            <a:extLst>
+              <a:ext uri="{FF2B5EF4-FFF2-40B4-BE49-F238E27FC236}">
+                <a16:creationId xmlns:a16="http://schemas.microsoft.com/office/drawing/2014/main" id="{95C6D822-9C55-0A41-8B0E-01A5090BB0FF}"/>
+              </a:ext>
+            </a:extLst>
+          </p:cNvPr>
+          <p:cNvSpPr>
+            <a:spLocks noChangeAspect="1"/>
+          </p:cNvSpPr>
+          <p:nvPr/>
+        </p:nvSpPr>
+        <p:spPr>
+          <a:xfrm>
+            <a:off x="6328136" y="1768755"/>
+            <a:ext cx="183600" cy="183600"/>
+          </a:xfrm>
+          <a:prstGeom prst="rect">
+            <a:avLst/>
+          </a:prstGeom>
+          <a:solidFill>
+            <a:schemeClr val="bg1"/>
+          </a:solidFill>
+          <a:ln>
+            <a:solidFill>
+              <a:srgbClr val="00B050"/>
+            </a:solidFill>
+          </a:ln>
+        </p:spPr>
+        <p:style>
+          <a:lnRef idx="2">
+            <a:schemeClr val="accent1">
+              <a:shade val="50000"/>
+            </a:schemeClr>
+          </a:lnRef>
+          <a:fillRef idx="1">
+            <a:schemeClr val="accent1"/>
+          </a:fillRef>
+          <a:effectRef idx="0">
+            <a:schemeClr val="accent1"/>
+          </a:effectRef>
+          <a:fontRef idx="minor">
+            <a:schemeClr val="lt1"/>
+          </a:fontRef>
+        </p:style>
+        <p:txBody>
+          <a:bodyPr rtlCol="0" anchor="ctr"/>
+          <a:lstStyle/>
+          <a:p>
+            <a:pPr algn="ctr"/>
+            <a:endParaRPr lang="en-DE"/>
+          </a:p>
+        </p:txBody>
+      </p:sp>
+      <p:sp>
+        <p:nvSpPr>
+          <p:cNvPr id="62" name="Rectangle 61">
+            <a:extLst>
+              <a:ext uri="{FF2B5EF4-FFF2-40B4-BE49-F238E27FC236}">
+                <a16:creationId xmlns:a16="http://schemas.microsoft.com/office/drawing/2014/main" id="{37AC24F7-75C3-8A48-8494-01A784F9460A}"/>
+              </a:ext>
+            </a:extLst>
+          </p:cNvPr>
+          <p:cNvSpPr/>
+          <p:nvPr/>
+        </p:nvSpPr>
+        <p:spPr>
+          <a:xfrm>
+            <a:off x="6518311" y="1768755"/>
+            <a:ext cx="108000" cy="183600"/>
+          </a:xfrm>
+          <a:prstGeom prst="rect">
+            <a:avLst/>
+          </a:prstGeom>
+          <a:solidFill>
+            <a:schemeClr val="tx1">
+              <a:lumMod val="75000"/>
+              <a:lumOff val="25000"/>
+            </a:schemeClr>
+          </a:solidFill>
+          <a:ln>
+            <a:noFill/>
+          </a:ln>
+        </p:spPr>
+        <p:style>
+          <a:lnRef idx="2">
+            <a:schemeClr val="accent1">
+              <a:shade val="50000"/>
+            </a:schemeClr>
+          </a:lnRef>
+          <a:fillRef idx="1">
+            <a:schemeClr val="accent1"/>
+          </a:fillRef>
+          <a:effectRef idx="0">
+            <a:schemeClr val="accent1"/>
+          </a:effectRef>
+          <a:fontRef idx="minor">
+            <a:schemeClr val="lt1"/>
+          </a:fontRef>
+        </p:style>
+        <p:txBody>
+          <a:bodyPr rtlCol="0" anchor="ctr"/>
+          <a:lstStyle/>
+          <a:p>
+            <a:pPr algn="ctr"/>
+            <a:endParaRPr lang="en-DE"/>
+          </a:p>
+        </p:txBody>
+      </p:sp>
+      <p:sp>
+        <p:nvSpPr>
+          <p:cNvPr id="63" name="Rectangle 62">
+            <a:extLst>
+              <a:ext uri="{FF2B5EF4-FFF2-40B4-BE49-F238E27FC236}">
+                <a16:creationId xmlns:a16="http://schemas.microsoft.com/office/drawing/2014/main" id="{57628C66-3744-0C45-9BBA-B0AC0811BFF4}"/>
+              </a:ext>
+            </a:extLst>
+          </p:cNvPr>
+          <p:cNvSpPr>
+            <a:spLocks noChangeAspect="1"/>
+          </p:cNvSpPr>
+          <p:nvPr/>
+        </p:nvSpPr>
+        <p:spPr>
+          <a:xfrm>
+            <a:off x="6619200" y="1768755"/>
+            <a:ext cx="183600" cy="183600"/>
+          </a:xfrm>
+          <a:prstGeom prst="rect">
+            <a:avLst/>
+          </a:prstGeom>
+          <a:solidFill>
+            <a:schemeClr val="bg1"/>
+          </a:solidFill>
+          <a:ln>
+            <a:solidFill>
+              <a:srgbClr val="00B050"/>
+            </a:solidFill>
+          </a:ln>
+        </p:spPr>
+        <p:style>
+          <a:lnRef idx="2">
+            <a:schemeClr val="accent1">
+              <a:shade val="50000"/>
+            </a:schemeClr>
+          </a:lnRef>
+          <a:fillRef idx="1">
+            <a:schemeClr val="accent1"/>
+          </a:fillRef>
+          <a:effectRef idx="0">
+            <a:schemeClr val="accent1"/>
+          </a:effectRef>
+          <a:fontRef idx="minor">
+            <a:schemeClr val="lt1"/>
+          </a:fontRef>
+        </p:style>
+        <p:txBody>
+          <a:bodyPr rtlCol="0" anchor="ctr"/>
+          <a:lstStyle/>
+          <a:p>
+            <a:pPr algn="ctr"/>
+            <a:endParaRPr lang="en-DE"/>
+          </a:p>
+        </p:txBody>
+      </p:sp>
+      <p:sp>
+        <p:nvSpPr>
+          <p:cNvPr id="64" name="Rectangle 63">
+            <a:extLst>
+              <a:ext uri="{FF2B5EF4-FFF2-40B4-BE49-F238E27FC236}">
+                <a16:creationId xmlns:a16="http://schemas.microsoft.com/office/drawing/2014/main" id="{D03ECB60-5CE7-C446-AC72-DF28AD335F22}"/>
+              </a:ext>
+            </a:extLst>
+          </p:cNvPr>
+          <p:cNvSpPr/>
+          <p:nvPr/>
+        </p:nvSpPr>
+        <p:spPr>
+          <a:xfrm>
+            <a:off x="6809375" y="1768755"/>
+            <a:ext cx="108000" cy="183600"/>
+          </a:xfrm>
+          <a:prstGeom prst="rect">
+            <a:avLst/>
+          </a:prstGeom>
+          <a:solidFill>
+            <a:schemeClr val="tx1">
+              <a:lumMod val="75000"/>
+              <a:lumOff val="25000"/>
+            </a:schemeClr>
+          </a:solidFill>
+          <a:ln>
+            <a:noFill/>
+          </a:ln>
+        </p:spPr>
+        <p:style>
+          <a:lnRef idx="2">
+            <a:schemeClr val="accent1">
+              <a:shade val="50000"/>
+            </a:schemeClr>
+          </a:lnRef>
+          <a:fillRef idx="1">
+            <a:schemeClr val="accent1"/>
+          </a:fillRef>
+          <a:effectRef idx="0">
+            <a:schemeClr val="accent1"/>
+          </a:effectRef>
+          <a:fontRef idx="minor">
+            <a:schemeClr val="lt1"/>
+          </a:fontRef>
+        </p:style>
+        <p:txBody>
+          <a:bodyPr rtlCol="0" anchor="ctr"/>
+          <a:lstStyle/>
+          <a:p>
+            <a:pPr algn="ctr"/>
+            <a:endParaRPr lang="en-DE"/>
+          </a:p>
+        </p:txBody>
+      </p:sp>
+      <p:sp>
+        <p:nvSpPr>
+          <p:cNvPr id="65" name="Rectangle 64">
+            <a:extLst>
+              <a:ext uri="{FF2B5EF4-FFF2-40B4-BE49-F238E27FC236}">
+                <a16:creationId xmlns:a16="http://schemas.microsoft.com/office/drawing/2014/main" id="{EFD9DB32-A9FA-FB46-82EC-3BFE4BFB9880}"/>
+              </a:ext>
+            </a:extLst>
+          </p:cNvPr>
+          <p:cNvSpPr>
+            <a:spLocks noChangeAspect="1"/>
+          </p:cNvSpPr>
+          <p:nvPr/>
+        </p:nvSpPr>
+        <p:spPr>
+          <a:xfrm>
+            <a:off x="6927607" y="1768755"/>
+            <a:ext cx="183600" cy="183600"/>
+          </a:xfrm>
+          <a:prstGeom prst="rect">
+            <a:avLst/>
+          </a:prstGeom>
+          <a:solidFill>
+            <a:schemeClr val="bg1"/>
+          </a:solidFill>
+          <a:ln>
+            <a:solidFill>
+              <a:srgbClr val="00B050"/>
+            </a:solidFill>
+          </a:ln>
+        </p:spPr>
+        <p:style>
+          <a:lnRef idx="2">
+            <a:schemeClr val="accent1">
+              <a:shade val="50000"/>
+            </a:schemeClr>
+          </a:lnRef>
+          <a:fillRef idx="1">
+            <a:schemeClr val="accent1"/>
+          </a:fillRef>
+          <a:effectRef idx="0">
+            <a:schemeClr val="accent1"/>
+          </a:effectRef>
+          <a:fontRef idx="minor">
+            <a:schemeClr val="lt1"/>
+          </a:fontRef>
+        </p:style>
+        <p:txBody>
+          <a:bodyPr rtlCol="0" anchor="ctr"/>
+          <a:lstStyle/>
+          <a:p>
+            <a:pPr algn="ctr"/>
+            <a:endParaRPr lang="en-DE"/>
+          </a:p>
+        </p:txBody>
+      </p:sp>
+      <p:sp>
+        <p:nvSpPr>
+          <p:cNvPr id="66" name="Rectangle 65">
+            <a:extLst>
+              <a:ext uri="{FF2B5EF4-FFF2-40B4-BE49-F238E27FC236}">
+                <a16:creationId xmlns:a16="http://schemas.microsoft.com/office/drawing/2014/main" id="{F2760DDE-9701-6C47-A4F9-DCA6C1378407}"/>
+              </a:ext>
+            </a:extLst>
+          </p:cNvPr>
+          <p:cNvSpPr/>
+          <p:nvPr/>
+        </p:nvSpPr>
+        <p:spPr>
+          <a:xfrm>
+            <a:off x="7117782" y="1768755"/>
+            <a:ext cx="108000" cy="183600"/>
+          </a:xfrm>
+          <a:prstGeom prst="rect">
+            <a:avLst/>
+          </a:prstGeom>
+          <a:solidFill>
+            <a:schemeClr val="tx1">
+              <a:lumMod val="75000"/>
+              <a:lumOff val="25000"/>
+            </a:schemeClr>
+          </a:solidFill>
+          <a:ln>
+            <a:noFill/>
+          </a:ln>
+        </p:spPr>
+        <p:style>
+          <a:lnRef idx="2">
+            <a:schemeClr val="accent1">
+              <a:shade val="50000"/>
+            </a:schemeClr>
+          </a:lnRef>
+          <a:fillRef idx="1">
+            <a:schemeClr val="accent1"/>
+          </a:fillRef>
+          <a:effectRef idx="0">
+            <a:schemeClr val="accent1"/>
+          </a:effectRef>
+          <a:fontRef idx="minor">
+            <a:schemeClr val="lt1"/>
+          </a:fontRef>
+        </p:style>
+        <p:txBody>
+          <a:bodyPr rtlCol="0" anchor="ctr"/>
+          <a:lstStyle/>
+          <a:p>
+            <a:pPr algn="ctr"/>
+            <a:endParaRPr lang="en-DE"/>
+          </a:p>
+        </p:txBody>
+      </p:sp>
+      <p:sp>
+        <p:nvSpPr>
+          <p:cNvPr id="67" name="Rectangle 66">
+            <a:extLst>
+              <a:ext uri="{FF2B5EF4-FFF2-40B4-BE49-F238E27FC236}">
+                <a16:creationId xmlns:a16="http://schemas.microsoft.com/office/drawing/2014/main" id="{71DA36E9-3FAA-8C41-8B54-ED45FDA6632C}"/>
+              </a:ext>
+            </a:extLst>
+          </p:cNvPr>
+          <p:cNvSpPr>
+            <a:spLocks noChangeAspect="1"/>
+          </p:cNvSpPr>
+          <p:nvPr/>
+        </p:nvSpPr>
+        <p:spPr>
+          <a:xfrm>
+            <a:off x="7235825" y="1768755"/>
+            <a:ext cx="183600" cy="183600"/>
+          </a:xfrm>
+          <a:prstGeom prst="rect">
+            <a:avLst/>
+          </a:prstGeom>
+          <a:solidFill>
+            <a:schemeClr val="bg1"/>
+          </a:solidFill>
+          <a:ln>
+            <a:solidFill>
+              <a:srgbClr val="00B050"/>
+            </a:solidFill>
+          </a:ln>
+        </p:spPr>
+        <p:style>
+          <a:lnRef idx="2">
+            <a:schemeClr val="accent1">
+              <a:shade val="50000"/>
+            </a:schemeClr>
+          </a:lnRef>
+          <a:fillRef idx="1">
+            <a:schemeClr val="accent1"/>
+          </a:fillRef>
+          <a:effectRef idx="0">
+            <a:schemeClr val="accent1"/>
+          </a:effectRef>
+          <a:fontRef idx="minor">
+            <a:schemeClr val="lt1"/>
+          </a:fontRef>
+        </p:style>
+        <p:txBody>
+          <a:bodyPr rtlCol="0" anchor="ctr"/>
+          <a:lstStyle/>
+          <a:p>
+            <a:pPr algn="ctr"/>
+            <a:endParaRPr lang="en-DE"/>
+          </a:p>
+        </p:txBody>
+      </p:sp>
+      <p:sp>
+        <p:nvSpPr>
+          <p:cNvPr id="68" name="Rectangle 67">
+            <a:extLst>
+              <a:ext uri="{FF2B5EF4-FFF2-40B4-BE49-F238E27FC236}">
+                <a16:creationId xmlns:a16="http://schemas.microsoft.com/office/drawing/2014/main" id="{15DB5ECC-B50B-4B4B-A5BF-EE2CC6368AAB}"/>
+              </a:ext>
+            </a:extLst>
+          </p:cNvPr>
+          <p:cNvSpPr/>
+          <p:nvPr/>
+        </p:nvSpPr>
+        <p:spPr>
+          <a:xfrm>
+            <a:off x="7426000" y="1768755"/>
+            <a:ext cx="108000" cy="183600"/>
+          </a:xfrm>
+          <a:prstGeom prst="rect">
+            <a:avLst/>
+          </a:prstGeom>
+          <a:solidFill>
+            <a:schemeClr val="tx1">
+              <a:lumMod val="75000"/>
+              <a:lumOff val="25000"/>
+            </a:schemeClr>
+          </a:solidFill>
+          <a:ln>
+            <a:noFill/>
+          </a:ln>
+        </p:spPr>
+        <p:style>
+          <a:lnRef idx="2">
+            <a:schemeClr val="accent1">
+              <a:shade val="50000"/>
+            </a:schemeClr>
+          </a:lnRef>
+          <a:fillRef idx="1">
+            <a:schemeClr val="accent1"/>
+          </a:fillRef>
+          <a:effectRef idx="0">
+            <a:schemeClr val="accent1"/>
+          </a:effectRef>
+          <a:fontRef idx="minor">
+            <a:schemeClr val="lt1"/>
+          </a:fontRef>
+        </p:style>
+        <p:txBody>
+          <a:bodyPr rtlCol="0" anchor="ctr"/>
+          <a:lstStyle/>
+          <a:p>
+            <a:pPr algn="ctr"/>
+            <a:endParaRPr lang="en-DE"/>
+          </a:p>
+        </p:txBody>
+      </p:sp>
+      <p:sp>
+        <p:nvSpPr>
+          <p:cNvPr id="69" name="Rectangle 68">
+            <a:extLst>
+              <a:ext uri="{FF2B5EF4-FFF2-40B4-BE49-F238E27FC236}">
+                <a16:creationId xmlns:a16="http://schemas.microsoft.com/office/drawing/2014/main" id="{136AB617-6BDC-F448-8D44-529E47D56A86}"/>
+              </a:ext>
+            </a:extLst>
+          </p:cNvPr>
+          <p:cNvSpPr>
+            <a:spLocks noChangeAspect="1"/>
+          </p:cNvSpPr>
+          <p:nvPr/>
+        </p:nvSpPr>
+        <p:spPr>
+          <a:xfrm>
+            <a:off x="7540575" y="1768755"/>
+            <a:ext cx="183600" cy="183600"/>
+          </a:xfrm>
+          <a:prstGeom prst="rect">
+            <a:avLst/>
+          </a:prstGeom>
+          <a:solidFill>
+            <a:schemeClr val="bg1"/>
+          </a:solidFill>
+          <a:ln>
+            <a:solidFill>
+              <a:srgbClr val="00B050"/>
+            </a:solidFill>
+          </a:ln>
+        </p:spPr>
+        <p:style>
+          <a:lnRef idx="2">
+            <a:schemeClr val="accent1">
+              <a:shade val="50000"/>
+            </a:schemeClr>
+          </a:lnRef>
+          <a:fillRef idx="1">
+            <a:schemeClr val="accent1"/>
+          </a:fillRef>
+          <a:effectRef idx="0">
+            <a:schemeClr val="accent1"/>
+          </a:effectRef>
+          <a:fontRef idx="minor">
+            <a:schemeClr val="lt1"/>
+          </a:fontRef>
+        </p:style>
+        <p:txBody>
+          <a:bodyPr rtlCol="0" anchor="ctr"/>
+          <a:lstStyle/>
+          <a:p>
+            <a:pPr algn="ctr"/>
+            <a:endParaRPr lang="en-DE"/>
+          </a:p>
+        </p:txBody>
+      </p:sp>
+      <p:cxnSp>
+        <p:nvCxnSpPr>
+          <p:cNvPr id="71" name="Elbow Connector 70">
+            <a:extLst>
+              <a:ext uri="{FF2B5EF4-FFF2-40B4-BE49-F238E27FC236}">
+                <a16:creationId xmlns:a16="http://schemas.microsoft.com/office/drawing/2014/main" id="{42FC24E4-C523-5E4C-8CCE-72E21F639B71}"/>
+              </a:ext>
+            </a:extLst>
+          </p:cNvPr>
+          <p:cNvCxnSpPr>
+            <a:cxnSpLocks/>
+            <a:endCxn id="69" idx="3"/>
+          </p:cNvCxnSpPr>
+          <p:nvPr/>
+        </p:nvCxnSpPr>
+        <p:spPr>
+          <a:xfrm rot="10800000" flipV="1">
+            <a:off x="7724176" y="1457355"/>
+            <a:ext cx="465969" cy="403200"/>
+          </a:xfrm>
+          <a:prstGeom prst="bentConnector3">
+            <a:avLst>
+              <a:gd name="adj1" fmla="val 1138"/>
+            </a:avLst>
+          </a:prstGeom>
+          <a:ln>
+            <a:solidFill>
+              <a:srgbClr val="00B050"/>
+            </a:solidFill>
+            <a:tailEnd type="triangle"/>
+          </a:ln>
+        </p:spPr>
+        <p:style>
+          <a:lnRef idx="1">
+            <a:schemeClr val="accent1"/>
+          </a:lnRef>
+          <a:fillRef idx="0">
+            <a:schemeClr val="accent1"/>
+          </a:fillRef>
+          <a:effectRef idx="0">
+            <a:schemeClr val="accent1"/>
+          </a:effectRef>
+          <a:fontRef idx="minor">
+            <a:schemeClr val="tx1"/>
+          </a:fontRef>
+        </p:style>
+      </p:cxnSp>
+      <p:grpSp>
+        <p:nvGrpSpPr>
+          <p:cNvPr id="86" name="Group 85">
+            <a:extLst>
+              <a:ext uri="{FF2B5EF4-FFF2-40B4-BE49-F238E27FC236}">
+                <a16:creationId xmlns:a16="http://schemas.microsoft.com/office/drawing/2014/main" id="{E00025AE-843D-334A-B1FF-C73E6104B13F}"/>
+              </a:ext>
+            </a:extLst>
+          </p:cNvPr>
+          <p:cNvGrpSpPr/>
+          <p:nvPr/>
+        </p:nvGrpSpPr>
+        <p:grpSpPr>
+          <a:xfrm>
+            <a:off x="201109" y="427461"/>
+            <a:ext cx="3250673" cy="3698992"/>
+            <a:chOff x="289583" y="788255"/>
+            <a:chExt cx="3250673" cy="3698992"/>
+          </a:xfrm>
+        </p:grpSpPr>
+        <p:sp>
+          <p:nvSpPr>
+            <p:cNvPr id="81" name="Rectangle 80">
+              <a:extLst>
+                <a:ext uri="{FF2B5EF4-FFF2-40B4-BE49-F238E27FC236}">
+                  <a16:creationId xmlns:a16="http://schemas.microsoft.com/office/drawing/2014/main" id="{718D7CC8-09D0-1B4B-AFD4-6D2164243365}"/>
+                </a:ext>
+              </a:extLst>
+            </p:cNvPr>
+            <p:cNvSpPr/>
+            <p:nvPr/>
+          </p:nvSpPr>
+          <p:spPr>
+            <a:xfrm>
+              <a:off x="289585" y="788255"/>
+              <a:ext cx="3238460" cy="3692052"/>
+            </a:xfrm>
+            <a:prstGeom prst="rect">
+              <a:avLst/>
+            </a:prstGeom>
+            <a:solidFill>
+              <a:schemeClr val="accent4">
+                <a:lumMod val="40000"/>
+                <a:lumOff val="60000"/>
+              </a:schemeClr>
+            </a:solidFill>
+            <a:ln>
+              <a:noFill/>
+            </a:ln>
+          </p:spPr>
+          <p:style>
+            <a:lnRef idx="2">
+              <a:schemeClr val="accent1">
+                <a:shade val="50000"/>
+              </a:schemeClr>
+            </a:lnRef>
+            <a:fillRef idx="1">
+              <a:schemeClr val="accent1"/>
+            </a:fillRef>
+            <a:effectRef idx="0">
+              <a:schemeClr val="accent1"/>
+            </a:effectRef>
+            <a:fontRef idx="minor">
+              <a:schemeClr val="lt1"/>
+            </a:fontRef>
+          </p:style>
+          <p:txBody>
+            <a:bodyPr rtlCol="0" anchor="ctr"/>
+            <a:lstStyle/>
+            <a:p>
+              <a:endParaRPr lang="en-DE" dirty="0">
+                <a:solidFill>
+                  <a:schemeClr val="tx1"/>
+                </a:solidFill>
+              </a:endParaRPr>
+            </a:p>
+            <a:p>
+              <a:endParaRPr lang="en-DE" dirty="0">
+                <a:solidFill>
+                  <a:schemeClr val="tx1"/>
+                </a:solidFill>
+              </a:endParaRPr>
+            </a:p>
+            <a:p>
+              <a:endParaRPr lang="en-DE" dirty="0">
+                <a:solidFill>
+                  <a:schemeClr val="tx1"/>
+                </a:solidFill>
+              </a:endParaRPr>
+            </a:p>
+            <a:p>
+              <a:r>
+                <a:rPr lang="en-DE" dirty="0">
+                  <a:solidFill>
+                    <a:schemeClr val="tx1"/>
+                  </a:solidFill>
+                </a:rPr>
+                <a:t>Anzahl der Monster pro Reihe</a:t>
+              </a:r>
+            </a:p>
+            <a:p>
+              <a:endParaRPr lang="en-DE" dirty="0">
+                <a:solidFill>
+                  <a:schemeClr val="tx1"/>
+                </a:solidFill>
+              </a:endParaRPr>
+            </a:p>
+            <a:p>
+              <a:r>
+                <a:rPr lang="en-DE" dirty="0">
+                  <a:solidFill>
+                    <a:schemeClr val="tx1"/>
+                  </a:solidFill>
+                </a:rPr>
+                <a:t>Anzahl Reihen</a:t>
+              </a:r>
+            </a:p>
+            <a:p>
+              <a:endParaRPr lang="en-DE" dirty="0">
+                <a:solidFill>
+                  <a:schemeClr val="tx1"/>
+                </a:solidFill>
+              </a:endParaRPr>
+            </a:p>
+            <a:p>
+              <a:r>
+                <a:rPr lang="en-DE" dirty="0">
+                  <a:solidFill>
+                    <a:schemeClr val="tx1"/>
+                  </a:solidFill>
+                </a:rPr>
+                <a:t>Und Anzahl der Bewegungen in einer Reihe (bei dieser A</a:t>
+              </a:r>
+              <a:r>
+                <a:rPr lang="en-GB" dirty="0">
+                  <a:solidFill>
+                    <a:schemeClr val="tx1"/>
+                  </a:solidFill>
+                </a:rPr>
+                <a:t>n</a:t>
+              </a:r>
+              <a:r>
+                <a:rPr lang="en-DE" dirty="0">
+                  <a:solidFill>
+                    <a:schemeClr val="tx1"/>
+                  </a:solidFill>
+                </a:rPr>
+                <a:t>zahl)</a:t>
+              </a:r>
+            </a:p>
+            <a:p>
+              <a:endParaRPr lang="en-DE" dirty="0">
+                <a:solidFill>
+                  <a:schemeClr val="tx1"/>
+                </a:solidFill>
+              </a:endParaRPr>
+            </a:p>
+            <a:p>
+              <a:r>
+                <a:rPr lang="en-DE" dirty="0">
+                  <a:solidFill>
+                    <a:schemeClr val="tx1"/>
+                  </a:solidFill>
+                </a:rPr>
+                <a:t>Maße in den Notizen</a:t>
+              </a:r>
+            </a:p>
+            <a:p>
+              <a:endParaRPr lang="en-DE" dirty="0">
+                <a:solidFill>
+                  <a:schemeClr val="tx1"/>
+                </a:solidFill>
+              </a:endParaRPr>
+            </a:p>
+            <a:p>
+              <a:r>
+                <a:rPr lang="en-DE" dirty="0">
+                  <a:solidFill>
+                    <a:schemeClr val="tx1"/>
+                  </a:solidFill>
+                </a:rPr>
+                <a:t>(ohne Highscore etc)</a:t>
+              </a:r>
+            </a:p>
+            <a:p>
+              <a:pPr algn="ctr"/>
+              <a:endParaRPr lang="en-DE" dirty="0">
+                <a:solidFill>
+                  <a:schemeClr val="tx1"/>
+                </a:solidFill>
+              </a:endParaRPr>
+            </a:p>
+          </p:txBody>
+        </p:sp>
+        <p:sp>
+          <p:nvSpPr>
+            <p:cNvPr id="82" name="Rectangle 81">
+              <a:extLst>
+                <a:ext uri="{FF2B5EF4-FFF2-40B4-BE49-F238E27FC236}">
+                  <a16:creationId xmlns:a16="http://schemas.microsoft.com/office/drawing/2014/main" id="{96729955-ED96-2945-8950-BA5330AB8853}"/>
+                </a:ext>
+              </a:extLst>
+            </p:cNvPr>
+            <p:cNvSpPr/>
+            <p:nvPr/>
+          </p:nvSpPr>
+          <p:spPr>
+            <a:xfrm>
+              <a:off x="289583" y="788255"/>
+              <a:ext cx="3224447" cy="481211"/>
+            </a:xfrm>
+            <a:prstGeom prst="rect">
+              <a:avLst/>
+            </a:prstGeom>
+            <a:solidFill>
+              <a:srgbClr val="FFDB70"/>
+            </a:solidFill>
+            <a:ln>
+              <a:noFill/>
+            </a:ln>
+          </p:spPr>
+          <p:style>
+            <a:lnRef idx="2">
+              <a:schemeClr val="accent1">
+                <a:shade val="50000"/>
+              </a:schemeClr>
+            </a:lnRef>
+            <a:fillRef idx="1">
+              <a:schemeClr val="accent1"/>
+            </a:fillRef>
+            <a:effectRef idx="0">
+              <a:schemeClr val="accent1"/>
+            </a:effectRef>
+            <a:fontRef idx="minor">
+              <a:schemeClr val="lt1"/>
+            </a:fontRef>
+          </p:style>
+          <p:txBody>
+            <a:bodyPr rtlCol="0" anchor="ctr"/>
+            <a:lstStyle/>
+            <a:p>
+              <a:pPr algn="ctr"/>
+              <a:endParaRPr lang="en-DE"/>
+            </a:p>
+          </p:txBody>
+        </p:sp>
+        <p:sp>
+          <p:nvSpPr>
+            <p:cNvPr id="84" name="Right Triangle 83">
+              <a:extLst>
+                <a:ext uri="{FF2B5EF4-FFF2-40B4-BE49-F238E27FC236}">
+                  <a16:creationId xmlns:a16="http://schemas.microsoft.com/office/drawing/2014/main" id="{313C6453-A941-524E-92CD-5039E4C2A5F5}"/>
+                </a:ext>
+              </a:extLst>
+            </p:cNvPr>
+            <p:cNvSpPr/>
+            <p:nvPr/>
+          </p:nvSpPr>
+          <p:spPr>
+            <a:xfrm rot="16200000">
+              <a:off x="3180256" y="4127247"/>
+              <a:ext cx="360000" cy="360000"/>
+            </a:xfrm>
+            <a:prstGeom prst="rtTriangle">
+              <a:avLst/>
+            </a:prstGeom>
+            <a:solidFill>
+              <a:schemeClr val="bg1"/>
+            </a:solidFill>
+            <a:ln>
+              <a:noFill/>
+            </a:ln>
+          </p:spPr>
+          <p:style>
+            <a:lnRef idx="2">
+              <a:schemeClr val="accent1">
+                <a:shade val="50000"/>
+              </a:schemeClr>
+            </a:lnRef>
+            <a:fillRef idx="1">
+              <a:schemeClr val="accent1"/>
+            </a:fillRef>
+            <a:effectRef idx="0">
+              <a:schemeClr val="accent1"/>
+            </a:effectRef>
+            <a:fontRef idx="minor">
+              <a:schemeClr val="lt1"/>
+            </a:fontRef>
+          </p:style>
+          <p:txBody>
+            <a:bodyPr rtlCol="0" anchor="ctr"/>
+            <a:lstStyle/>
+            <a:p>
+              <a:pPr algn="ctr"/>
+              <a:endParaRPr lang="en-DE" dirty="0"/>
+            </a:p>
+          </p:txBody>
+        </p:sp>
+        <p:sp>
+          <p:nvSpPr>
+            <p:cNvPr id="85" name="Right Triangle 84">
+              <a:extLst>
+                <a:ext uri="{FF2B5EF4-FFF2-40B4-BE49-F238E27FC236}">
+                  <a16:creationId xmlns:a16="http://schemas.microsoft.com/office/drawing/2014/main" id="{92328047-792A-7A4F-87F8-D38F10C9B2CF}"/>
+                </a:ext>
+              </a:extLst>
+            </p:cNvPr>
+            <p:cNvSpPr/>
+            <p:nvPr/>
+          </p:nvSpPr>
+          <p:spPr>
+            <a:xfrm rot="5400000">
+              <a:off x="3173225" y="4124555"/>
+              <a:ext cx="360000" cy="360000"/>
+            </a:xfrm>
+            <a:prstGeom prst="rtTriangle">
+              <a:avLst/>
+            </a:prstGeom>
+            <a:solidFill>
+              <a:srgbClr val="FFDB70"/>
+            </a:solidFill>
+            <a:ln>
+              <a:noFill/>
+            </a:ln>
+          </p:spPr>
+          <p:style>
+            <a:lnRef idx="2">
+              <a:schemeClr val="accent1">
+                <a:shade val="50000"/>
+              </a:schemeClr>
+            </a:lnRef>
+            <a:fillRef idx="1">
+              <a:schemeClr val="accent1"/>
+            </a:fillRef>
+            <a:effectRef idx="0">
+              <a:schemeClr val="accent1"/>
+            </a:effectRef>
+            <a:fontRef idx="minor">
+              <a:schemeClr val="lt1"/>
+            </a:fontRef>
+          </p:style>
+          <p:txBody>
+            <a:bodyPr rtlCol="0" anchor="ctr"/>
+            <a:lstStyle/>
+            <a:p>
+              <a:pPr algn="ctr"/>
+              <a:endParaRPr lang="en-DE"/>
+            </a:p>
+          </p:txBody>
+        </p:sp>
+      </p:grpSp>
+      <p:sp>
+        <p:nvSpPr>
+          <p:cNvPr id="87" name="Rectangle 86">
+            <a:extLst>
+              <a:ext uri="{FF2B5EF4-FFF2-40B4-BE49-F238E27FC236}">
+                <a16:creationId xmlns:a16="http://schemas.microsoft.com/office/drawing/2014/main" id="{E1F2DB4B-3EA5-674D-A801-CE889EC8E63C}"/>
+              </a:ext>
+            </a:extLst>
+          </p:cNvPr>
+          <p:cNvSpPr/>
+          <p:nvPr/>
+        </p:nvSpPr>
+        <p:spPr>
+          <a:xfrm>
+            <a:off x="4222529" y="1953634"/>
+            <a:ext cx="3967615" cy="219600"/>
+          </a:xfrm>
+          <a:prstGeom prst="rect">
+            <a:avLst/>
+          </a:prstGeom>
+          <a:solidFill>
+            <a:schemeClr val="tx1">
+              <a:lumMod val="75000"/>
+              <a:lumOff val="25000"/>
+            </a:schemeClr>
+          </a:solidFill>
+          <a:ln>
+            <a:noFill/>
+          </a:ln>
+        </p:spPr>
+        <p:style>
+          <a:lnRef idx="2">
+            <a:schemeClr val="accent1">
+              <a:shade val="50000"/>
+            </a:schemeClr>
+          </a:lnRef>
+          <a:fillRef idx="1">
+            <a:schemeClr val="accent1"/>
+          </a:fillRef>
+          <a:effectRef idx="0">
+            <a:schemeClr val="accent1"/>
+          </a:effectRef>
+          <a:fontRef idx="minor">
+            <a:schemeClr val="lt1"/>
+          </a:fontRef>
+        </p:style>
+        <p:txBody>
+          <a:bodyPr rtlCol="0" anchor="ctr"/>
+          <a:lstStyle/>
+          <a:p>
+            <a:pPr algn="ctr"/>
+            <a:endParaRPr lang="en-DE"/>
+          </a:p>
+        </p:txBody>
+      </p:sp>
+      <p:sp>
+        <p:nvSpPr>
+          <p:cNvPr id="88" name="Rectangle 87">
+            <a:extLst>
+              <a:ext uri="{FF2B5EF4-FFF2-40B4-BE49-F238E27FC236}">
+                <a16:creationId xmlns:a16="http://schemas.microsoft.com/office/drawing/2014/main" id="{FC806502-731C-8F4A-A3D1-6BB35673C1B9}"/>
+              </a:ext>
+            </a:extLst>
+          </p:cNvPr>
+          <p:cNvSpPr>
+            <a:spLocks noChangeAspect="1"/>
+          </p:cNvSpPr>
+          <p:nvPr/>
+        </p:nvSpPr>
+        <p:spPr>
+          <a:xfrm>
+            <a:off x="4225658" y="2169775"/>
+            <a:ext cx="183600" cy="183600"/>
+          </a:xfrm>
+          <a:prstGeom prst="rect">
+            <a:avLst/>
+          </a:prstGeom>
+          <a:solidFill>
+            <a:schemeClr val="bg1"/>
+          </a:solidFill>
+          <a:ln>
+            <a:solidFill>
+              <a:srgbClr val="00B050"/>
+            </a:solidFill>
+          </a:ln>
+        </p:spPr>
+        <p:style>
+          <a:lnRef idx="2">
+            <a:schemeClr val="accent1">
+              <a:shade val="50000"/>
+            </a:schemeClr>
+          </a:lnRef>
+          <a:fillRef idx="1">
+            <a:schemeClr val="accent1"/>
+          </a:fillRef>
+          <a:effectRef idx="0">
+            <a:schemeClr val="accent1"/>
+          </a:effectRef>
+          <a:fontRef idx="minor">
+            <a:schemeClr val="lt1"/>
+          </a:fontRef>
+        </p:style>
+        <p:txBody>
+          <a:bodyPr rtlCol="0" anchor="ctr"/>
+          <a:lstStyle/>
+          <a:p>
+            <a:pPr algn="ctr"/>
+            <a:endParaRPr lang="en-DE"/>
+          </a:p>
+        </p:txBody>
+      </p:sp>
+      <p:sp>
+        <p:nvSpPr>
+          <p:cNvPr id="89" name="Rectangle 88">
+            <a:extLst>
+              <a:ext uri="{FF2B5EF4-FFF2-40B4-BE49-F238E27FC236}">
+                <a16:creationId xmlns:a16="http://schemas.microsoft.com/office/drawing/2014/main" id="{D94FF9F9-06A7-C34C-B891-9C36A4A97C25}"/>
+              </a:ext>
+            </a:extLst>
+          </p:cNvPr>
+          <p:cNvSpPr/>
+          <p:nvPr/>
+        </p:nvSpPr>
+        <p:spPr>
+          <a:xfrm>
+            <a:off x="4415833" y="2169775"/>
+            <a:ext cx="108000" cy="183600"/>
+          </a:xfrm>
+          <a:prstGeom prst="rect">
+            <a:avLst/>
+          </a:prstGeom>
+          <a:solidFill>
+            <a:schemeClr val="tx1">
+              <a:lumMod val="75000"/>
+              <a:lumOff val="25000"/>
+            </a:schemeClr>
+          </a:solidFill>
+          <a:ln>
+            <a:noFill/>
+          </a:ln>
+        </p:spPr>
+        <p:style>
+          <a:lnRef idx="2">
+            <a:schemeClr val="accent1">
+              <a:shade val="50000"/>
+            </a:schemeClr>
+          </a:lnRef>
+          <a:fillRef idx="1">
+            <a:schemeClr val="accent1"/>
+          </a:fillRef>
+          <a:effectRef idx="0">
+            <a:schemeClr val="accent1"/>
+          </a:effectRef>
+          <a:fontRef idx="minor">
+            <a:schemeClr val="lt1"/>
+          </a:fontRef>
+        </p:style>
+        <p:txBody>
+          <a:bodyPr rtlCol="0" anchor="ctr"/>
+          <a:lstStyle/>
+          <a:p>
+            <a:pPr algn="ctr"/>
+            <a:endParaRPr lang="en-DE"/>
+          </a:p>
+        </p:txBody>
+      </p:sp>
+      <p:sp>
+        <p:nvSpPr>
+          <p:cNvPr id="90" name="Rectangle 89">
+            <a:extLst>
+              <a:ext uri="{FF2B5EF4-FFF2-40B4-BE49-F238E27FC236}">
+                <a16:creationId xmlns:a16="http://schemas.microsoft.com/office/drawing/2014/main" id="{BA3DBC20-1A4F-6743-A9CF-7EC09C976B65}"/>
+              </a:ext>
+            </a:extLst>
+          </p:cNvPr>
+          <p:cNvSpPr>
+            <a:spLocks noChangeAspect="1"/>
+          </p:cNvSpPr>
+          <p:nvPr/>
+        </p:nvSpPr>
+        <p:spPr>
+          <a:xfrm>
+            <a:off x="4520576" y="2169775"/>
+            <a:ext cx="183600" cy="183600"/>
+          </a:xfrm>
+          <a:prstGeom prst="rect">
+            <a:avLst/>
+          </a:prstGeom>
+          <a:solidFill>
+            <a:schemeClr val="bg1"/>
+          </a:solidFill>
+          <a:ln>
+            <a:solidFill>
+              <a:srgbClr val="00B050"/>
+            </a:solidFill>
+          </a:ln>
+        </p:spPr>
+        <p:style>
+          <a:lnRef idx="2">
+            <a:schemeClr val="accent1">
+              <a:shade val="50000"/>
+            </a:schemeClr>
+          </a:lnRef>
+          <a:fillRef idx="1">
+            <a:schemeClr val="accent1"/>
+          </a:fillRef>
+          <a:effectRef idx="0">
+            <a:schemeClr val="accent1"/>
+          </a:effectRef>
+          <a:fontRef idx="minor">
+            <a:schemeClr val="lt1"/>
+          </a:fontRef>
+        </p:style>
+        <p:txBody>
+          <a:bodyPr rtlCol="0" anchor="ctr"/>
+          <a:lstStyle/>
+          <a:p>
+            <a:pPr algn="ctr"/>
+            <a:endParaRPr lang="en-DE"/>
+          </a:p>
+        </p:txBody>
+      </p:sp>
+      <p:sp>
+        <p:nvSpPr>
+          <p:cNvPr id="91" name="Rectangle 90">
+            <a:extLst>
+              <a:ext uri="{FF2B5EF4-FFF2-40B4-BE49-F238E27FC236}">
+                <a16:creationId xmlns:a16="http://schemas.microsoft.com/office/drawing/2014/main" id="{0DD04D2A-9E25-4F44-BB4E-834375D9D79B}"/>
+              </a:ext>
+            </a:extLst>
+          </p:cNvPr>
+          <p:cNvSpPr/>
+          <p:nvPr/>
+        </p:nvSpPr>
+        <p:spPr>
+          <a:xfrm>
+            <a:off x="4710751" y="2169775"/>
+            <a:ext cx="108000" cy="183600"/>
+          </a:xfrm>
+          <a:prstGeom prst="rect">
+            <a:avLst/>
+          </a:prstGeom>
+          <a:solidFill>
+            <a:schemeClr val="tx1">
+              <a:lumMod val="75000"/>
+              <a:lumOff val="25000"/>
+            </a:schemeClr>
+          </a:solidFill>
+          <a:ln>
+            <a:noFill/>
+          </a:ln>
+        </p:spPr>
+        <p:style>
+          <a:lnRef idx="2">
+            <a:schemeClr val="accent1">
+              <a:shade val="50000"/>
+            </a:schemeClr>
+          </a:lnRef>
+          <a:fillRef idx="1">
+            <a:schemeClr val="accent1"/>
+          </a:fillRef>
+          <a:effectRef idx="0">
+            <a:schemeClr val="accent1"/>
+          </a:effectRef>
+          <a:fontRef idx="minor">
+            <a:schemeClr val="lt1"/>
+          </a:fontRef>
+        </p:style>
+        <p:txBody>
+          <a:bodyPr rtlCol="0" anchor="ctr"/>
+          <a:lstStyle/>
+          <a:p>
+            <a:pPr algn="ctr"/>
+            <a:endParaRPr lang="en-DE"/>
+          </a:p>
+        </p:txBody>
+      </p:sp>
+      <p:sp>
+        <p:nvSpPr>
+          <p:cNvPr id="92" name="Rectangle 91">
+            <a:extLst>
+              <a:ext uri="{FF2B5EF4-FFF2-40B4-BE49-F238E27FC236}">
+                <a16:creationId xmlns:a16="http://schemas.microsoft.com/office/drawing/2014/main" id="{63948F43-EC80-8145-A428-D000246D9A57}"/>
+              </a:ext>
+            </a:extLst>
+          </p:cNvPr>
+          <p:cNvSpPr>
+            <a:spLocks noChangeAspect="1"/>
+          </p:cNvSpPr>
+          <p:nvPr/>
+        </p:nvSpPr>
+        <p:spPr>
+          <a:xfrm>
+            <a:off x="4825326" y="2169775"/>
+            <a:ext cx="183600" cy="183600"/>
+          </a:xfrm>
+          <a:prstGeom prst="rect">
+            <a:avLst/>
+          </a:prstGeom>
+          <a:solidFill>
+            <a:schemeClr val="bg1"/>
+          </a:solidFill>
+          <a:ln>
+            <a:solidFill>
+              <a:srgbClr val="00B050"/>
+            </a:solidFill>
+          </a:ln>
+        </p:spPr>
+        <p:style>
+          <a:lnRef idx="2">
+            <a:schemeClr val="accent1">
+              <a:shade val="50000"/>
+            </a:schemeClr>
+          </a:lnRef>
+          <a:fillRef idx="1">
+            <a:schemeClr val="accent1"/>
+          </a:fillRef>
+          <a:effectRef idx="0">
+            <a:schemeClr val="accent1"/>
+          </a:effectRef>
+          <a:fontRef idx="minor">
+            <a:schemeClr val="lt1"/>
+          </a:fontRef>
+        </p:style>
+        <p:txBody>
+          <a:bodyPr rtlCol="0" anchor="ctr"/>
+          <a:lstStyle/>
+          <a:p>
+            <a:pPr algn="ctr"/>
+            <a:endParaRPr lang="en-DE"/>
+          </a:p>
+        </p:txBody>
+      </p:sp>
+      <p:sp>
+        <p:nvSpPr>
+          <p:cNvPr id="93" name="Rectangle 92">
+            <a:extLst>
+              <a:ext uri="{FF2B5EF4-FFF2-40B4-BE49-F238E27FC236}">
+                <a16:creationId xmlns:a16="http://schemas.microsoft.com/office/drawing/2014/main" id="{2D77C196-7653-9840-AB2A-4E0C259A4B09}"/>
+              </a:ext>
+            </a:extLst>
+          </p:cNvPr>
+          <p:cNvSpPr/>
+          <p:nvPr/>
+        </p:nvSpPr>
+        <p:spPr>
+          <a:xfrm>
+            <a:off x="5015501" y="2169775"/>
+            <a:ext cx="108000" cy="183600"/>
+          </a:xfrm>
+          <a:prstGeom prst="rect">
+            <a:avLst/>
+          </a:prstGeom>
+          <a:solidFill>
+            <a:schemeClr val="tx1">
+              <a:lumMod val="75000"/>
+              <a:lumOff val="25000"/>
+            </a:schemeClr>
+          </a:solidFill>
+          <a:ln>
+            <a:noFill/>
+          </a:ln>
+        </p:spPr>
+        <p:style>
+          <a:lnRef idx="2">
+            <a:schemeClr val="accent1">
+              <a:shade val="50000"/>
+            </a:schemeClr>
+          </a:lnRef>
+          <a:fillRef idx="1">
+            <a:schemeClr val="accent1"/>
+          </a:fillRef>
+          <a:effectRef idx="0">
+            <a:schemeClr val="accent1"/>
+          </a:effectRef>
+          <a:fontRef idx="minor">
+            <a:schemeClr val="lt1"/>
+          </a:fontRef>
+        </p:style>
+        <p:txBody>
+          <a:bodyPr rtlCol="0" anchor="ctr"/>
+          <a:lstStyle/>
+          <a:p>
+            <a:pPr algn="ctr"/>
+            <a:endParaRPr lang="en-DE"/>
+          </a:p>
+        </p:txBody>
+      </p:sp>
+      <p:sp>
+        <p:nvSpPr>
+          <p:cNvPr id="94" name="Rectangle 93">
+            <a:extLst>
+              <a:ext uri="{FF2B5EF4-FFF2-40B4-BE49-F238E27FC236}">
+                <a16:creationId xmlns:a16="http://schemas.microsoft.com/office/drawing/2014/main" id="{6266BC1A-E4FC-1F43-B5FC-63972BA074D6}"/>
+              </a:ext>
+            </a:extLst>
+          </p:cNvPr>
+          <p:cNvSpPr>
+            <a:spLocks noChangeAspect="1"/>
+          </p:cNvSpPr>
+          <p:nvPr/>
+        </p:nvSpPr>
+        <p:spPr>
+          <a:xfrm>
+            <a:off x="5130076" y="2169775"/>
+            <a:ext cx="183600" cy="183600"/>
+          </a:xfrm>
+          <a:prstGeom prst="rect">
+            <a:avLst/>
+          </a:prstGeom>
+          <a:solidFill>
+            <a:schemeClr val="bg1"/>
+          </a:solidFill>
+          <a:ln>
+            <a:solidFill>
+              <a:srgbClr val="00B050"/>
+            </a:solidFill>
+          </a:ln>
+        </p:spPr>
+        <p:style>
+          <a:lnRef idx="2">
+            <a:schemeClr val="accent1">
+              <a:shade val="50000"/>
+            </a:schemeClr>
+          </a:lnRef>
+          <a:fillRef idx="1">
+            <a:schemeClr val="accent1"/>
+          </a:fillRef>
+          <a:effectRef idx="0">
+            <a:schemeClr val="accent1"/>
+          </a:effectRef>
+          <a:fontRef idx="minor">
+            <a:schemeClr val="lt1"/>
+          </a:fontRef>
+        </p:style>
+        <p:txBody>
+          <a:bodyPr rtlCol="0" anchor="ctr"/>
+          <a:lstStyle/>
+          <a:p>
+            <a:pPr algn="ctr"/>
+            <a:endParaRPr lang="en-DE"/>
+          </a:p>
+        </p:txBody>
+      </p:sp>
+      <p:sp>
+        <p:nvSpPr>
+          <p:cNvPr id="95" name="Rectangle 94">
+            <a:extLst>
+              <a:ext uri="{FF2B5EF4-FFF2-40B4-BE49-F238E27FC236}">
+                <a16:creationId xmlns:a16="http://schemas.microsoft.com/office/drawing/2014/main" id="{50AE1485-DEA3-2647-83F2-A7E831AF0B55}"/>
+              </a:ext>
+            </a:extLst>
+          </p:cNvPr>
+          <p:cNvSpPr/>
+          <p:nvPr/>
+        </p:nvSpPr>
+        <p:spPr>
+          <a:xfrm>
+            <a:off x="5320251" y="2169775"/>
+            <a:ext cx="108000" cy="183600"/>
+          </a:xfrm>
+          <a:prstGeom prst="rect">
+            <a:avLst/>
+          </a:prstGeom>
+          <a:solidFill>
+            <a:schemeClr val="tx1">
+              <a:lumMod val="75000"/>
+              <a:lumOff val="25000"/>
+            </a:schemeClr>
+          </a:solidFill>
+          <a:ln>
+            <a:noFill/>
+          </a:ln>
+        </p:spPr>
+        <p:style>
+          <a:lnRef idx="2">
+            <a:schemeClr val="accent1">
+              <a:shade val="50000"/>
+            </a:schemeClr>
+          </a:lnRef>
+          <a:fillRef idx="1">
+            <a:schemeClr val="accent1"/>
+          </a:fillRef>
+          <a:effectRef idx="0">
+            <a:schemeClr val="accent1"/>
+          </a:effectRef>
+          <a:fontRef idx="minor">
+            <a:schemeClr val="lt1"/>
+          </a:fontRef>
+        </p:style>
+        <p:txBody>
+          <a:bodyPr rtlCol="0" anchor="ctr"/>
+          <a:lstStyle/>
+          <a:p>
+            <a:pPr algn="ctr"/>
+            <a:endParaRPr lang="en-DE"/>
+          </a:p>
+        </p:txBody>
+      </p:sp>
+      <p:sp>
+        <p:nvSpPr>
+          <p:cNvPr id="96" name="Rectangle 95">
+            <a:extLst>
+              <a:ext uri="{FF2B5EF4-FFF2-40B4-BE49-F238E27FC236}">
+                <a16:creationId xmlns:a16="http://schemas.microsoft.com/office/drawing/2014/main" id="{FFC87FA3-AD5F-DF4B-BA71-D18FC5B9656C}"/>
+              </a:ext>
+            </a:extLst>
+          </p:cNvPr>
+          <p:cNvSpPr>
+            <a:spLocks noChangeAspect="1"/>
+          </p:cNvSpPr>
+          <p:nvPr/>
+        </p:nvSpPr>
+        <p:spPr>
+          <a:xfrm>
+            <a:off x="5435695" y="2169775"/>
+            <a:ext cx="183600" cy="183600"/>
+          </a:xfrm>
+          <a:prstGeom prst="rect">
+            <a:avLst/>
+          </a:prstGeom>
+          <a:solidFill>
+            <a:schemeClr val="bg1"/>
+          </a:solidFill>
+          <a:ln>
+            <a:solidFill>
+              <a:srgbClr val="00B050"/>
+            </a:solidFill>
+          </a:ln>
+        </p:spPr>
+        <p:style>
+          <a:lnRef idx="2">
+            <a:schemeClr val="accent1">
+              <a:shade val="50000"/>
+            </a:schemeClr>
+          </a:lnRef>
+          <a:fillRef idx="1">
+            <a:schemeClr val="accent1"/>
+          </a:fillRef>
+          <a:effectRef idx="0">
+            <a:schemeClr val="accent1"/>
+          </a:effectRef>
+          <a:fontRef idx="minor">
+            <a:schemeClr val="lt1"/>
+          </a:fontRef>
+        </p:style>
+        <p:txBody>
+          <a:bodyPr rtlCol="0" anchor="ctr"/>
+          <a:lstStyle/>
+          <a:p>
+            <a:pPr algn="ctr"/>
+            <a:endParaRPr lang="en-DE"/>
+          </a:p>
+        </p:txBody>
+      </p:sp>
+      <p:sp>
+        <p:nvSpPr>
+          <p:cNvPr id="97" name="Rectangle 96">
+            <a:extLst>
+              <a:ext uri="{FF2B5EF4-FFF2-40B4-BE49-F238E27FC236}">
+                <a16:creationId xmlns:a16="http://schemas.microsoft.com/office/drawing/2014/main" id="{CD7614F7-3AE4-5445-95CC-7686F9CC8AED}"/>
+              </a:ext>
+            </a:extLst>
+          </p:cNvPr>
+          <p:cNvSpPr/>
+          <p:nvPr/>
+        </p:nvSpPr>
+        <p:spPr>
+          <a:xfrm>
+            <a:off x="5625870" y="2169775"/>
+            <a:ext cx="108000" cy="183600"/>
+          </a:xfrm>
+          <a:prstGeom prst="rect">
+            <a:avLst/>
+          </a:prstGeom>
+          <a:solidFill>
+            <a:schemeClr val="tx1">
+              <a:lumMod val="75000"/>
+              <a:lumOff val="25000"/>
+            </a:schemeClr>
+          </a:solidFill>
+          <a:ln>
+            <a:noFill/>
+          </a:ln>
+        </p:spPr>
+        <p:style>
+          <a:lnRef idx="2">
+            <a:schemeClr val="accent1">
+              <a:shade val="50000"/>
+            </a:schemeClr>
+          </a:lnRef>
+          <a:fillRef idx="1">
+            <a:schemeClr val="accent1"/>
+          </a:fillRef>
+          <a:effectRef idx="0">
+            <a:schemeClr val="accent1"/>
+          </a:effectRef>
+          <a:fontRef idx="minor">
+            <a:schemeClr val="lt1"/>
+          </a:fontRef>
+        </p:style>
+        <p:txBody>
+          <a:bodyPr rtlCol="0" anchor="ctr"/>
+          <a:lstStyle/>
+          <a:p>
+            <a:pPr algn="ctr"/>
+            <a:endParaRPr lang="en-DE"/>
+          </a:p>
+        </p:txBody>
+      </p:sp>
+      <p:sp>
+        <p:nvSpPr>
+          <p:cNvPr id="98" name="Rectangle 97">
+            <a:extLst>
+              <a:ext uri="{FF2B5EF4-FFF2-40B4-BE49-F238E27FC236}">
+                <a16:creationId xmlns:a16="http://schemas.microsoft.com/office/drawing/2014/main" id="{ED230597-E867-5947-9D03-143AD85081E4}"/>
+              </a:ext>
+            </a:extLst>
+          </p:cNvPr>
+          <p:cNvSpPr>
+            <a:spLocks noChangeAspect="1"/>
+          </p:cNvSpPr>
+          <p:nvPr/>
+        </p:nvSpPr>
+        <p:spPr>
+          <a:xfrm>
+            <a:off x="5732322" y="2169775"/>
+            <a:ext cx="183600" cy="183600"/>
+          </a:xfrm>
+          <a:prstGeom prst="rect">
+            <a:avLst/>
+          </a:prstGeom>
+          <a:solidFill>
+            <a:schemeClr val="bg1"/>
+          </a:solidFill>
+          <a:ln>
+            <a:solidFill>
+              <a:srgbClr val="00B050"/>
+            </a:solidFill>
+          </a:ln>
+        </p:spPr>
+        <p:style>
+          <a:lnRef idx="2">
+            <a:schemeClr val="accent1">
+              <a:shade val="50000"/>
+            </a:schemeClr>
+          </a:lnRef>
+          <a:fillRef idx="1">
+            <a:schemeClr val="accent1"/>
+          </a:fillRef>
+          <a:effectRef idx="0">
+            <a:schemeClr val="accent1"/>
+          </a:effectRef>
+          <a:fontRef idx="minor">
+            <a:schemeClr val="lt1"/>
+          </a:fontRef>
+        </p:style>
+        <p:txBody>
+          <a:bodyPr rtlCol="0" anchor="ctr"/>
+          <a:lstStyle/>
+          <a:p>
+            <a:pPr algn="ctr"/>
+            <a:endParaRPr lang="en-DE"/>
+          </a:p>
+        </p:txBody>
+      </p:sp>
+      <p:sp>
+        <p:nvSpPr>
+          <p:cNvPr id="99" name="Rectangle 98">
+            <a:extLst>
+              <a:ext uri="{FF2B5EF4-FFF2-40B4-BE49-F238E27FC236}">
+                <a16:creationId xmlns:a16="http://schemas.microsoft.com/office/drawing/2014/main" id="{0C0FD7EA-F473-A642-9E7C-8B60FBD36C30}"/>
+              </a:ext>
+            </a:extLst>
+          </p:cNvPr>
+          <p:cNvSpPr/>
+          <p:nvPr/>
+        </p:nvSpPr>
+        <p:spPr>
+          <a:xfrm>
+            <a:off x="5922497" y="2169775"/>
+            <a:ext cx="108000" cy="183600"/>
+          </a:xfrm>
+          <a:prstGeom prst="rect">
+            <a:avLst/>
+          </a:prstGeom>
+          <a:solidFill>
+            <a:schemeClr val="tx1">
+              <a:lumMod val="75000"/>
+              <a:lumOff val="25000"/>
+            </a:schemeClr>
+          </a:solidFill>
+          <a:ln>
+            <a:noFill/>
+          </a:ln>
+        </p:spPr>
+        <p:style>
+          <a:lnRef idx="2">
+            <a:schemeClr val="accent1">
+              <a:shade val="50000"/>
+            </a:schemeClr>
+          </a:lnRef>
+          <a:fillRef idx="1">
+            <a:schemeClr val="accent1"/>
+          </a:fillRef>
+          <a:effectRef idx="0">
+            <a:schemeClr val="accent1"/>
+          </a:effectRef>
+          <a:fontRef idx="minor">
+            <a:schemeClr val="lt1"/>
+          </a:fontRef>
+        </p:style>
+        <p:txBody>
+          <a:bodyPr rtlCol="0" anchor="ctr"/>
+          <a:lstStyle/>
+          <a:p>
+            <a:pPr algn="ctr"/>
+            <a:endParaRPr lang="en-DE"/>
+          </a:p>
+        </p:txBody>
+      </p:sp>
+      <p:sp>
+        <p:nvSpPr>
+          <p:cNvPr id="100" name="Rectangle 99">
+            <a:extLst>
+              <a:ext uri="{FF2B5EF4-FFF2-40B4-BE49-F238E27FC236}">
+                <a16:creationId xmlns:a16="http://schemas.microsoft.com/office/drawing/2014/main" id="{A05148E5-BA4D-484D-9209-DE466EC105CC}"/>
+              </a:ext>
+            </a:extLst>
+          </p:cNvPr>
+          <p:cNvSpPr>
+            <a:spLocks noChangeAspect="1"/>
+          </p:cNvSpPr>
+          <p:nvPr/>
+        </p:nvSpPr>
+        <p:spPr>
+          <a:xfrm>
+            <a:off x="6030497" y="2169775"/>
+            <a:ext cx="183600" cy="183600"/>
+          </a:xfrm>
+          <a:prstGeom prst="rect">
+            <a:avLst/>
+          </a:prstGeom>
+          <a:solidFill>
+            <a:schemeClr val="bg1"/>
+          </a:solidFill>
+          <a:ln>
+            <a:solidFill>
+              <a:srgbClr val="00B050"/>
+            </a:solidFill>
+          </a:ln>
+        </p:spPr>
+        <p:style>
+          <a:lnRef idx="2">
+            <a:schemeClr val="accent1">
+              <a:shade val="50000"/>
+            </a:schemeClr>
+          </a:lnRef>
+          <a:fillRef idx="1">
+            <a:schemeClr val="accent1"/>
+          </a:fillRef>
+          <a:effectRef idx="0">
+            <a:schemeClr val="accent1"/>
+          </a:effectRef>
+          <a:fontRef idx="minor">
+            <a:schemeClr val="lt1"/>
+          </a:fontRef>
+        </p:style>
+        <p:txBody>
+          <a:bodyPr rtlCol="0" anchor="ctr"/>
+          <a:lstStyle/>
+          <a:p>
+            <a:pPr algn="ctr"/>
+            <a:endParaRPr lang="en-DE"/>
+          </a:p>
+        </p:txBody>
+      </p:sp>
+      <p:sp>
+        <p:nvSpPr>
+          <p:cNvPr id="101" name="Rectangle 100">
+            <a:extLst>
+              <a:ext uri="{FF2B5EF4-FFF2-40B4-BE49-F238E27FC236}">
+                <a16:creationId xmlns:a16="http://schemas.microsoft.com/office/drawing/2014/main" id="{E24278BC-ACD8-334F-AE8C-D658A3AF8F23}"/>
+              </a:ext>
+            </a:extLst>
+          </p:cNvPr>
+          <p:cNvSpPr/>
+          <p:nvPr/>
+        </p:nvSpPr>
+        <p:spPr>
+          <a:xfrm>
+            <a:off x="6220672" y="2169775"/>
+            <a:ext cx="108000" cy="183600"/>
+          </a:xfrm>
+          <a:prstGeom prst="rect">
+            <a:avLst/>
+          </a:prstGeom>
+          <a:solidFill>
+            <a:schemeClr val="tx1">
+              <a:lumMod val="75000"/>
+              <a:lumOff val="25000"/>
+            </a:schemeClr>
+          </a:solidFill>
+          <a:ln>
+            <a:noFill/>
+          </a:ln>
+        </p:spPr>
+        <p:style>
+          <a:lnRef idx="2">
+            <a:schemeClr val="accent1">
+              <a:shade val="50000"/>
+            </a:schemeClr>
+          </a:lnRef>
+          <a:fillRef idx="1">
+            <a:schemeClr val="accent1"/>
+          </a:fillRef>
+          <a:effectRef idx="0">
+            <a:schemeClr val="accent1"/>
+          </a:effectRef>
+          <a:fontRef idx="minor">
+            <a:schemeClr val="lt1"/>
+          </a:fontRef>
+        </p:style>
+        <p:txBody>
+          <a:bodyPr rtlCol="0" anchor="ctr"/>
+          <a:lstStyle/>
+          <a:p>
+            <a:pPr algn="ctr"/>
+            <a:endParaRPr lang="en-DE"/>
+          </a:p>
+        </p:txBody>
+      </p:sp>
+      <p:sp>
+        <p:nvSpPr>
+          <p:cNvPr id="102" name="Rectangle 101">
+            <a:extLst>
+              <a:ext uri="{FF2B5EF4-FFF2-40B4-BE49-F238E27FC236}">
+                <a16:creationId xmlns:a16="http://schemas.microsoft.com/office/drawing/2014/main" id="{421EE2CF-05A1-EE45-93C6-0D2FBCF67DBB}"/>
+              </a:ext>
+            </a:extLst>
+          </p:cNvPr>
+          <p:cNvSpPr>
+            <a:spLocks noChangeAspect="1"/>
+          </p:cNvSpPr>
+          <p:nvPr/>
+        </p:nvSpPr>
+        <p:spPr>
+          <a:xfrm>
+            <a:off x="6328136" y="2169775"/>
+            <a:ext cx="183600" cy="183600"/>
+          </a:xfrm>
+          <a:prstGeom prst="rect">
+            <a:avLst/>
+          </a:prstGeom>
+          <a:solidFill>
+            <a:schemeClr val="bg1"/>
+          </a:solidFill>
+          <a:ln>
+            <a:solidFill>
+              <a:srgbClr val="00B050"/>
+            </a:solidFill>
+          </a:ln>
+        </p:spPr>
+        <p:style>
+          <a:lnRef idx="2">
+            <a:schemeClr val="accent1">
+              <a:shade val="50000"/>
+            </a:schemeClr>
+          </a:lnRef>
+          <a:fillRef idx="1">
+            <a:schemeClr val="accent1"/>
+          </a:fillRef>
+          <a:effectRef idx="0">
+            <a:schemeClr val="accent1"/>
+          </a:effectRef>
+          <a:fontRef idx="minor">
+            <a:schemeClr val="lt1"/>
+          </a:fontRef>
+        </p:style>
+        <p:txBody>
+          <a:bodyPr rtlCol="0" anchor="ctr"/>
+          <a:lstStyle/>
+          <a:p>
+            <a:pPr algn="ctr"/>
+            <a:endParaRPr lang="en-DE"/>
+          </a:p>
+        </p:txBody>
+      </p:sp>
+      <p:sp>
+        <p:nvSpPr>
+          <p:cNvPr id="103" name="Rectangle 102">
+            <a:extLst>
+              <a:ext uri="{FF2B5EF4-FFF2-40B4-BE49-F238E27FC236}">
+                <a16:creationId xmlns:a16="http://schemas.microsoft.com/office/drawing/2014/main" id="{14A61EDA-4364-624F-A106-BAFB9A4CE310}"/>
+              </a:ext>
+            </a:extLst>
+          </p:cNvPr>
+          <p:cNvSpPr/>
+          <p:nvPr/>
+        </p:nvSpPr>
+        <p:spPr>
+          <a:xfrm>
+            <a:off x="6518311" y="2169775"/>
+            <a:ext cx="108000" cy="183600"/>
+          </a:xfrm>
+          <a:prstGeom prst="rect">
+            <a:avLst/>
+          </a:prstGeom>
+          <a:solidFill>
+            <a:schemeClr val="tx1">
+              <a:lumMod val="75000"/>
+              <a:lumOff val="25000"/>
+            </a:schemeClr>
+          </a:solidFill>
+          <a:ln>
+            <a:noFill/>
+          </a:ln>
+        </p:spPr>
+        <p:style>
+          <a:lnRef idx="2">
+            <a:schemeClr val="accent1">
+              <a:shade val="50000"/>
+            </a:schemeClr>
+          </a:lnRef>
+          <a:fillRef idx="1">
+            <a:schemeClr val="accent1"/>
+          </a:fillRef>
+          <a:effectRef idx="0">
+            <a:schemeClr val="accent1"/>
+          </a:effectRef>
+          <a:fontRef idx="minor">
+            <a:schemeClr val="lt1"/>
+          </a:fontRef>
+        </p:style>
+        <p:txBody>
+          <a:bodyPr rtlCol="0" anchor="ctr"/>
+          <a:lstStyle/>
+          <a:p>
+            <a:pPr algn="ctr"/>
+            <a:endParaRPr lang="en-DE"/>
+          </a:p>
+        </p:txBody>
+      </p:sp>
+      <p:sp>
+        <p:nvSpPr>
+          <p:cNvPr id="104" name="Rectangle 103">
+            <a:extLst>
+              <a:ext uri="{FF2B5EF4-FFF2-40B4-BE49-F238E27FC236}">
+                <a16:creationId xmlns:a16="http://schemas.microsoft.com/office/drawing/2014/main" id="{36A7FF66-6927-3B45-9DF9-C17F19D18A7C}"/>
+              </a:ext>
+            </a:extLst>
+          </p:cNvPr>
+          <p:cNvSpPr>
+            <a:spLocks noChangeAspect="1"/>
+          </p:cNvSpPr>
+          <p:nvPr/>
+        </p:nvSpPr>
+        <p:spPr>
+          <a:xfrm>
+            <a:off x="6619200" y="2169775"/>
+            <a:ext cx="183600" cy="183600"/>
+          </a:xfrm>
+          <a:prstGeom prst="rect">
+            <a:avLst/>
+          </a:prstGeom>
+          <a:solidFill>
+            <a:schemeClr val="bg1"/>
+          </a:solidFill>
+          <a:ln>
+            <a:solidFill>
+              <a:srgbClr val="00B050"/>
+            </a:solidFill>
+          </a:ln>
+        </p:spPr>
+        <p:style>
+          <a:lnRef idx="2">
+            <a:schemeClr val="accent1">
+              <a:shade val="50000"/>
+            </a:schemeClr>
+          </a:lnRef>
+          <a:fillRef idx="1">
+            <a:schemeClr val="accent1"/>
+          </a:fillRef>
+          <a:effectRef idx="0">
+            <a:schemeClr val="accent1"/>
+          </a:effectRef>
+          <a:fontRef idx="minor">
+            <a:schemeClr val="lt1"/>
+          </a:fontRef>
+        </p:style>
+        <p:txBody>
+          <a:bodyPr rtlCol="0" anchor="ctr"/>
+          <a:lstStyle/>
+          <a:p>
+            <a:pPr algn="ctr"/>
+            <a:endParaRPr lang="en-DE"/>
+          </a:p>
+        </p:txBody>
+      </p:sp>
+      <p:sp>
+        <p:nvSpPr>
+          <p:cNvPr id="105" name="Rectangle 104">
+            <a:extLst>
+              <a:ext uri="{FF2B5EF4-FFF2-40B4-BE49-F238E27FC236}">
+                <a16:creationId xmlns:a16="http://schemas.microsoft.com/office/drawing/2014/main" id="{C84167CC-E5FD-904D-A7E2-76B87B6A44A0}"/>
+              </a:ext>
+            </a:extLst>
+          </p:cNvPr>
+          <p:cNvSpPr/>
+          <p:nvPr/>
+        </p:nvSpPr>
+        <p:spPr>
+          <a:xfrm>
+            <a:off x="6809375" y="2169775"/>
+            <a:ext cx="108000" cy="183600"/>
+          </a:xfrm>
+          <a:prstGeom prst="rect">
+            <a:avLst/>
+          </a:prstGeom>
+          <a:solidFill>
+            <a:schemeClr val="tx1">
+              <a:lumMod val="75000"/>
+              <a:lumOff val="25000"/>
+            </a:schemeClr>
+          </a:solidFill>
+          <a:ln>
+            <a:noFill/>
+          </a:ln>
+        </p:spPr>
+        <p:style>
+          <a:lnRef idx="2">
+            <a:schemeClr val="accent1">
+              <a:shade val="50000"/>
+            </a:schemeClr>
+          </a:lnRef>
+          <a:fillRef idx="1">
+            <a:schemeClr val="accent1"/>
+          </a:fillRef>
+          <a:effectRef idx="0">
+            <a:schemeClr val="accent1"/>
+          </a:effectRef>
+          <a:fontRef idx="minor">
+            <a:schemeClr val="lt1"/>
+          </a:fontRef>
+        </p:style>
+        <p:txBody>
+          <a:bodyPr rtlCol="0" anchor="ctr"/>
+          <a:lstStyle/>
+          <a:p>
+            <a:pPr algn="ctr"/>
+            <a:endParaRPr lang="en-DE"/>
+          </a:p>
+        </p:txBody>
+      </p:sp>
+      <p:sp>
+        <p:nvSpPr>
+          <p:cNvPr id="106" name="Rectangle 105">
+            <a:extLst>
+              <a:ext uri="{FF2B5EF4-FFF2-40B4-BE49-F238E27FC236}">
+                <a16:creationId xmlns:a16="http://schemas.microsoft.com/office/drawing/2014/main" id="{FBD8A606-814F-6646-8A19-E73C92FD497A}"/>
+              </a:ext>
+            </a:extLst>
+          </p:cNvPr>
+          <p:cNvSpPr>
+            <a:spLocks noChangeAspect="1"/>
+          </p:cNvSpPr>
+          <p:nvPr/>
+        </p:nvSpPr>
+        <p:spPr>
+          <a:xfrm>
+            <a:off x="6927607" y="2169775"/>
+            <a:ext cx="183600" cy="183600"/>
+          </a:xfrm>
+          <a:prstGeom prst="rect">
+            <a:avLst/>
+          </a:prstGeom>
+          <a:solidFill>
+            <a:schemeClr val="bg1"/>
+          </a:solidFill>
+          <a:ln>
+            <a:solidFill>
+              <a:srgbClr val="00B050"/>
+            </a:solidFill>
+          </a:ln>
+        </p:spPr>
+        <p:style>
+          <a:lnRef idx="2">
+            <a:schemeClr val="accent1">
+              <a:shade val="50000"/>
+            </a:schemeClr>
+          </a:lnRef>
+          <a:fillRef idx="1">
+            <a:schemeClr val="accent1"/>
+          </a:fillRef>
+          <a:effectRef idx="0">
+            <a:schemeClr val="accent1"/>
+          </a:effectRef>
+          <a:fontRef idx="minor">
+            <a:schemeClr val="lt1"/>
+          </a:fontRef>
+        </p:style>
+        <p:txBody>
+          <a:bodyPr rtlCol="0" anchor="ctr"/>
+          <a:lstStyle/>
+          <a:p>
+            <a:pPr algn="ctr"/>
+            <a:endParaRPr lang="en-DE"/>
+          </a:p>
+        </p:txBody>
+      </p:sp>
+      <p:sp>
+        <p:nvSpPr>
+          <p:cNvPr id="107" name="Rectangle 106">
+            <a:extLst>
+              <a:ext uri="{FF2B5EF4-FFF2-40B4-BE49-F238E27FC236}">
+                <a16:creationId xmlns:a16="http://schemas.microsoft.com/office/drawing/2014/main" id="{AD5F3A12-81C8-9B46-92A4-DCB6CFFA50B5}"/>
+              </a:ext>
+            </a:extLst>
+          </p:cNvPr>
+          <p:cNvSpPr/>
+          <p:nvPr/>
+        </p:nvSpPr>
+        <p:spPr>
+          <a:xfrm>
+            <a:off x="7117782" y="2169775"/>
+            <a:ext cx="108000" cy="183600"/>
+          </a:xfrm>
+          <a:prstGeom prst="rect">
+            <a:avLst/>
+          </a:prstGeom>
+          <a:solidFill>
+            <a:schemeClr val="tx1">
+              <a:lumMod val="75000"/>
+              <a:lumOff val="25000"/>
+            </a:schemeClr>
+          </a:solidFill>
+          <a:ln>
+            <a:noFill/>
+          </a:ln>
+        </p:spPr>
+        <p:style>
+          <a:lnRef idx="2">
+            <a:schemeClr val="accent1">
+              <a:shade val="50000"/>
+            </a:schemeClr>
+          </a:lnRef>
+          <a:fillRef idx="1">
+            <a:schemeClr val="accent1"/>
+          </a:fillRef>
+          <a:effectRef idx="0">
+            <a:schemeClr val="accent1"/>
+          </a:effectRef>
+          <a:fontRef idx="minor">
+            <a:schemeClr val="lt1"/>
+          </a:fontRef>
+        </p:style>
+        <p:txBody>
+          <a:bodyPr rtlCol="0" anchor="ctr"/>
+          <a:lstStyle/>
+          <a:p>
+            <a:pPr algn="ctr"/>
+            <a:endParaRPr lang="en-DE"/>
+          </a:p>
+        </p:txBody>
+      </p:sp>
+      <p:sp>
+        <p:nvSpPr>
+          <p:cNvPr id="108" name="Rectangle 107">
+            <a:extLst>
+              <a:ext uri="{FF2B5EF4-FFF2-40B4-BE49-F238E27FC236}">
+                <a16:creationId xmlns:a16="http://schemas.microsoft.com/office/drawing/2014/main" id="{EF991FD8-120B-F24A-BE79-ADCF94ED71C8}"/>
+              </a:ext>
+            </a:extLst>
+          </p:cNvPr>
+          <p:cNvSpPr>
+            <a:spLocks noChangeAspect="1"/>
+          </p:cNvSpPr>
+          <p:nvPr/>
+        </p:nvSpPr>
+        <p:spPr>
+          <a:xfrm>
+            <a:off x="7235825" y="2169775"/>
+            <a:ext cx="183600" cy="183600"/>
+          </a:xfrm>
+          <a:prstGeom prst="rect">
+            <a:avLst/>
+          </a:prstGeom>
+          <a:solidFill>
+            <a:schemeClr val="bg1"/>
+          </a:solidFill>
+          <a:ln>
+            <a:solidFill>
+              <a:srgbClr val="00B050"/>
+            </a:solidFill>
+          </a:ln>
+        </p:spPr>
+        <p:style>
+          <a:lnRef idx="2">
+            <a:schemeClr val="accent1">
+              <a:shade val="50000"/>
+            </a:schemeClr>
+          </a:lnRef>
+          <a:fillRef idx="1">
+            <a:schemeClr val="accent1"/>
+          </a:fillRef>
+          <a:effectRef idx="0">
+            <a:schemeClr val="accent1"/>
+          </a:effectRef>
+          <a:fontRef idx="minor">
+            <a:schemeClr val="lt1"/>
+          </a:fontRef>
+        </p:style>
+        <p:txBody>
+          <a:bodyPr rtlCol="0" anchor="ctr"/>
+          <a:lstStyle/>
+          <a:p>
+            <a:pPr algn="ctr"/>
+            <a:endParaRPr lang="en-DE"/>
+          </a:p>
+        </p:txBody>
+      </p:sp>
+      <p:sp>
+        <p:nvSpPr>
+          <p:cNvPr id="109" name="Rectangle 108">
+            <a:extLst>
+              <a:ext uri="{FF2B5EF4-FFF2-40B4-BE49-F238E27FC236}">
+                <a16:creationId xmlns:a16="http://schemas.microsoft.com/office/drawing/2014/main" id="{CDA3AF60-AEF6-704E-9B4E-F2F48EBB06C5}"/>
+              </a:ext>
+            </a:extLst>
+          </p:cNvPr>
+          <p:cNvSpPr/>
+          <p:nvPr/>
+        </p:nvSpPr>
+        <p:spPr>
+          <a:xfrm>
+            <a:off x="7426000" y="2169775"/>
+            <a:ext cx="108000" cy="183600"/>
+          </a:xfrm>
+          <a:prstGeom prst="rect">
+            <a:avLst/>
+          </a:prstGeom>
+          <a:solidFill>
+            <a:schemeClr val="tx1">
+              <a:lumMod val="75000"/>
+              <a:lumOff val="25000"/>
+            </a:schemeClr>
+          </a:solidFill>
+          <a:ln>
+            <a:noFill/>
+          </a:ln>
+        </p:spPr>
+        <p:style>
+          <a:lnRef idx="2">
+            <a:schemeClr val="accent1">
+              <a:shade val="50000"/>
+            </a:schemeClr>
+          </a:lnRef>
+          <a:fillRef idx="1">
+            <a:schemeClr val="accent1"/>
+          </a:fillRef>
+          <a:effectRef idx="0">
+            <a:schemeClr val="accent1"/>
+          </a:effectRef>
+          <a:fontRef idx="minor">
+            <a:schemeClr val="lt1"/>
+          </a:fontRef>
+        </p:style>
+        <p:txBody>
+          <a:bodyPr rtlCol="0" anchor="ctr"/>
+          <a:lstStyle/>
+          <a:p>
+            <a:pPr algn="ctr"/>
+            <a:endParaRPr lang="en-DE"/>
+          </a:p>
+        </p:txBody>
+      </p:sp>
+      <p:sp>
+        <p:nvSpPr>
+          <p:cNvPr id="110" name="Rectangle 109">
+            <a:extLst>
+              <a:ext uri="{FF2B5EF4-FFF2-40B4-BE49-F238E27FC236}">
+                <a16:creationId xmlns:a16="http://schemas.microsoft.com/office/drawing/2014/main" id="{F9260D33-D7FF-3C45-9653-274A655B3BD6}"/>
+              </a:ext>
+            </a:extLst>
+          </p:cNvPr>
+          <p:cNvSpPr>
+            <a:spLocks noChangeAspect="1"/>
+          </p:cNvSpPr>
+          <p:nvPr/>
+        </p:nvSpPr>
+        <p:spPr>
+          <a:xfrm>
+            <a:off x="7540575" y="2169775"/>
+            <a:ext cx="183600" cy="183600"/>
+          </a:xfrm>
+          <a:prstGeom prst="rect">
+            <a:avLst/>
+          </a:prstGeom>
+          <a:solidFill>
+            <a:schemeClr val="bg1"/>
+          </a:solidFill>
+          <a:ln>
+            <a:solidFill>
+              <a:srgbClr val="00B050"/>
+            </a:solidFill>
+          </a:ln>
+        </p:spPr>
+        <p:style>
+          <a:lnRef idx="2">
+            <a:schemeClr val="accent1">
+              <a:shade val="50000"/>
+            </a:schemeClr>
+          </a:lnRef>
+          <a:fillRef idx="1">
+            <a:schemeClr val="accent1"/>
+          </a:fillRef>
+          <a:effectRef idx="0">
+            <a:schemeClr val="accent1"/>
+          </a:effectRef>
+          <a:fontRef idx="minor">
+            <a:schemeClr val="lt1"/>
+          </a:fontRef>
+        </p:style>
+        <p:txBody>
+          <a:bodyPr rtlCol="0" anchor="ctr"/>
+          <a:lstStyle/>
+          <a:p>
+            <a:pPr algn="ctr"/>
+            <a:endParaRPr lang="en-DE"/>
+          </a:p>
+        </p:txBody>
+      </p:sp>
+      <p:sp>
+        <p:nvSpPr>
+          <p:cNvPr id="111" name="Rectangle 110">
+            <a:extLst>
+              <a:ext uri="{FF2B5EF4-FFF2-40B4-BE49-F238E27FC236}">
+                <a16:creationId xmlns:a16="http://schemas.microsoft.com/office/drawing/2014/main" id="{48E2394F-F302-FE40-9F06-1249FE45CFC1}"/>
+              </a:ext>
+            </a:extLst>
+          </p:cNvPr>
+          <p:cNvSpPr/>
+          <p:nvPr/>
+        </p:nvSpPr>
+        <p:spPr>
+          <a:xfrm>
+            <a:off x="4222530" y="2349916"/>
+            <a:ext cx="3976288" cy="219600"/>
+          </a:xfrm>
+          <a:prstGeom prst="rect">
+            <a:avLst/>
+          </a:prstGeom>
+          <a:solidFill>
+            <a:schemeClr val="tx1">
+              <a:lumMod val="75000"/>
+              <a:lumOff val="25000"/>
+            </a:schemeClr>
+          </a:solidFill>
+          <a:ln>
+            <a:noFill/>
+          </a:ln>
+        </p:spPr>
+        <p:style>
+          <a:lnRef idx="2">
+            <a:schemeClr val="accent1">
+              <a:shade val="50000"/>
+            </a:schemeClr>
+          </a:lnRef>
+          <a:fillRef idx="1">
+            <a:schemeClr val="accent1"/>
+          </a:fillRef>
+          <a:effectRef idx="0">
+            <a:schemeClr val="accent1"/>
+          </a:effectRef>
+          <a:fontRef idx="minor">
+            <a:schemeClr val="lt1"/>
+          </a:fontRef>
+        </p:style>
+        <p:txBody>
+          <a:bodyPr rtlCol="0" anchor="ctr"/>
+          <a:lstStyle/>
+          <a:p>
+            <a:pPr algn="ctr"/>
+            <a:endParaRPr lang="en-DE"/>
+          </a:p>
+        </p:txBody>
+      </p:sp>
+      <p:sp>
+        <p:nvSpPr>
+          <p:cNvPr id="112" name="Rectangle 111">
+            <a:extLst>
+              <a:ext uri="{FF2B5EF4-FFF2-40B4-BE49-F238E27FC236}">
+                <a16:creationId xmlns:a16="http://schemas.microsoft.com/office/drawing/2014/main" id="{50708B95-7081-9D43-A30C-0B17E3B8C3D5}"/>
+              </a:ext>
+            </a:extLst>
+          </p:cNvPr>
+          <p:cNvSpPr>
+            <a:spLocks noChangeAspect="1"/>
+          </p:cNvSpPr>
+          <p:nvPr/>
+        </p:nvSpPr>
+        <p:spPr>
+          <a:xfrm>
+            <a:off x="4225658" y="2566057"/>
+            <a:ext cx="183600" cy="183600"/>
+          </a:xfrm>
+          <a:prstGeom prst="rect">
+            <a:avLst/>
+          </a:prstGeom>
+          <a:solidFill>
+            <a:schemeClr val="bg1"/>
+          </a:solidFill>
+          <a:ln>
+            <a:solidFill>
+              <a:srgbClr val="00B050"/>
+            </a:solidFill>
+          </a:ln>
+        </p:spPr>
+        <p:style>
+          <a:lnRef idx="2">
+            <a:schemeClr val="accent1">
+              <a:shade val="50000"/>
+            </a:schemeClr>
+          </a:lnRef>
+          <a:fillRef idx="1">
+            <a:schemeClr val="accent1"/>
+          </a:fillRef>
+          <a:effectRef idx="0">
+            <a:schemeClr val="accent1"/>
+          </a:effectRef>
+          <a:fontRef idx="minor">
+            <a:schemeClr val="lt1"/>
+          </a:fontRef>
+        </p:style>
+        <p:txBody>
+          <a:bodyPr rtlCol="0" anchor="ctr"/>
+          <a:lstStyle/>
+          <a:p>
+            <a:pPr algn="ctr"/>
+            <a:endParaRPr lang="en-DE"/>
+          </a:p>
+        </p:txBody>
+      </p:sp>
+      <p:sp>
+        <p:nvSpPr>
+          <p:cNvPr id="113" name="Rectangle 112">
+            <a:extLst>
+              <a:ext uri="{FF2B5EF4-FFF2-40B4-BE49-F238E27FC236}">
+                <a16:creationId xmlns:a16="http://schemas.microsoft.com/office/drawing/2014/main" id="{9003501C-E8AB-8744-8194-26C7D6CAD122}"/>
+              </a:ext>
+            </a:extLst>
+          </p:cNvPr>
+          <p:cNvSpPr/>
+          <p:nvPr/>
+        </p:nvSpPr>
+        <p:spPr>
+          <a:xfrm>
+            <a:off x="4415833" y="2566057"/>
+            <a:ext cx="108000" cy="183600"/>
+          </a:xfrm>
+          <a:prstGeom prst="rect">
+            <a:avLst/>
+          </a:prstGeom>
+          <a:solidFill>
+            <a:schemeClr val="tx1">
+              <a:lumMod val="75000"/>
+              <a:lumOff val="25000"/>
+            </a:schemeClr>
+          </a:solidFill>
+          <a:ln>
+            <a:noFill/>
+          </a:ln>
+        </p:spPr>
+        <p:style>
+          <a:lnRef idx="2">
+            <a:schemeClr val="accent1">
+              <a:shade val="50000"/>
+            </a:schemeClr>
+          </a:lnRef>
+          <a:fillRef idx="1">
+            <a:schemeClr val="accent1"/>
+          </a:fillRef>
+          <a:effectRef idx="0">
+            <a:schemeClr val="accent1"/>
+          </a:effectRef>
+          <a:fontRef idx="minor">
+            <a:schemeClr val="lt1"/>
+          </a:fontRef>
+        </p:style>
+        <p:txBody>
+          <a:bodyPr rtlCol="0" anchor="ctr"/>
+          <a:lstStyle/>
+          <a:p>
+            <a:pPr algn="ctr"/>
+            <a:endParaRPr lang="en-DE"/>
+          </a:p>
+        </p:txBody>
+      </p:sp>
+      <p:sp>
+        <p:nvSpPr>
+          <p:cNvPr id="114" name="Rectangle 113">
+            <a:extLst>
+              <a:ext uri="{FF2B5EF4-FFF2-40B4-BE49-F238E27FC236}">
+                <a16:creationId xmlns:a16="http://schemas.microsoft.com/office/drawing/2014/main" id="{2C50DB78-BEEC-EE4C-9837-8E41325E7243}"/>
+              </a:ext>
+            </a:extLst>
+          </p:cNvPr>
+          <p:cNvSpPr>
+            <a:spLocks noChangeAspect="1"/>
+          </p:cNvSpPr>
+          <p:nvPr/>
+        </p:nvSpPr>
+        <p:spPr>
+          <a:xfrm>
+            <a:off x="4520576" y="2566057"/>
+            <a:ext cx="183600" cy="183600"/>
+          </a:xfrm>
+          <a:prstGeom prst="rect">
+            <a:avLst/>
+          </a:prstGeom>
+          <a:solidFill>
+            <a:schemeClr val="bg1"/>
+          </a:solidFill>
+          <a:ln>
+            <a:solidFill>
+              <a:srgbClr val="00B050"/>
+            </a:solidFill>
+          </a:ln>
+        </p:spPr>
+        <p:style>
+          <a:lnRef idx="2">
+            <a:schemeClr val="accent1">
+              <a:shade val="50000"/>
+            </a:schemeClr>
+          </a:lnRef>
+          <a:fillRef idx="1">
+            <a:schemeClr val="accent1"/>
+          </a:fillRef>
+          <a:effectRef idx="0">
+            <a:schemeClr val="accent1"/>
+          </a:effectRef>
+          <a:fontRef idx="minor">
+            <a:schemeClr val="lt1"/>
+          </a:fontRef>
+        </p:style>
+        <p:txBody>
+          <a:bodyPr rtlCol="0" anchor="ctr"/>
+          <a:lstStyle/>
+          <a:p>
+            <a:pPr algn="ctr"/>
+            <a:endParaRPr lang="en-DE"/>
+          </a:p>
+        </p:txBody>
+      </p:sp>
+      <p:sp>
+        <p:nvSpPr>
+          <p:cNvPr id="115" name="Rectangle 114">
+            <a:extLst>
+              <a:ext uri="{FF2B5EF4-FFF2-40B4-BE49-F238E27FC236}">
+                <a16:creationId xmlns:a16="http://schemas.microsoft.com/office/drawing/2014/main" id="{B51D98B5-5C31-C845-BEEF-DF544BFF99DA}"/>
+              </a:ext>
+            </a:extLst>
+          </p:cNvPr>
+          <p:cNvSpPr/>
+          <p:nvPr/>
+        </p:nvSpPr>
+        <p:spPr>
+          <a:xfrm>
+            <a:off x="4710751" y="2566057"/>
+            <a:ext cx="108000" cy="183600"/>
+          </a:xfrm>
+          <a:prstGeom prst="rect">
+            <a:avLst/>
+          </a:prstGeom>
+          <a:solidFill>
+            <a:schemeClr val="tx1">
+              <a:lumMod val="75000"/>
+              <a:lumOff val="25000"/>
+            </a:schemeClr>
+          </a:solidFill>
+          <a:ln>
+            <a:noFill/>
+          </a:ln>
+        </p:spPr>
+        <p:style>
+          <a:lnRef idx="2">
+            <a:schemeClr val="accent1">
+              <a:shade val="50000"/>
+            </a:schemeClr>
+          </a:lnRef>
+          <a:fillRef idx="1">
+            <a:schemeClr val="accent1"/>
+          </a:fillRef>
+          <a:effectRef idx="0">
+            <a:schemeClr val="accent1"/>
+          </a:effectRef>
+          <a:fontRef idx="minor">
+            <a:schemeClr val="lt1"/>
+          </a:fontRef>
+        </p:style>
+        <p:txBody>
+          <a:bodyPr rtlCol="0" anchor="ctr"/>
+          <a:lstStyle/>
+          <a:p>
+            <a:pPr algn="ctr"/>
+            <a:endParaRPr lang="en-DE"/>
+          </a:p>
+        </p:txBody>
+      </p:sp>
+      <p:sp>
+        <p:nvSpPr>
+          <p:cNvPr id="116" name="Rectangle 115">
+            <a:extLst>
+              <a:ext uri="{FF2B5EF4-FFF2-40B4-BE49-F238E27FC236}">
+                <a16:creationId xmlns:a16="http://schemas.microsoft.com/office/drawing/2014/main" id="{EED55107-A9BF-4647-A449-3F21506BB0E9}"/>
+              </a:ext>
+            </a:extLst>
+          </p:cNvPr>
+          <p:cNvSpPr>
+            <a:spLocks noChangeAspect="1"/>
+          </p:cNvSpPr>
+          <p:nvPr/>
+        </p:nvSpPr>
+        <p:spPr>
+          <a:xfrm>
+            <a:off x="4825326" y="2566057"/>
+            <a:ext cx="183600" cy="183600"/>
+          </a:xfrm>
+          <a:prstGeom prst="rect">
+            <a:avLst/>
+          </a:prstGeom>
+          <a:solidFill>
+            <a:schemeClr val="bg1"/>
+          </a:solidFill>
+          <a:ln>
+            <a:solidFill>
+              <a:srgbClr val="00B050"/>
+            </a:solidFill>
+          </a:ln>
+        </p:spPr>
+        <p:style>
+          <a:lnRef idx="2">
+            <a:schemeClr val="accent1">
+              <a:shade val="50000"/>
+            </a:schemeClr>
+          </a:lnRef>
+          <a:fillRef idx="1">
+            <a:schemeClr val="accent1"/>
+          </a:fillRef>
+          <a:effectRef idx="0">
+            <a:schemeClr val="accent1"/>
+          </a:effectRef>
+          <a:fontRef idx="minor">
+            <a:schemeClr val="lt1"/>
+          </a:fontRef>
+        </p:style>
+        <p:txBody>
+          <a:bodyPr rtlCol="0" anchor="ctr"/>
+          <a:lstStyle/>
+          <a:p>
+            <a:pPr algn="ctr"/>
+            <a:endParaRPr lang="en-DE"/>
+          </a:p>
+        </p:txBody>
+      </p:sp>
+      <p:sp>
+        <p:nvSpPr>
+          <p:cNvPr id="117" name="Rectangle 116">
+            <a:extLst>
+              <a:ext uri="{FF2B5EF4-FFF2-40B4-BE49-F238E27FC236}">
+                <a16:creationId xmlns:a16="http://schemas.microsoft.com/office/drawing/2014/main" id="{5EF0EE0F-13FB-4649-90C7-C03181253CCC}"/>
+              </a:ext>
+            </a:extLst>
+          </p:cNvPr>
+          <p:cNvSpPr/>
+          <p:nvPr/>
+        </p:nvSpPr>
+        <p:spPr>
+          <a:xfrm>
+            <a:off x="5015501" y="2566057"/>
+            <a:ext cx="108000" cy="183600"/>
+          </a:xfrm>
+          <a:prstGeom prst="rect">
+            <a:avLst/>
+          </a:prstGeom>
+          <a:solidFill>
+            <a:schemeClr val="tx1">
+              <a:lumMod val="75000"/>
+              <a:lumOff val="25000"/>
+            </a:schemeClr>
+          </a:solidFill>
+          <a:ln>
+            <a:noFill/>
+          </a:ln>
+        </p:spPr>
+        <p:style>
+          <a:lnRef idx="2">
+            <a:schemeClr val="accent1">
+              <a:shade val="50000"/>
+            </a:schemeClr>
+          </a:lnRef>
+          <a:fillRef idx="1">
+            <a:schemeClr val="accent1"/>
+          </a:fillRef>
+          <a:effectRef idx="0">
+            <a:schemeClr val="accent1"/>
+          </a:effectRef>
+          <a:fontRef idx="minor">
+            <a:schemeClr val="lt1"/>
+          </a:fontRef>
+        </p:style>
+        <p:txBody>
+          <a:bodyPr rtlCol="0" anchor="ctr"/>
+          <a:lstStyle/>
+          <a:p>
+            <a:pPr algn="ctr"/>
+            <a:endParaRPr lang="en-DE"/>
+          </a:p>
+        </p:txBody>
+      </p:sp>
+      <p:sp>
+        <p:nvSpPr>
+          <p:cNvPr id="118" name="Rectangle 117">
+            <a:extLst>
+              <a:ext uri="{FF2B5EF4-FFF2-40B4-BE49-F238E27FC236}">
+                <a16:creationId xmlns:a16="http://schemas.microsoft.com/office/drawing/2014/main" id="{CE233063-963D-BA44-8AAB-55D4E546A790}"/>
+              </a:ext>
+            </a:extLst>
+          </p:cNvPr>
+          <p:cNvSpPr>
+            <a:spLocks noChangeAspect="1"/>
+          </p:cNvSpPr>
+          <p:nvPr/>
+        </p:nvSpPr>
+        <p:spPr>
+          <a:xfrm>
+            <a:off x="5130076" y="2566057"/>
+            <a:ext cx="183600" cy="183600"/>
+          </a:xfrm>
+          <a:prstGeom prst="rect">
+            <a:avLst/>
+          </a:prstGeom>
+          <a:solidFill>
+            <a:schemeClr val="bg1"/>
+          </a:solidFill>
+          <a:ln>
+            <a:solidFill>
+              <a:srgbClr val="00B050"/>
+            </a:solidFill>
+          </a:ln>
+        </p:spPr>
+        <p:style>
+          <a:lnRef idx="2">
+            <a:schemeClr val="accent1">
+              <a:shade val="50000"/>
+            </a:schemeClr>
+          </a:lnRef>
+          <a:fillRef idx="1">
+            <a:schemeClr val="accent1"/>
+          </a:fillRef>
+          <a:effectRef idx="0">
+            <a:schemeClr val="accent1"/>
+          </a:effectRef>
+          <a:fontRef idx="minor">
+            <a:schemeClr val="lt1"/>
+          </a:fontRef>
+        </p:style>
+        <p:txBody>
+          <a:bodyPr rtlCol="0" anchor="ctr"/>
+          <a:lstStyle/>
+          <a:p>
+            <a:pPr algn="ctr"/>
+            <a:endParaRPr lang="en-DE"/>
+          </a:p>
+        </p:txBody>
+      </p:sp>
+      <p:sp>
+        <p:nvSpPr>
+          <p:cNvPr id="119" name="Rectangle 118">
+            <a:extLst>
+              <a:ext uri="{FF2B5EF4-FFF2-40B4-BE49-F238E27FC236}">
+                <a16:creationId xmlns:a16="http://schemas.microsoft.com/office/drawing/2014/main" id="{5BCE9EAF-D2F3-AA48-B485-10B54B922251}"/>
+              </a:ext>
+            </a:extLst>
+          </p:cNvPr>
+          <p:cNvSpPr/>
+          <p:nvPr/>
+        </p:nvSpPr>
+        <p:spPr>
+          <a:xfrm>
+            <a:off x="5320251" y="2566057"/>
+            <a:ext cx="108000" cy="183600"/>
+          </a:xfrm>
+          <a:prstGeom prst="rect">
+            <a:avLst/>
+          </a:prstGeom>
+          <a:solidFill>
+            <a:schemeClr val="tx1">
+              <a:lumMod val="75000"/>
+              <a:lumOff val="25000"/>
+            </a:schemeClr>
+          </a:solidFill>
+          <a:ln>
+            <a:noFill/>
+          </a:ln>
+        </p:spPr>
+        <p:style>
+          <a:lnRef idx="2">
+            <a:schemeClr val="accent1">
+              <a:shade val="50000"/>
+            </a:schemeClr>
+          </a:lnRef>
+          <a:fillRef idx="1">
+            <a:schemeClr val="accent1"/>
+          </a:fillRef>
+          <a:effectRef idx="0">
+            <a:schemeClr val="accent1"/>
+          </a:effectRef>
+          <a:fontRef idx="minor">
+            <a:schemeClr val="lt1"/>
+          </a:fontRef>
+        </p:style>
+        <p:txBody>
+          <a:bodyPr rtlCol="0" anchor="ctr"/>
+          <a:lstStyle/>
+          <a:p>
+            <a:pPr algn="ctr"/>
+            <a:endParaRPr lang="en-DE"/>
+          </a:p>
+        </p:txBody>
+      </p:sp>
+      <p:sp>
+        <p:nvSpPr>
+          <p:cNvPr id="120" name="Rectangle 119">
+            <a:extLst>
+              <a:ext uri="{FF2B5EF4-FFF2-40B4-BE49-F238E27FC236}">
+                <a16:creationId xmlns:a16="http://schemas.microsoft.com/office/drawing/2014/main" id="{CFA58F77-32C6-E149-9A87-449F62FA6236}"/>
+              </a:ext>
+            </a:extLst>
+          </p:cNvPr>
+          <p:cNvSpPr>
+            <a:spLocks noChangeAspect="1"/>
+          </p:cNvSpPr>
+          <p:nvPr/>
+        </p:nvSpPr>
+        <p:spPr>
+          <a:xfrm>
+            <a:off x="5435695" y="2566057"/>
+            <a:ext cx="183600" cy="183600"/>
+          </a:xfrm>
+          <a:prstGeom prst="rect">
+            <a:avLst/>
+          </a:prstGeom>
+          <a:solidFill>
+            <a:schemeClr val="bg1"/>
+          </a:solidFill>
+          <a:ln>
+            <a:solidFill>
+              <a:srgbClr val="00B050"/>
+            </a:solidFill>
+          </a:ln>
+        </p:spPr>
+        <p:style>
+          <a:lnRef idx="2">
+            <a:schemeClr val="accent1">
+              <a:shade val="50000"/>
+            </a:schemeClr>
+          </a:lnRef>
+          <a:fillRef idx="1">
+            <a:schemeClr val="accent1"/>
+          </a:fillRef>
+          <a:effectRef idx="0">
+            <a:schemeClr val="accent1"/>
+          </a:effectRef>
+          <a:fontRef idx="minor">
+            <a:schemeClr val="lt1"/>
+          </a:fontRef>
+        </p:style>
+        <p:txBody>
+          <a:bodyPr rtlCol="0" anchor="ctr"/>
+          <a:lstStyle/>
+          <a:p>
+            <a:pPr algn="ctr"/>
+            <a:endParaRPr lang="en-DE"/>
+          </a:p>
+        </p:txBody>
+      </p:sp>
+      <p:sp>
+        <p:nvSpPr>
+          <p:cNvPr id="121" name="Rectangle 120">
+            <a:extLst>
+              <a:ext uri="{FF2B5EF4-FFF2-40B4-BE49-F238E27FC236}">
+                <a16:creationId xmlns:a16="http://schemas.microsoft.com/office/drawing/2014/main" id="{D5A3F9CF-E863-EB41-988B-7450C2100147}"/>
+              </a:ext>
+            </a:extLst>
+          </p:cNvPr>
+          <p:cNvSpPr/>
+          <p:nvPr/>
+        </p:nvSpPr>
+        <p:spPr>
+          <a:xfrm>
+            <a:off x="5625870" y="2566057"/>
+            <a:ext cx="108000" cy="183600"/>
+          </a:xfrm>
+          <a:prstGeom prst="rect">
+            <a:avLst/>
+          </a:prstGeom>
+          <a:solidFill>
+            <a:schemeClr val="tx1">
+              <a:lumMod val="75000"/>
+              <a:lumOff val="25000"/>
+            </a:schemeClr>
+          </a:solidFill>
+          <a:ln>
+            <a:noFill/>
+          </a:ln>
+        </p:spPr>
+        <p:style>
+          <a:lnRef idx="2">
+            <a:schemeClr val="accent1">
+              <a:shade val="50000"/>
+            </a:schemeClr>
+          </a:lnRef>
+          <a:fillRef idx="1">
+            <a:schemeClr val="accent1"/>
+          </a:fillRef>
+          <a:effectRef idx="0">
+            <a:schemeClr val="accent1"/>
+          </a:effectRef>
+          <a:fontRef idx="minor">
+            <a:schemeClr val="lt1"/>
+          </a:fontRef>
+        </p:style>
+        <p:txBody>
+          <a:bodyPr rtlCol="0" anchor="ctr"/>
+          <a:lstStyle/>
+          <a:p>
+            <a:pPr algn="ctr"/>
+            <a:endParaRPr lang="en-DE"/>
+          </a:p>
+        </p:txBody>
+      </p:sp>
+      <p:sp>
+        <p:nvSpPr>
+          <p:cNvPr id="122" name="Rectangle 121">
+            <a:extLst>
+              <a:ext uri="{FF2B5EF4-FFF2-40B4-BE49-F238E27FC236}">
+                <a16:creationId xmlns:a16="http://schemas.microsoft.com/office/drawing/2014/main" id="{13145312-77C8-5A44-907D-5FA6AD52805A}"/>
+              </a:ext>
+            </a:extLst>
+          </p:cNvPr>
+          <p:cNvSpPr>
+            <a:spLocks noChangeAspect="1"/>
+          </p:cNvSpPr>
+          <p:nvPr/>
+        </p:nvSpPr>
+        <p:spPr>
+          <a:xfrm>
+            <a:off x="5732322" y="2566057"/>
+            <a:ext cx="183600" cy="183600"/>
+          </a:xfrm>
+          <a:prstGeom prst="rect">
+            <a:avLst/>
+          </a:prstGeom>
+          <a:solidFill>
+            <a:schemeClr val="bg1"/>
+          </a:solidFill>
+          <a:ln>
+            <a:solidFill>
+              <a:srgbClr val="00B050"/>
+            </a:solidFill>
+          </a:ln>
+        </p:spPr>
+        <p:style>
+          <a:lnRef idx="2">
+            <a:schemeClr val="accent1">
+              <a:shade val="50000"/>
+            </a:schemeClr>
+          </a:lnRef>
+          <a:fillRef idx="1">
+            <a:schemeClr val="accent1"/>
+          </a:fillRef>
+          <a:effectRef idx="0">
+            <a:schemeClr val="accent1"/>
+          </a:effectRef>
+          <a:fontRef idx="minor">
+            <a:schemeClr val="lt1"/>
+          </a:fontRef>
+        </p:style>
+        <p:txBody>
+          <a:bodyPr rtlCol="0" anchor="ctr"/>
+          <a:lstStyle/>
+          <a:p>
+            <a:pPr algn="ctr"/>
+            <a:endParaRPr lang="en-DE"/>
+          </a:p>
+        </p:txBody>
+      </p:sp>
+      <p:sp>
+        <p:nvSpPr>
+          <p:cNvPr id="123" name="Rectangle 122">
+            <a:extLst>
+              <a:ext uri="{FF2B5EF4-FFF2-40B4-BE49-F238E27FC236}">
+                <a16:creationId xmlns:a16="http://schemas.microsoft.com/office/drawing/2014/main" id="{7A88AA2D-BE8F-B245-8CB4-F72CC133D907}"/>
+              </a:ext>
+            </a:extLst>
+          </p:cNvPr>
+          <p:cNvSpPr/>
+          <p:nvPr/>
+        </p:nvSpPr>
+        <p:spPr>
+          <a:xfrm>
+            <a:off x="5922497" y="2566057"/>
+            <a:ext cx="108000" cy="183600"/>
+          </a:xfrm>
+          <a:prstGeom prst="rect">
+            <a:avLst/>
+          </a:prstGeom>
+          <a:solidFill>
+            <a:schemeClr val="tx1">
+              <a:lumMod val="75000"/>
+              <a:lumOff val="25000"/>
+            </a:schemeClr>
+          </a:solidFill>
+          <a:ln>
+            <a:noFill/>
+          </a:ln>
+        </p:spPr>
+        <p:style>
+          <a:lnRef idx="2">
+            <a:schemeClr val="accent1">
+              <a:shade val="50000"/>
+            </a:schemeClr>
+          </a:lnRef>
+          <a:fillRef idx="1">
+            <a:schemeClr val="accent1"/>
+          </a:fillRef>
+          <a:effectRef idx="0">
+            <a:schemeClr val="accent1"/>
+          </a:effectRef>
+          <a:fontRef idx="minor">
+            <a:schemeClr val="lt1"/>
+          </a:fontRef>
+        </p:style>
+        <p:txBody>
+          <a:bodyPr rtlCol="0" anchor="ctr"/>
+          <a:lstStyle/>
+          <a:p>
+            <a:pPr algn="ctr"/>
+            <a:endParaRPr lang="en-DE"/>
+          </a:p>
+        </p:txBody>
+      </p:sp>
+      <p:sp>
+        <p:nvSpPr>
+          <p:cNvPr id="124" name="Rectangle 123">
+            <a:extLst>
+              <a:ext uri="{FF2B5EF4-FFF2-40B4-BE49-F238E27FC236}">
+                <a16:creationId xmlns:a16="http://schemas.microsoft.com/office/drawing/2014/main" id="{DD106154-1511-C143-B869-1621168B5576}"/>
+              </a:ext>
+            </a:extLst>
+          </p:cNvPr>
+          <p:cNvSpPr>
+            <a:spLocks noChangeAspect="1"/>
+          </p:cNvSpPr>
+          <p:nvPr/>
+        </p:nvSpPr>
+        <p:spPr>
+          <a:xfrm>
+            <a:off x="6030497" y="2566057"/>
+            <a:ext cx="183600" cy="183600"/>
+          </a:xfrm>
+          <a:prstGeom prst="rect">
+            <a:avLst/>
+          </a:prstGeom>
+          <a:solidFill>
+            <a:schemeClr val="bg1"/>
+          </a:solidFill>
+          <a:ln>
+            <a:solidFill>
+              <a:srgbClr val="00B050"/>
+            </a:solidFill>
+          </a:ln>
+        </p:spPr>
+        <p:style>
+          <a:lnRef idx="2">
+            <a:schemeClr val="accent1">
+              <a:shade val="50000"/>
+            </a:schemeClr>
+          </a:lnRef>
+          <a:fillRef idx="1">
+            <a:schemeClr val="accent1"/>
+          </a:fillRef>
+          <a:effectRef idx="0">
+            <a:schemeClr val="accent1"/>
+          </a:effectRef>
+          <a:fontRef idx="minor">
+            <a:schemeClr val="lt1"/>
+          </a:fontRef>
+        </p:style>
+        <p:txBody>
+          <a:bodyPr rtlCol="0" anchor="ctr"/>
+          <a:lstStyle/>
+          <a:p>
+            <a:pPr algn="ctr"/>
+            <a:endParaRPr lang="en-DE"/>
+          </a:p>
+        </p:txBody>
+      </p:sp>
+      <p:sp>
+        <p:nvSpPr>
+          <p:cNvPr id="125" name="Rectangle 124">
+            <a:extLst>
+              <a:ext uri="{FF2B5EF4-FFF2-40B4-BE49-F238E27FC236}">
+                <a16:creationId xmlns:a16="http://schemas.microsoft.com/office/drawing/2014/main" id="{4FCA2B7A-6FA6-774D-BB41-7F83EC7A6BA7}"/>
+              </a:ext>
+            </a:extLst>
+          </p:cNvPr>
+          <p:cNvSpPr/>
+          <p:nvPr/>
+        </p:nvSpPr>
+        <p:spPr>
+          <a:xfrm>
+            <a:off x="6220672" y="2566057"/>
+            <a:ext cx="108000" cy="183600"/>
+          </a:xfrm>
+          <a:prstGeom prst="rect">
+            <a:avLst/>
+          </a:prstGeom>
+          <a:solidFill>
+            <a:schemeClr val="tx1">
+              <a:lumMod val="75000"/>
+              <a:lumOff val="25000"/>
+            </a:schemeClr>
+          </a:solidFill>
+          <a:ln>
+            <a:noFill/>
+          </a:ln>
+        </p:spPr>
+        <p:style>
+          <a:lnRef idx="2">
+            <a:schemeClr val="accent1">
+              <a:shade val="50000"/>
+            </a:schemeClr>
+          </a:lnRef>
+          <a:fillRef idx="1">
+            <a:schemeClr val="accent1"/>
+          </a:fillRef>
+          <a:effectRef idx="0">
+            <a:schemeClr val="accent1"/>
+          </a:effectRef>
+          <a:fontRef idx="minor">
+            <a:schemeClr val="lt1"/>
+          </a:fontRef>
+        </p:style>
+        <p:txBody>
+          <a:bodyPr rtlCol="0" anchor="ctr"/>
+          <a:lstStyle/>
+          <a:p>
+            <a:pPr algn="ctr"/>
+            <a:endParaRPr lang="en-DE"/>
+          </a:p>
+        </p:txBody>
+      </p:sp>
+      <p:sp>
+        <p:nvSpPr>
+          <p:cNvPr id="126" name="Rectangle 125">
+            <a:extLst>
+              <a:ext uri="{FF2B5EF4-FFF2-40B4-BE49-F238E27FC236}">
+                <a16:creationId xmlns:a16="http://schemas.microsoft.com/office/drawing/2014/main" id="{10536A0C-AD29-854C-AD79-387BB0BE4616}"/>
+              </a:ext>
+            </a:extLst>
+          </p:cNvPr>
+          <p:cNvSpPr>
+            <a:spLocks noChangeAspect="1"/>
+          </p:cNvSpPr>
+          <p:nvPr/>
+        </p:nvSpPr>
+        <p:spPr>
+          <a:xfrm>
+            <a:off x="6328136" y="2566057"/>
+            <a:ext cx="183600" cy="183600"/>
+          </a:xfrm>
+          <a:prstGeom prst="rect">
+            <a:avLst/>
+          </a:prstGeom>
+          <a:solidFill>
+            <a:schemeClr val="bg1"/>
+          </a:solidFill>
+          <a:ln>
+            <a:solidFill>
+              <a:srgbClr val="00B050"/>
+            </a:solidFill>
+          </a:ln>
+        </p:spPr>
+        <p:style>
+          <a:lnRef idx="2">
+            <a:schemeClr val="accent1">
+              <a:shade val="50000"/>
+            </a:schemeClr>
+          </a:lnRef>
+          <a:fillRef idx="1">
+            <a:schemeClr val="accent1"/>
+          </a:fillRef>
+          <a:effectRef idx="0">
+            <a:schemeClr val="accent1"/>
+          </a:effectRef>
+          <a:fontRef idx="minor">
+            <a:schemeClr val="lt1"/>
+          </a:fontRef>
+        </p:style>
+        <p:txBody>
+          <a:bodyPr rtlCol="0" anchor="ctr"/>
+          <a:lstStyle/>
+          <a:p>
+            <a:pPr algn="ctr"/>
+            <a:endParaRPr lang="en-DE"/>
+          </a:p>
+        </p:txBody>
+      </p:sp>
+      <p:sp>
+        <p:nvSpPr>
+          <p:cNvPr id="127" name="Rectangle 126">
+            <a:extLst>
+              <a:ext uri="{FF2B5EF4-FFF2-40B4-BE49-F238E27FC236}">
+                <a16:creationId xmlns:a16="http://schemas.microsoft.com/office/drawing/2014/main" id="{6D5CBC79-EAF8-3244-BB7C-9E4F578C07EE}"/>
+              </a:ext>
+            </a:extLst>
+          </p:cNvPr>
+          <p:cNvSpPr/>
+          <p:nvPr/>
+        </p:nvSpPr>
+        <p:spPr>
+          <a:xfrm>
+            <a:off x="6518311" y="2566057"/>
+            <a:ext cx="108000" cy="183600"/>
+          </a:xfrm>
+          <a:prstGeom prst="rect">
+            <a:avLst/>
+          </a:prstGeom>
+          <a:solidFill>
+            <a:schemeClr val="tx1">
+              <a:lumMod val="75000"/>
+              <a:lumOff val="25000"/>
+            </a:schemeClr>
+          </a:solidFill>
+          <a:ln>
+            <a:noFill/>
+          </a:ln>
+        </p:spPr>
+        <p:style>
+          <a:lnRef idx="2">
+            <a:schemeClr val="accent1">
+              <a:shade val="50000"/>
+            </a:schemeClr>
+          </a:lnRef>
+          <a:fillRef idx="1">
+            <a:schemeClr val="accent1"/>
+          </a:fillRef>
+          <a:effectRef idx="0">
+            <a:schemeClr val="accent1"/>
+          </a:effectRef>
+          <a:fontRef idx="minor">
+            <a:schemeClr val="lt1"/>
+          </a:fontRef>
+        </p:style>
+        <p:txBody>
+          <a:bodyPr rtlCol="0" anchor="ctr"/>
+          <a:lstStyle/>
+          <a:p>
+            <a:pPr algn="ctr"/>
+            <a:endParaRPr lang="en-DE"/>
+          </a:p>
+        </p:txBody>
+      </p:sp>
+      <p:sp>
+        <p:nvSpPr>
+          <p:cNvPr id="128" name="Rectangle 127">
+            <a:extLst>
+              <a:ext uri="{FF2B5EF4-FFF2-40B4-BE49-F238E27FC236}">
+                <a16:creationId xmlns:a16="http://schemas.microsoft.com/office/drawing/2014/main" id="{95DC148C-1DE3-8944-B150-B5D61BC306CE}"/>
+              </a:ext>
+            </a:extLst>
+          </p:cNvPr>
+          <p:cNvSpPr>
+            <a:spLocks noChangeAspect="1"/>
+          </p:cNvSpPr>
+          <p:nvPr/>
+        </p:nvSpPr>
+        <p:spPr>
+          <a:xfrm>
+            <a:off x="6619200" y="2566057"/>
+            <a:ext cx="183600" cy="183600"/>
+          </a:xfrm>
+          <a:prstGeom prst="rect">
+            <a:avLst/>
+          </a:prstGeom>
+          <a:solidFill>
+            <a:schemeClr val="bg1"/>
+          </a:solidFill>
+          <a:ln>
+            <a:solidFill>
+              <a:srgbClr val="00B050"/>
+            </a:solidFill>
+          </a:ln>
+        </p:spPr>
+        <p:style>
+          <a:lnRef idx="2">
+            <a:schemeClr val="accent1">
+              <a:shade val="50000"/>
+            </a:schemeClr>
+          </a:lnRef>
+          <a:fillRef idx="1">
+            <a:schemeClr val="accent1"/>
+          </a:fillRef>
+          <a:effectRef idx="0">
+            <a:schemeClr val="accent1"/>
+          </a:effectRef>
+          <a:fontRef idx="minor">
+            <a:schemeClr val="lt1"/>
+          </a:fontRef>
+        </p:style>
+        <p:txBody>
+          <a:bodyPr rtlCol="0" anchor="ctr"/>
+          <a:lstStyle/>
+          <a:p>
+            <a:pPr algn="ctr"/>
+            <a:endParaRPr lang="en-DE"/>
+          </a:p>
+        </p:txBody>
+      </p:sp>
+      <p:sp>
+        <p:nvSpPr>
+          <p:cNvPr id="129" name="Rectangle 128">
+            <a:extLst>
+              <a:ext uri="{FF2B5EF4-FFF2-40B4-BE49-F238E27FC236}">
+                <a16:creationId xmlns:a16="http://schemas.microsoft.com/office/drawing/2014/main" id="{4250E712-198A-DB45-AC7B-7230490AC45C}"/>
+              </a:ext>
+            </a:extLst>
+          </p:cNvPr>
+          <p:cNvSpPr/>
+          <p:nvPr/>
+        </p:nvSpPr>
+        <p:spPr>
+          <a:xfrm>
+            <a:off x="6809375" y="2566057"/>
+            <a:ext cx="108000" cy="183600"/>
+          </a:xfrm>
+          <a:prstGeom prst="rect">
+            <a:avLst/>
+          </a:prstGeom>
+          <a:solidFill>
+            <a:schemeClr val="tx1">
+              <a:lumMod val="75000"/>
+              <a:lumOff val="25000"/>
+            </a:schemeClr>
+          </a:solidFill>
+          <a:ln>
+            <a:noFill/>
+          </a:ln>
+        </p:spPr>
+        <p:style>
+          <a:lnRef idx="2">
+            <a:schemeClr val="accent1">
+              <a:shade val="50000"/>
+            </a:schemeClr>
+          </a:lnRef>
+          <a:fillRef idx="1">
+            <a:schemeClr val="accent1"/>
+          </a:fillRef>
+          <a:effectRef idx="0">
+            <a:schemeClr val="accent1"/>
+          </a:effectRef>
+          <a:fontRef idx="minor">
+            <a:schemeClr val="lt1"/>
+          </a:fontRef>
+        </p:style>
+        <p:txBody>
+          <a:bodyPr rtlCol="0" anchor="ctr"/>
+          <a:lstStyle/>
+          <a:p>
+            <a:pPr algn="ctr"/>
+            <a:endParaRPr lang="en-DE"/>
+          </a:p>
+        </p:txBody>
+      </p:sp>
+      <p:sp>
+        <p:nvSpPr>
+          <p:cNvPr id="130" name="Rectangle 129">
+            <a:extLst>
+              <a:ext uri="{FF2B5EF4-FFF2-40B4-BE49-F238E27FC236}">
+                <a16:creationId xmlns:a16="http://schemas.microsoft.com/office/drawing/2014/main" id="{1704D443-D509-1E4A-9C6C-B75BF96627B5}"/>
+              </a:ext>
+            </a:extLst>
+          </p:cNvPr>
+          <p:cNvSpPr>
+            <a:spLocks noChangeAspect="1"/>
+          </p:cNvSpPr>
+          <p:nvPr/>
+        </p:nvSpPr>
+        <p:spPr>
+          <a:xfrm>
+            <a:off x="6927607" y="2566057"/>
+            <a:ext cx="183600" cy="183600"/>
+          </a:xfrm>
+          <a:prstGeom prst="rect">
+            <a:avLst/>
+          </a:prstGeom>
+          <a:solidFill>
+            <a:schemeClr val="bg1"/>
+          </a:solidFill>
+          <a:ln>
+            <a:solidFill>
+              <a:srgbClr val="00B050"/>
+            </a:solidFill>
+          </a:ln>
+        </p:spPr>
+        <p:style>
+          <a:lnRef idx="2">
+            <a:schemeClr val="accent1">
+              <a:shade val="50000"/>
+            </a:schemeClr>
+          </a:lnRef>
+          <a:fillRef idx="1">
+            <a:schemeClr val="accent1"/>
+          </a:fillRef>
+          <a:effectRef idx="0">
+            <a:schemeClr val="accent1"/>
+          </a:effectRef>
+          <a:fontRef idx="minor">
+            <a:schemeClr val="lt1"/>
+          </a:fontRef>
+        </p:style>
+        <p:txBody>
+          <a:bodyPr rtlCol="0" anchor="ctr"/>
+          <a:lstStyle/>
+          <a:p>
+            <a:pPr algn="ctr"/>
+            <a:endParaRPr lang="en-DE"/>
+          </a:p>
+        </p:txBody>
+      </p:sp>
+      <p:sp>
+        <p:nvSpPr>
+          <p:cNvPr id="131" name="Rectangle 130">
+            <a:extLst>
+              <a:ext uri="{FF2B5EF4-FFF2-40B4-BE49-F238E27FC236}">
+                <a16:creationId xmlns:a16="http://schemas.microsoft.com/office/drawing/2014/main" id="{1E6E28B0-A8B5-754F-B50A-C9AE2B160B39}"/>
+              </a:ext>
+            </a:extLst>
+          </p:cNvPr>
+          <p:cNvSpPr/>
+          <p:nvPr/>
+        </p:nvSpPr>
+        <p:spPr>
+          <a:xfrm>
+            <a:off x="7117782" y="2566057"/>
+            <a:ext cx="108000" cy="183600"/>
+          </a:xfrm>
+          <a:prstGeom prst="rect">
+            <a:avLst/>
+          </a:prstGeom>
+          <a:solidFill>
+            <a:schemeClr val="tx1">
+              <a:lumMod val="75000"/>
+              <a:lumOff val="25000"/>
+            </a:schemeClr>
+          </a:solidFill>
+          <a:ln>
+            <a:noFill/>
+          </a:ln>
+        </p:spPr>
+        <p:style>
+          <a:lnRef idx="2">
+            <a:schemeClr val="accent1">
+              <a:shade val="50000"/>
+            </a:schemeClr>
+          </a:lnRef>
+          <a:fillRef idx="1">
+            <a:schemeClr val="accent1"/>
+          </a:fillRef>
+          <a:effectRef idx="0">
+            <a:schemeClr val="accent1"/>
+          </a:effectRef>
+          <a:fontRef idx="minor">
+            <a:schemeClr val="lt1"/>
+          </a:fontRef>
+        </p:style>
+        <p:txBody>
+          <a:bodyPr rtlCol="0" anchor="ctr"/>
+          <a:lstStyle/>
+          <a:p>
+            <a:pPr algn="ctr"/>
+            <a:endParaRPr lang="en-DE"/>
+          </a:p>
+        </p:txBody>
+      </p:sp>
+      <p:sp>
+        <p:nvSpPr>
+          <p:cNvPr id="132" name="Rectangle 131">
+            <a:extLst>
+              <a:ext uri="{FF2B5EF4-FFF2-40B4-BE49-F238E27FC236}">
+                <a16:creationId xmlns:a16="http://schemas.microsoft.com/office/drawing/2014/main" id="{E05245C8-DD1E-F84D-8C8C-C07B878C3BFE}"/>
+              </a:ext>
+            </a:extLst>
+          </p:cNvPr>
+          <p:cNvSpPr>
+            <a:spLocks noChangeAspect="1"/>
+          </p:cNvSpPr>
+          <p:nvPr/>
+        </p:nvSpPr>
+        <p:spPr>
+          <a:xfrm>
+            <a:off x="7235825" y="2566057"/>
+            <a:ext cx="183600" cy="183600"/>
+          </a:xfrm>
+          <a:prstGeom prst="rect">
+            <a:avLst/>
+          </a:prstGeom>
+          <a:solidFill>
+            <a:schemeClr val="bg1"/>
+          </a:solidFill>
+          <a:ln>
+            <a:solidFill>
+              <a:srgbClr val="00B050"/>
+            </a:solidFill>
+          </a:ln>
+        </p:spPr>
+        <p:style>
+          <a:lnRef idx="2">
+            <a:schemeClr val="accent1">
+              <a:shade val="50000"/>
+            </a:schemeClr>
+          </a:lnRef>
+          <a:fillRef idx="1">
+            <a:schemeClr val="accent1"/>
+          </a:fillRef>
+          <a:effectRef idx="0">
+            <a:schemeClr val="accent1"/>
+          </a:effectRef>
+          <a:fontRef idx="minor">
+            <a:schemeClr val="lt1"/>
+          </a:fontRef>
+        </p:style>
+        <p:txBody>
+          <a:bodyPr rtlCol="0" anchor="ctr"/>
+          <a:lstStyle/>
+          <a:p>
+            <a:pPr algn="ctr"/>
+            <a:endParaRPr lang="en-DE"/>
+          </a:p>
+        </p:txBody>
+      </p:sp>
+      <p:sp>
+        <p:nvSpPr>
+          <p:cNvPr id="133" name="Rectangle 132">
+            <a:extLst>
+              <a:ext uri="{FF2B5EF4-FFF2-40B4-BE49-F238E27FC236}">
+                <a16:creationId xmlns:a16="http://schemas.microsoft.com/office/drawing/2014/main" id="{1351A13D-C847-0342-BB54-9D38F104F9A7}"/>
+              </a:ext>
+            </a:extLst>
+          </p:cNvPr>
+          <p:cNvSpPr/>
+          <p:nvPr/>
+        </p:nvSpPr>
+        <p:spPr>
+          <a:xfrm>
+            <a:off x="7426000" y="2566057"/>
+            <a:ext cx="108000" cy="183600"/>
+          </a:xfrm>
+          <a:prstGeom prst="rect">
+            <a:avLst/>
+          </a:prstGeom>
+          <a:solidFill>
+            <a:schemeClr val="tx1">
+              <a:lumMod val="75000"/>
+              <a:lumOff val="25000"/>
+            </a:schemeClr>
+          </a:solidFill>
+          <a:ln>
+            <a:noFill/>
+          </a:ln>
+        </p:spPr>
+        <p:style>
+          <a:lnRef idx="2">
+            <a:schemeClr val="accent1">
+              <a:shade val="50000"/>
+            </a:schemeClr>
+          </a:lnRef>
+          <a:fillRef idx="1">
+            <a:schemeClr val="accent1"/>
+          </a:fillRef>
+          <a:effectRef idx="0">
+            <a:schemeClr val="accent1"/>
+          </a:effectRef>
+          <a:fontRef idx="minor">
+            <a:schemeClr val="lt1"/>
+          </a:fontRef>
+        </p:style>
+        <p:txBody>
+          <a:bodyPr rtlCol="0" anchor="ctr"/>
+          <a:lstStyle/>
+          <a:p>
+            <a:pPr algn="ctr"/>
+            <a:endParaRPr lang="en-DE"/>
+          </a:p>
+        </p:txBody>
+      </p:sp>
+      <p:sp>
+        <p:nvSpPr>
+          <p:cNvPr id="134" name="Rectangle 133">
+            <a:extLst>
+              <a:ext uri="{FF2B5EF4-FFF2-40B4-BE49-F238E27FC236}">
+                <a16:creationId xmlns:a16="http://schemas.microsoft.com/office/drawing/2014/main" id="{EA8B01F7-C4DB-1F47-98B9-A7A5E782CE2B}"/>
+              </a:ext>
+            </a:extLst>
+          </p:cNvPr>
+          <p:cNvSpPr>
+            <a:spLocks noChangeAspect="1"/>
+          </p:cNvSpPr>
+          <p:nvPr/>
+        </p:nvSpPr>
+        <p:spPr>
+          <a:xfrm>
+            <a:off x="7540575" y="2566057"/>
+            <a:ext cx="183600" cy="183600"/>
+          </a:xfrm>
+          <a:prstGeom prst="rect">
+            <a:avLst/>
+          </a:prstGeom>
+          <a:solidFill>
+            <a:schemeClr val="bg1"/>
+          </a:solidFill>
+          <a:ln>
+            <a:solidFill>
+              <a:srgbClr val="00B050"/>
+            </a:solidFill>
+          </a:ln>
+        </p:spPr>
+        <p:style>
+          <a:lnRef idx="2">
+            <a:schemeClr val="accent1">
+              <a:shade val="50000"/>
+            </a:schemeClr>
+          </a:lnRef>
+          <a:fillRef idx="1">
+            <a:schemeClr val="accent1"/>
+          </a:fillRef>
+          <a:effectRef idx="0">
+            <a:schemeClr val="accent1"/>
+          </a:effectRef>
+          <a:fontRef idx="minor">
+            <a:schemeClr val="lt1"/>
+          </a:fontRef>
+        </p:style>
+        <p:txBody>
+          <a:bodyPr rtlCol="0" anchor="ctr"/>
+          <a:lstStyle/>
+          <a:p>
+            <a:pPr algn="ctr"/>
+            <a:endParaRPr lang="en-DE"/>
+          </a:p>
+        </p:txBody>
+      </p:sp>
+      <p:sp>
+        <p:nvSpPr>
+          <p:cNvPr id="135" name="Rectangle 134">
+            <a:extLst>
+              <a:ext uri="{FF2B5EF4-FFF2-40B4-BE49-F238E27FC236}">
+                <a16:creationId xmlns:a16="http://schemas.microsoft.com/office/drawing/2014/main" id="{BB87E693-5D5A-394D-807B-02797C302CFA}"/>
+              </a:ext>
+            </a:extLst>
+          </p:cNvPr>
+          <p:cNvSpPr/>
+          <p:nvPr/>
+        </p:nvSpPr>
+        <p:spPr>
+          <a:xfrm>
+            <a:off x="4222343" y="2748174"/>
+            <a:ext cx="3971231" cy="219600"/>
+          </a:xfrm>
+          <a:prstGeom prst="rect">
+            <a:avLst/>
+          </a:prstGeom>
+          <a:solidFill>
+            <a:schemeClr val="tx1">
+              <a:lumMod val="75000"/>
+              <a:lumOff val="25000"/>
+            </a:schemeClr>
+          </a:solidFill>
+          <a:ln>
+            <a:noFill/>
+          </a:ln>
+        </p:spPr>
+        <p:style>
+          <a:lnRef idx="2">
+            <a:schemeClr val="accent1">
+              <a:shade val="50000"/>
+            </a:schemeClr>
+          </a:lnRef>
+          <a:fillRef idx="1">
+            <a:schemeClr val="accent1"/>
+          </a:fillRef>
+          <a:effectRef idx="0">
+            <a:schemeClr val="accent1"/>
+          </a:effectRef>
+          <a:fontRef idx="minor">
+            <a:schemeClr val="lt1"/>
+          </a:fontRef>
+        </p:style>
+        <p:txBody>
+          <a:bodyPr rtlCol="0" anchor="ctr"/>
+          <a:lstStyle/>
+          <a:p>
+            <a:pPr algn="ctr"/>
+            <a:endParaRPr lang="en-DE"/>
+          </a:p>
+        </p:txBody>
+      </p:sp>
+      <p:sp>
+        <p:nvSpPr>
+          <p:cNvPr id="136" name="Rectangle 135">
+            <a:extLst>
+              <a:ext uri="{FF2B5EF4-FFF2-40B4-BE49-F238E27FC236}">
+                <a16:creationId xmlns:a16="http://schemas.microsoft.com/office/drawing/2014/main" id="{882FAB7D-7D57-3C48-9AE8-A80D77671249}"/>
+              </a:ext>
+            </a:extLst>
+          </p:cNvPr>
+          <p:cNvSpPr>
+            <a:spLocks noChangeAspect="1"/>
+          </p:cNvSpPr>
+          <p:nvPr/>
+        </p:nvSpPr>
+        <p:spPr>
+          <a:xfrm>
+            <a:off x="4225472" y="2964315"/>
+            <a:ext cx="183600" cy="183600"/>
+          </a:xfrm>
+          <a:prstGeom prst="rect">
+            <a:avLst/>
+          </a:prstGeom>
+          <a:solidFill>
+            <a:schemeClr val="bg1"/>
+          </a:solidFill>
+          <a:ln>
+            <a:solidFill>
+              <a:srgbClr val="00B050"/>
+            </a:solidFill>
+          </a:ln>
+        </p:spPr>
+        <p:style>
+          <a:lnRef idx="2">
+            <a:schemeClr val="accent1">
+              <a:shade val="50000"/>
+            </a:schemeClr>
+          </a:lnRef>
+          <a:fillRef idx="1">
+            <a:schemeClr val="accent1"/>
+          </a:fillRef>
+          <a:effectRef idx="0">
+            <a:schemeClr val="accent1"/>
+          </a:effectRef>
+          <a:fontRef idx="minor">
+            <a:schemeClr val="lt1"/>
+          </a:fontRef>
+        </p:style>
+        <p:txBody>
+          <a:bodyPr rtlCol="0" anchor="ctr"/>
+          <a:lstStyle/>
+          <a:p>
+            <a:pPr algn="ctr"/>
+            <a:endParaRPr lang="en-DE"/>
+          </a:p>
+        </p:txBody>
+      </p:sp>
+      <p:sp>
+        <p:nvSpPr>
+          <p:cNvPr id="137" name="Rectangle 136">
+            <a:extLst>
+              <a:ext uri="{FF2B5EF4-FFF2-40B4-BE49-F238E27FC236}">
+                <a16:creationId xmlns:a16="http://schemas.microsoft.com/office/drawing/2014/main" id="{6D9DAADB-A893-7D44-BD87-4458C2F442C4}"/>
+              </a:ext>
+            </a:extLst>
+          </p:cNvPr>
+          <p:cNvSpPr/>
+          <p:nvPr/>
+        </p:nvSpPr>
+        <p:spPr>
+          <a:xfrm>
+            <a:off x="4415647" y="2964315"/>
+            <a:ext cx="108000" cy="183600"/>
+          </a:xfrm>
+          <a:prstGeom prst="rect">
+            <a:avLst/>
+          </a:prstGeom>
+          <a:solidFill>
+            <a:schemeClr val="tx1">
+              <a:lumMod val="75000"/>
+              <a:lumOff val="25000"/>
+            </a:schemeClr>
+          </a:solidFill>
+          <a:ln>
+            <a:noFill/>
+          </a:ln>
+        </p:spPr>
+        <p:style>
+          <a:lnRef idx="2">
+            <a:schemeClr val="accent1">
+              <a:shade val="50000"/>
+            </a:schemeClr>
+          </a:lnRef>
+          <a:fillRef idx="1">
+            <a:schemeClr val="accent1"/>
+          </a:fillRef>
+          <a:effectRef idx="0">
+            <a:schemeClr val="accent1"/>
+          </a:effectRef>
+          <a:fontRef idx="minor">
+            <a:schemeClr val="lt1"/>
+          </a:fontRef>
+        </p:style>
+        <p:txBody>
+          <a:bodyPr rtlCol="0" anchor="ctr"/>
+          <a:lstStyle/>
+          <a:p>
+            <a:pPr algn="ctr"/>
+            <a:endParaRPr lang="en-DE"/>
+          </a:p>
+        </p:txBody>
+      </p:sp>
+      <p:sp>
+        <p:nvSpPr>
+          <p:cNvPr id="138" name="Rectangle 137">
+            <a:extLst>
+              <a:ext uri="{FF2B5EF4-FFF2-40B4-BE49-F238E27FC236}">
+                <a16:creationId xmlns:a16="http://schemas.microsoft.com/office/drawing/2014/main" id="{349C1FD4-848A-E54B-BB69-7EA9320E3D7D}"/>
+              </a:ext>
+            </a:extLst>
+          </p:cNvPr>
+          <p:cNvSpPr>
+            <a:spLocks noChangeAspect="1"/>
+          </p:cNvSpPr>
+          <p:nvPr/>
+        </p:nvSpPr>
+        <p:spPr>
+          <a:xfrm>
+            <a:off x="4520390" y="2964315"/>
+            <a:ext cx="183600" cy="183600"/>
+          </a:xfrm>
+          <a:prstGeom prst="rect">
+            <a:avLst/>
+          </a:prstGeom>
+          <a:solidFill>
+            <a:schemeClr val="bg1"/>
+          </a:solidFill>
+          <a:ln>
+            <a:solidFill>
+              <a:srgbClr val="00B050"/>
+            </a:solidFill>
+          </a:ln>
+        </p:spPr>
+        <p:style>
+          <a:lnRef idx="2">
+            <a:schemeClr val="accent1">
+              <a:shade val="50000"/>
+            </a:schemeClr>
+          </a:lnRef>
+          <a:fillRef idx="1">
+            <a:schemeClr val="accent1"/>
+          </a:fillRef>
+          <a:effectRef idx="0">
+            <a:schemeClr val="accent1"/>
+          </a:effectRef>
+          <a:fontRef idx="minor">
+            <a:schemeClr val="lt1"/>
+          </a:fontRef>
+        </p:style>
+        <p:txBody>
+          <a:bodyPr rtlCol="0" anchor="ctr"/>
+          <a:lstStyle/>
+          <a:p>
+            <a:pPr algn="ctr"/>
+            <a:endParaRPr lang="en-DE"/>
+          </a:p>
+        </p:txBody>
+      </p:sp>
+      <p:sp>
+        <p:nvSpPr>
+          <p:cNvPr id="139" name="Rectangle 138">
+            <a:extLst>
+              <a:ext uri="{FF2B5EF4-FFF2-40B4-BE49-F238E27FC236}">
+                <a16:creationId xmlns:a16="http://schemas.microsoft.com/office/drawing/2014/main" id="{614B4F1B-DE10-DC49-A0FE-3EE16A5070FF}"/>
+              </a:ext>
+            </a:extLst>
+          </p:cNvPr>
+          <p:cNvSpPr/>
+          <p:nvPr/>
+        </p:nvSpPr>
+        <p:spPr>
+          <a:xfrm>
+            <a:off x="4710565" y="2964315"/>
+            <a:ext cx="108000" cy="183600"/>
+          </a:xfrm>
+          <a:prstGeom prst="rect">
+            <a:avLst/>
+          </a:prstGeom>
+          <a:solidFill>
+            <a:schemeClr val="tx1">
+              <a:lumMod val="75000"/>
+              <a:lumOff val="25000"/>
+            </a:schemeClr>
+          </a:solidFill>
+          <a:ln>
+            <a:noFill/>
+          </a:ln>
+        </p:spPr>
+        <p:style>
+          <a:lnRef idx="2">
+            <a:schemeClr val="accent1">
+              <a:shade val="50000"/>
+            </a:schemeClr>
+          </a:lnRef>
+          <a:fillRef idx="1">
+            <a:schemeClr val="accent1"/>
+          </a:fillRef>
+          <a:effectRef idx="0">
+            <a:schemeClr val="accent1"/>
+          </a:effectRef>
+          <a:fontRef idx="minor">
+            <a:schemeClr val="lt1"/>
+          </a:fontRef>
+        </p:style>
+        <p:txBody>
+          <a:bodyPr rtlCol="0" anchor="ctr"/>
+          <a:lstStyle/>
+          <a:p>
+            <a:pPr algn="ctr"/>
+            <a:endParaRPr lang="en-DE"/>
+          </a:p>
+        </p:txBody>
+      </p:sp>
+      <p:sp>
+        <p:nvSpPr>
+          <p:cNvPr id="140" name="Rectangle 139">
+            <a:extLst>
+              <a:ext uri="{FF2B5EF4-FFF2-40B4-BE49-F238E27FC236}">
+                <a16:creationId xmlns:a16="http://schemas.microsoft.com/office/drawing/2014/main" id="{32CB0660-8045-9D40-88C5-938BAE23DBD9}"/>
+              </a:ext>
+            </a:extLst>
+          </p:cNvPr>
+          <p:cNvSpPr>
+            <a:spLocks noChangeAspect="1"/>
+          </p:cNvSpPr>
+          <p:nvPr/>
+        </p:nvSpPr>
+        <p:spPr>
+          <a:xfrm>
+            <a:off x="4825140" y="2964315"/>
+            <a:ext cx="183600" cy="183600"/>
+          </a:xfrm>
+          <a:prstGeom prst="rect">
+            <a:avLst/>
+          </a:prstGeom>
+          <a:solidFill>
+            <a:schemeClr val="bg1"/>
+          </a:solidFill>
+          <a:ln>
+            <a:solidFill>
+              <a:srgbClr val="00B050"/>
+            </a:solidFill>
+          </a:ln>
+        </p:spPr>
+        <p:style>
+          <a:lnRef idx="2">
+            <a:schemeClr val="accent1">
+              <a:shade val="50000"/>
+            </a:schemeClr>
+          </a:lnRef>
+          <a:fillRef idx="1">
+            <a:schemeClr val="accent1"/>
+          </a:fillRef>
+          <a:effectRef idx="0">
+            <a:schemeClr val="accent1"/>
+          </a:effectRef>
+          <a:fontRef idx="minor">
+            <a:schemeClr val="lt1"/>
+          </a:fontRef>
+        </p:style>
+        <p:txBody>
+          <a:bodyPr rtlCol="0" anchor="ctr"/>
+          <a:lstStyle/>
+          <a:p>
+            <a:pPr algn="ctr"/>
+            <a:endParaRPr lang="en-DE"/>
+          </a:p>
+        </p:txBody>
+      </p:sp>
+      <p:sp>
+        <p:nvSpPr>
+          <p:cNvPr id="141" name="Rectangle 140">
+            <a:extLst>
+              <a:ext uri="{FF2B5EF4-FFF2-40B4-BE49-F238E27FC236}">
+                <a16:creationId xmlns:a16="http://schemas.microsoft.com/office/drawing/2014/main" id="{0F21C236-23CE-A84A-92B0-1BB8DF5A105A}"/>
+              </a:ext>
+            </a:extLst>
+          </p:cNvPr>
+          <p:cNvSpPr/>
+          <p:nvPr/>
+        </p:nvSpPr>
+        <p:spPr>
+          <a:xfrm>
+            <a:off x="5015315" y="2964315"/>
+            <a:ext cx="108000" cy="183600"/>
+          </a:xfrm>
+          <a:prstGeom prst="rect">
+            <a:avLst/>
+          </a:prstGeom>
+          <a:solidFill>
+            <a:schemeClr val="tx1">
+              <a:lumMod val="75000"/>
+              <a:lumOff val="25000"/>
+            </a:schemeClr>
+          </a:solidFill>
+          <a:ln>
+            <a:noFill/>
+          </a:ln>
+        </p:spPr>
+        <p:style>
+          <a:lnRef idx="2">
+            <a:schemeClr val="accent1">
+              <a:shade val="50000"/>
+            </a:schemeClr>
+          </a:lnRef>
+          <a:fillRef idx="1">
+            <a:schemeClr val="accent1"/>
+          </a:fillRef>
+          <a:effectRef idx="0">
+            <a:schemeClr val="accent1"/>
+          </a:effectRef>
+          <a:fontRef idx="minor">
+            <a:schemeClr val="lt1"/>
+          </a:fontRef>
+        </p:style>
+        <p:txBody>
+          <a:bodyPr rtlCol="0" anchor="ctr"/>
+          <a:lstStyle/>
+          <a:p>
+            <a:pPr algn="ctr"/>
+            <a:endParaRPr lang="en-DE"/>
+          </a:p>
+        </p:txBody>
+      </p:sp>
+      <p:sp>
+        <p:nvSpPr>
+          <p:cNvPr id="142" name="Rectangle 141">
+            <a:extLst>
+              <a:ext uri="{FF2B5EF4-FFF2-40B4-BE49-F238E27FC236}">
+                <a16:creationId xmlns:a16="http://schemas.microsoft.com/office/drawing/2014/main" id="{EF9BF2C6-999F-5240-AA63-2DD05A2924C5}"/>
+              </a:ext>
+            </a:extLst>
+          </p:cNvPr>
+          <p:cNvSpPr>
+            <a:spLocks noChangeAspect="1"/>
+          </p:cNvSpPr>
+          <p:nvPr/>
+        </p:nvSpPr>
+        <p:spPr>
+          <a:xfrm>
+            <a:off x="5129890" y="2964315"/>
+            <a:ext cx="183600" cy="183600"/>
+          </a:xfrm>
+          <a:prstGeom prst="rect">
+            <a:avLst/>
+          </a:prstGeom>
+          <a:solidFill>
+            <a:schemeClr val="bg1"/>
+          </a:solidFill>
+          <a:ln>
+            <a:solidFill>
+              <a:srgbClr val="00B050"/>
+            </a:solidFill>
+          </a:ln>
+        </p:spPr>
+        <p:style>
+          <a:lnRef idx="2">
+            <a:schemeClr val="accent1">
+              <a:shade val="50000"/>
+            </a:schemeClr>
+          </a:lnRef>
+          <a:fillRef idx="1">
+            <a:schemeClr val="accent1"/>
+          </a:fillRef>
+          <a:effectRef idx="0">
+            <a:schemeClr val="accent1"/>
+          </a:effectRef>
+          <a:fontRef idx="minor">
+            <a:schemeClr val="lt1"/>
+          </a:fontRef>
+        </p:style>
+        <p:txBody>
+          <a:bodyPr rtlCol="0" anchor="ctr"/>
+          <a:lstStyle/>
+          <a:p>
+            <a:pPr algn="ctr"/>
+            <a:endParaRPr lang="en-DE"/>
+          </a:p>
+        </p:txBody>
+      </p:sp>
+      <p:sp>
+        <p:nvSpPr>
+          <p:cNvPr id="143" name="Rectangle 142">
+            <a:extLst>
+              <a:ext uri="{FF2B5EF4-FFF2-40B4-BE49-F238E27FC236}">
+                <a16:creationId xmlns:a16="http://schemas.microsoft.com/office/drawing/2014/main" id="{C5A9B15E-CD71-0048-A7AB-6F700A5928C2}"/>
+              </a:ext>
+            </a:extLst>
+          </p:cNvPr>
+          <p:cNvSpPr/>
+          <p:nvPr/>
+        </p:nvSpPr>
+        <p:spPr>
+          <a:xfrm>
+            <a:off x="5320065" y="2964315"/>
+            <a:ext cx="108000" cy="183600"/>
+          </a:xfrm>
+          <a:prstGeom prst="rect">
+            <a:avLst/>
+          </a:prstGeom>
+          <a:solidFill>
+            <a:schemeClr val="tx1">
+              <a:lumMod val="75000"/>
+              <a:lumOff val="25000"/>
+            </a:schemeClr>
+          </a:solidFill>
+          <a:ln>
+            <a:noFill/>
+          </a:ln>
+        </p:spPr>
+        <p:style>
+          <a:lnRef idx="2">
+            <a:schemeClr val="accent1">
+              <a:shade val="50000"/>
+            </a:schemeClr>
+          </a:lnRef>
+          <a:fillRef idx="1">
+            <a:schemeClr val="accent1"/>
+          </a:fillRef>
+          <a:effectRef idx="0">
+            <a:schemeClr val="accent1"/>
+          </a:effectRef>
+          <a:fontRef idx="minor">
+            <a:schemeClr val="lt1"/>
+          </a:fontRef>
+        </p:style>
+        <p:txBody>
+          <a:bodyPr rtlCol="0" anchor="ctr"/>
+          <a:lstStyle/>
+          <a:p>
+            <a:pPr algn="ctr"/>
+            <a:endParaRPr lang="en-DE"/>
+          </a:p>
+        </p:txBody>
+      </p:sp>
+      <p:sp>
+        <p:nvSpPr>
+          <p:cNvPr id="144" name="Rectangle 143">
+            <a:extLst>
+              <a:ext uri="{FF2B5EF4-FFF2-40B4-BE49-F238E27FC236}">
+                <a16:creationId xmlns:a16="http://schemas.microsoft.com/office/drawing/2014/main" id="{EF5E13A9-D0E5-544F-B5B2-77CD15C98723}"/>
+              </a:ext>
+            </a:extLst>
+          </p:cNvPr>
+          <p:cNvSpPr>
+            <a:spLocks noChangeAspect="1"/>
+          </p:cNvSpPr>
+          <p:nvPr/>
+        </p:nvSpPr>
+        <p:spPr>
+          <a:xfrm>
+            <a:off x="5435509" y="2964315"/>
+            <a:ext cx="183600" cy="183600"/>
+          </a:xfrm>
+          <a:prstGeom prst="rect">
+            <a:avLst/>
+          </a:prstGeom>
+          <a:solidFill>
+            <a:schemeClr val="bg1"/>
+          </a:solidFill>
+          <a:ln>
+            <a:solidFill>
+              <a:srgbClr val="00B050"/>
+            </a:solidFill>
+          </a:ln>
+        </p:spPr>
+        <p:style>
+          <a:lnRef idx="2">
+            <a:schemeClr val="accent1">
+              <a:shade val="50000"/>
+            </a:schemeClr>
+          </a:lnRef>
+          <a:fillRef idx="1">
+            <a:schemeClr val="accent1"/>
+          </a:fillRef>
+          <a:effectRef idx="0">
+            <a:schemeClr val="accent1"/>
+          </a:effectRef>
+          <a:fontRef idx="minor">
+            <a:schemeClr val="lt1"/>
+          </a:fontRef>
+        </p:style>
+        <p:txBody>
+          <a:bodyPr rtlCol="0" anchor="ctr"/>
+          <a:lstStyle/>
+          <a:p>
+            <a:pPr algn="ctr"/>
+            <a:endParaRPr lang="en-DE"/>
+          </a:p>
+        </p:txBody>
+      </p:sp>
+      <p:sp>
+        <p:nvSpPr>
+          <p:cNvPr id="145" name="Rectangle 144">
+            <a:extLst>
+              <a:ext uri="{FF2B5EF4-FFF2-40B4-BE49-F238E27FC236}">
+                <a16:creationId xmlns:a16="http://schemas.microsoft.com/office/drawing/2014/main" id="{005EDC2C-6A7A-F64D-AB6E-5A9A4874AD41}"/>
+              </a:ext>
+            </a:extLst>
+          </p:cNvPr>
+          <p:cNvSpPr/>
+          <p:nvPr/>
+        </p:nvSpPr>
+        <p:spPr>
+          <a:xfrm>
+            <a:off x="5625684" y="2964315"/>
+            <a:ext cx="108000" cy="183600"/>
+          </a:xfrm>
+          <a:prstGeom prst="rect">
+            <a:avLst/>
+          </a:prstGeom>
+          <a:solidFill>
+            <a:schemeClr val="tx1">
+              <a:lumMod val="75000"/>
+              <a:lumOff val="25000"/>
+            </a:schemeClr>
+          </a:solidFill>
+          <a:ln>
+            <a:noFill/>
+          </a:ln>
+        </p:spPr>
+        <p:style>
+          <a:lnRef idx="2">
+            <a:schemeClr val="accent1">
+              <a:shade val="50000"/>
+            </a:schemeClr>
+          </a:lnRef>
+          <a:fillRef idx="1">
+            <a:schemeClr val="accent1"/>
+          </a:fillRef>
+          <a:effectRef idx="0">
+            <a:schemeClr val="accent1"/>
+          </a:effectRef>
+          <a:fontRef idx="minor">
+            <a:schemeClr val="lt1"/>
+          </a:fontRef>
+        </p:style>
+        <p:txBody>
+          <a:bodyPr rtlCol="0" anchor="ctr"/>
+          <a:lstStyle/>
+          <a:p>
+            <a:pPr algn="ctr"/>
+            <a:endParaRPr lang="en-DE"/>
+          </a:p>
+        </p:txBody>
+      </p:sp>
+      <p:sp>
+        <p:nvSpPr>
+          <p:cNvPr id="146" name="Rectangle 145">
+            <a:extLst>
+              <a:ext uri="{FF2B5EF4-FFF2-40B4-BE49-F238E27FC236}">
+                <a16:creationId xmlns:a16="http://schemas.microsoft.com/office/drawing/2014/main" id="{7489103B-57F1-7C4B-AB7E-BF04A35EBEC1}"/>
+              </a:ext>
+            </a:extLst>
+          </p:cNvPr>
+          <p:cNvSpPr>
+            <a:spLocks noChangeAspect="1"/>
+          </p:cNvSpPr>
+          <p:nvPr/>
+        </p:nvSpPr>
+        <p:spPr>
+          <a:xfrm>
+            <a:off x="5732136" y="2964315"/>
+            <a:ext cx="183600" cy="183600"/>
+          </a:xfrm>
+          <a:prstGeom prst="rect">
+            <a:avLst/>
+          </a:prstGeom>
+          <a:solidFill>
+            <a:schemeClr val="bg1"/>
+          </a:solidFill>
+          <a:ln>
+            <a:solidFill>
+              <a:srgbClr val="00B050"/>
+            </a:solidFill>
+          </a:ln>
+        </p:spPr>
+        <p:style>
+          <a:lnRef idx="2">
+            <a:schemeClr val="accent1">
+              <a:shade val="50000"/>
+            </a:schemeClr>
+          </a:lnRef>
+          <a:fillRef idx="1">
+            <a:schemeClr val="accent1"/>
+          </a:fillRef>
+          <a:effectRef idx="0">
+            <a:schemeClr val="accent1"/>
+          </a:effectRef>
+          <a:fontRef idx="minor">
+            <a:schemeClr val="lt1"/>
+          </a:fontRef>
+        </p:style>
+        <p:txBody>
+          <a:bodyPr rtlCol="0" anchor="ctr"/>
+          <a:lstStyle/>
+          <a:p>
+            <a:pPr algn="ctr"/>
+            <a:endParaRPr lang="en-DE"/>
+          </a:p>
+        </p:txBody>
+      </p:sp>
+      <p:sp>
+        <p:nvSpPr>
+          <p:cNvPr id="147" name="Rectangle 146">
+            <a:extLst>
+              <a:ext uri="{FF2B5EF4-FFF2-40B4-BE49-F238E27FC236}">
+                <a16:creationId xmlns:a16="http://schemas.microsoft.com/office/drawing/2014/main" id="{78FFEAB0-C169-1241-9E69-6362A561FDB0}"/>
+              </a:ext>
+            </a:extLst>
+          </p:cNvPr>
+          <p:cNvSpPr/>
+          <p:nvPr/>
+        </p:nvSpPr>
+        <p:spPr>
+          <a:xfrm>
+            <a:off x="5922311" y="2964315"/>
+            <a:ext cx="108000" cy="183600"/>
+          </a:xfrm>
+          <a:prstGeom prst="rect">
+            <a:avLst/>
+          </a:prstGeom>
+          <a:solidFill>
+            <a:schemeClr val="tx1">
+              <a:lumMod val="75000"/>
+              <a:lumOff val="25000"/>
+            </a:schemeClr>
+          </a:solidFill>
+          <a:ln>
+            <a:noFill/>
+          </a:ln>
+        </p:spPr>
+        <p:style>
+          <a:lnRef idx="2">
+            <a:schemeClr val="accent1">
+              <a:shade val="50000"/>
+            </a:schemeClr>
+          </a:lnRef>
+          <a:fillRef idx="1">
+            <a:schemeClr val="accent1"/>
+          </a:fillRef>
+          <a:effectRef idx="0">
+            <a:schemeClr val="accent1"/>
+          </a:effectRef>
+          <a:fontRef idx="minor">
+            <a:schemeClr val="lt1"/>
+          </a:fontRef>
+        </p:style>
+        <p:txBody>
+          <a:bodyPr rtlCol="0" anchor="ctr"/>
+          <a:lstStyle/>
+          <a:p>
+            <a:pPr algn="ctr"/>
+            <a:endParaRPr lang="en-DE"/>
+          </a:p>
+        </p:txBody>
+      </p:sp>
+      <p:sp>
+        <p:nvSpPr>
+          <p:cNvPr id="148" name="Rectangle 147">
+            <a:extLst>
+              <a:ext uri="{FF2B5EF4-FFF2-40B4-BE49-F238E27FC236}">
+                <a16:creationId xmlns:a16="http://schemas.microsoft.com/office/drawing/2014/main" id="{1907200A-12AF-7743-8353-15FBC73100A7}"/>
+              </a:ext>
+            </a:extLst>
+          </p:cNvPr>
+          <p:cNvSpPr>
+            <a:spLocks noChangeAspect="1"/>
+          </p:cNvSpPr>
+          <p:nvPr/>
+        </p:nvSpPr>
+        <p:spPr>
+          <a:xfrm>
+            <a:off x="6030311" y="2964315"/>
+            <a:ext cx="183600" cy="183600"/>
+          </a:xfrm>
+          <a:prstGeom prst="rect">
+            <a:avLst/>
+          </a:prstGeom>
+          <a:solidFill>
+            <a:schemeClr val="bg1"/>
+          </a:solidFill>
+          <a:ln>
+            <a:solidFill>
+              <a:srgbClr val="00B050"/>
+            </a:solidFill>
+          </a:ln>
+        </p:spPr>
+        <p:style>
+          <a:lnRef idx="2">
+            <a:schemeClr val="accent1">
+              <a:shade val="50000"/>
+            </a:schemeClr>
+          </a:lnRef>
+          <a:fillRef idx="1">
+            <a:schemeClr val="accent1"/>
+          </a:fillRef>
+          <a:effectRef idx="0">
+            <a:schemeClr val="accent1"/>
+          </a:effectRef>
+          <a:fontRef idx="minor">
+            <a:schemeClr val="lt1"/>
+          </a:fontRef>
+        </p:style>
+        <p:txBody>
+          <a:bodyPr rtlCol="0" anchor="ctr"/>
+          <a:lstStyle/>
+          <a:p>
+            <a:pPr algn="ctr"/>
+            <a:endParaRPr lang="en-DE"/>
+          </a:p>
+        </p:txBody>
+      </p:sp>
+      <p:sp>
+        <p:nvSpPr>
+          <p:cNvPr id="149" name="Rectangle 148">
+            <a:extLst>
+              <a:ext uri="{FF2B5EF4-FFF2-40B4-BE49-F238E27FC236}">
+                <a16:creationId xmlns:a16="http://schemas.microsoft.com/office/drawing/2014/main" id="{174B5B76-E594-C548-91FF-A570942798F3}"/>
+              </a:ext>
+            </a:extLst>
+          </p:cNvPr>
+          <p:cNvSpPr/>
+          <p:nvPr/>
+        </p:nvSpPr>
+        <p:spPr>
+          <a:xfrm>
+            <a:off x="6220486" y="2964315"/>
+            <a:ext cx="108000" cy="183600"/>
+          </a:xfrm>
+          <a:prstGeom prst="rect">
+            <a:avLst/>
+          </a:prstGeom>
+          <a:solidFill>
+            <a:schemeClr val="tx1">
+              <a:lumMod val="75000"/>
+              <a:lumOff val="25000"/>
+            </a:schemeClr>
+          </a:solidFill>
+          <a:ln>
+            <a:noFill/>
+          </a:ln>
+        </p:spPr>
+        <p:style>
+          <a:lnRef idx="2">
+            <a:schemeClr val="accent1">
+              <a:shade val="50000"/>
+            </a:schemeClr>
+          </a:lnRef>
+          <a:fillRef idx="1">
+            <a:schemeClr val="accent1"/>
+          </a:fillRef>
+          <a:effectRef idx="0">
+            <a:schemeClr val="accent1"/>
+          </a:effectRef>
+          <a:fontRef idx="minor">
+            <a:schemeClr val="lt1"/>
+          </a:fontRef>
+        </p:style>
+        <p:txBody>
+          <a:bodyPr rtlCol="0" anchor="ctr"/>
+          <a:lstStyle/>
+          <a:p>
+            <a:pPr algn="ctr"/>
+            <a:endParaRPr lang="en-DE"/>
+          </a:p>
+        </p:txBody>
+      </p:sp>
+      <p:sp>
+        <p:nvSpPr>
+          <p:cNvPr id="150" name="Rectangle 149">
+            <a:extLst>
+              <a:ext uri="{FF2B5EF4-FFF2-40B4-BE49-F238E27FC236}">
+                <a16:creationId xmlns:a16="http://schemas.microsoft.com/office/drawing/2014/main" id="{F3D026DC-4105-3543-8241-182A48D005D7}"/>
+              </a:ext>
+            </a:extLst>
+          </p:cNvPr>
+          <p:cNvSpPr>
+            <a:spLocks noChangeAspect="1"/>
+          </p:cNvSpPr>
+          <p:nvPr/>
+        </p:nvSpPr>
+        <p:spPr>
+          <a:xfrm>
+            <a:off x="6327950" y="2964315"/>
+            <a:ext cx="183600" cy="183600"/>
+          </a:xfrm>
+          <a:prstGeom prst="rect">
+            <a:avLst/>
+          </a:prstGeom>
+          <a:solidFill>
+            <a:schemeClr val="bg1"/>
+          </a:solidFill>
+          <a:ln>
+            <a:solidFill>
+              <a:srgbClr val="00B050"/>
+            </a:solidFill>
+          </a:ln>
+        </p:spPr>
+        <p:style>
+          <a:lnRef idx="2">
+            <a:schemeClr val="accent1">
+              <a:shade val="50000"/>
+            </a:schemeClr>
+          </a:lnRef>
+          <a:fillRef idx="1">
+            <a:schemeClr val="accent1"/>
+          </a:fillRef>
+          <a:effectRef idx="0">
+            <a:schemeClr val="accent1"/>
+          </a:effectRef>
+          <a:fontRef idx="minor">
+            <a:schemeClr val="lt1"/>
+          </a:fontRef>
+        </p:style>
+        <p:txBody>
+          <a:bodyPr rtlCol="0" anchor="ctr"/>
+          <a:lstStyle/>
+          <a:p>
+            <a:pPr algn="ctr"/>
+            <a:endParaRPr lang="en-DE"/>
+          </a:p>
+        </p:txBody>
+      </p:sp>
+      <p:sp>
+        <p:nvSpPr>
+          <p:cNvPr id="151" name="Rectangle 150">
+            <a:extLst>
+              <a:ext uri="{FF2B5EF4-FFF2-40B4-BE49-F238E27FC236}">
+                <a16:creationId xmlns:a16="http://schemas.microsoft.com/office/drawing/2014/main" id="{EE5633E4-C946-7D4F-A461-5CB31BA4DB9D}"/>
+              </a:ext>
+            </a:extLst>
+          </p:cNvPr>
+          <p:cNvSpPr/>
+          <p:nvPr/>
+        </p:nvSpPr>
+        <p:spPr>
+          <a:xfrm>
+            <a:off x="6518125" y="2964315"/>
+            <a:ext cx="108000" cy="183600"/>
+          </a:xfrm>
+          <a:prstGeom prst="rect">
+            <a:avLst/>
+          </a:prstGeom>
+          <a:solidFill>
+            <a:schemeClr val="tx1">
+              <a:lumMod val="75000"/>
+              <a:lumOff val="25000"/>
+            </a:schemeClr>
+          </a:solidFill>
+          <a:ln>
+            <a:noFill/>
+          </a:ln>
+        </p:spPr>
+        <p:style>
+          <a:lnRef idx="2">
+            <a:schemeClr val="accent1">
+              <a:shade val="50000"/>
+            </a:schemeClr>
+          </a:lnRef>
+          <a:fillRef idx="1">
+            <a:schemeClr val="accent1"/>
+          </a:fillRef>
+          <a:effectRef idx="0">
+            <a:schemeClr val="accent1"/>
+          </a:effectRef>
+          <a:fontRef idx="minor">
+            <a:schemeClr val="lt1"/>
+          </a:fontRef>
+        </p:style>
+        <p:txBody>
+          <a:bodyPr rtlCol="0" anchor="ctr"/>
+          <a:lstStyle/>
+          <a:p>
+            <a:pPr algn="ctr"/>
+            <a:endParaRPr lang="en-DE"/>
+          </a:p>
+        </p:txBody>
+      </p:sp>
+      <p:sp>
+        <p:nvSpPr>
+          <p:cNvPr id="152" name="Rectangle 151">
+            <a:extLst>
+              <a:ext uri="{FF2B5EF4-FFF2-40B4-BE49-F238E27FC236}">
+                <a16:creationId xmlns:a16="http://schemas.microsoft.com/office/drawing/2014/main" id="{7BB507AD-0A9B-BB4C-83C0-3B41AC7E2002}"/>
+              </a:ext>
+            </a:extLst>
+          </p:cNvPr>
+          <p:cNvSpPr>
+            <a:spLocks noChangeAspect="1"/>
+          </p:cNvSpPr>
+          <p:nvPr/>
+        </p:nvSpPr>
+        <p:spPr>
+          <a:xfrm>
+            <a:off x="6619014" y="2964315"/>
+            <a:ext cx="183600" cy="183600"/>
+          </a:xfrm>
+          <a:prstGeom prst="rect">
+            <a:avLst/>
+          </a:prstGeom>
+          <a:solidFill>
+            <a:schemeClr val="bg1"/>
+          </a:solidFill>
+          <a:ln>
+            <a:solidFill>
+              <a:srgbClr val="00B050"/>
+            </a:solidFill>
+          </a:ln>
+        </p:spPr>
+        <p:style>
+          <a:lnRef idx="2">
+            <a:schemeClr val="accent1">
+              <a:shade val="50000"/>
+            </a:schemeClr>
+          </a:lnRef>
+          <a:fillRef idx="1">
+            <a:schemeClr val="accent1"/>
+          </a:fillRef>
+          <a:effectRef idx="0">
+            <a:schemeClr val="accent1"/>
+          </a:effectRef>
+          <a:fontRef idx="minor">
+            <a:schemeClr val="lt1"/>
+          </a:fontRef>
+        </p:style>
+        <p:txBody>
+          <a:bodyPr rtlCol="0" anchor="ctr"/>
+          <a:lstStyle/>
+          <a:p>
+            <a:pPr algn="ctr"/>
+            <a:endParaRPr lang="en-DE"/>
+          </a:p>
+        </p:txBody>
+      </p:sp>
+      <p:sp>
+        <p:nvSpPr>
+          <p:cNvPr id="153" name="Rectangle 152">
+            <a:extLst>
+              <a:ext uri="{FF2B5EF4-FFF2-40B4-BE49-F238E27FC236}">
+                <a16:creationId xmlns:a16="http://schemas.microsoft.com/office/drawing/2014/main" id="{F802755A-F0E5-EB40-9E14-5A02E5DC6652}"/>
+              </a:ext>
+            </a:extLst>
+          </p:cNvPr>
+          <p:cNvSpPr/>
+          <p:nvPr/>
+        </p:nvSpPr>
+        <p:spPr>
+          <a:xfrm>
+            <a:off x="6809189" y="2964315"/>
+            <a:ext cx="108000" cy="183600"/>
+          </a:xfrm>
+          <a:prstGeom prst="rect">
+            <a:avLst/>
+          </a:prstGeom>
+          <a:solidFill>
+            <a:schemeClr val="tx1">
+              <a:lumMod val="75000"/>
+              <a:lumOff val="25000"/>
+            </a:schemeClr>
+          </a:solidFill>
+          <a:ln>
+            <a:noFill/>
+          </a:ln>
+        </p:spPr>
+        <p:style>
+          <a:lnRef idx="2">
+            <a:schemeClr val="accent1">
+              <a:shade val="50000"/>
+            </a:schemeClr>
+          </a:lnRef>
+          <a:fillRef idx="1">
+            <a:schemeClr val="accent1"/>
+          </a:fillRef>
+          <a:effectRef idx="0">
+            <a:schemeClr val="accent1"/>
+          </a:effectRef>
+          <a:fontRef idx="minor">
+            <a:schemeClr val="lt1"/>
+          </a:fontRef>
+        </p:style>
+        <p:txBody>
+          <a:bodyPr rtlCol="0" anchor="ctr"/>
+          <a:lstStyle/>
+          <a:p>
+            <a:pPr algn="ctr"/>
+            <a:endParaRPr lang="en-DE"/>
+          </a:p>
+        </p:txBody>
+      </p:sp>
+      <p:sp>
+        <p:nvSpPr>
+          <p:cNvPr id="154" name="Rectangle 153">
+            <a:extLst>
+              <a:ext uri="{FF2B5EF4-FFF2-40B4-BE49-F238E27FC236}">
+                <a16:creationId xmlns:a16="http://schemas.microsoft.com/office/drawing/2014/main" id="{5D44F5C2-02DA-954D-9F61-FCC1E460289A}"/>
+              </a:ext>
+            </a:extLst>
+          </p:cNvPr>
+          <p:cNvSpPr>
+            <a:spLocks noChangeAspect="1"/>
+          </p:cNvSpPr>
+          <p:nvPr/>
+        </p:nvSpPr>
+        <p:spPr>
+          <a:xfrm>
+            <a:off x="6927421" y="2964315"/>
+            <a:ext cx="183600" cy="183600"/>
+          </a:xfrm>
+          <a:prstGeom prst="rect">
+            <a:avLst/>
+          </a:prstGeom>
+          <a:solidFill>
+            <a:schemeClr val="bg1"/>
+          </a:solidFill>
+          <a:ln>
+            <a:solidFill>
+              <a:srgbClr val="00B050"/>
+            </a:solidFill>
+          </a:ln>
+        </p:spPr>
+        <p:style>
+          <a:lnRef idx="2">
+            <a:schemeClr val="accent1">
+              <a:shade val="50000"/>
+            </a:schemeClr>
+          </a:lnRef>
+          <a:fillRef idx="1">
+            <a:schemeClr val="accent1"/>
+          </a:fillRef>
+          <a:effectRef idx="0">
+            <a:schemeClr val="accent1"/>
+          </a:effectRef>
+          <a:fontRef idx="minor">
+            <a:schemeClr val="lt1"/>
+          </a:fontRef>
+        </p:style>
+        <p:txBody>
+          <a:bodyPr rtlCol="0" anchor="ctr"/>
+          <a:lstStyle/>
+          <a:p>
+            <a:pPr algn="ctr"/>
+            <a:endParaRPr lang="en-DE"/>
+          </a:p>
+        </p:txBody>
+      </p:sp>
+      <p:sp>
+        <p:nvSpPr>
+          <p:cNvPr id="155" name="Rectangle 154">
+            <a:extLst>
+              <a:ext uri="{FF2B5EF4-FFF2-40B4-BE49-F238E27FC236}">
+                <a16:creationId xmlns:a16="http://schemas.microsoft.com/office/drawing/2014/main" id="{3CFEF3CA-7EE8-AE46-8549-1844EB8C00B1}"/>
+              </a:ext>
+            </a:extLst>
+          </p:cNvPr>
+          <p:cNvSpPr/>
+          <p:nvPr/>
+        </p:nvSpPr>
+        <p:spPr>
+          <a:xfrm>
+            <a:off x="7117596" y="2964315"/>
+            <a:ext cx="108000" cy="183600"/>
+          </a:xfrm>
+          <a:prstGeom prst="rect">
+            <a:avLst/>
+          </a:prstGeom>
+          <a:solidFill>
+            <a:schemeClr val="tx1">
+              <a:lumMod val="75000"/>
+              <a:lumOff val="25000"/>
+            </a:schemeClr>
+          </a:solidFill>
+          <a:ln>
+            <a:noFill/>
+          </a:ln>
+        </p:spPr>
+        <p:style>
+          <a:lnRef idx="2">
+            <a:schemeClr val="accent1">
+              <a:shade val="50000"/>
+            </a:schemeClr>
+          </a:lnRef>
+          <a:fillRef idx="1">
+            <a:schemeClr val="accent1"/>
+          </a:fillRef>
+          <a:effectRef idx="0">
+            <a:schemeClr val="accent1"/>
+          </a:effectRef>
+          <a:fontRef idx="minor">
+            <a:schemeClr val="lt1"/>
+          </a:fontRef>
+        </p:style>
+        <p:txBody>
+          <a:bodyPr rtlCol="0" anchor="ctr"/>
+          <a:lstStyle/>
+          <a:p>
+            <a:pPr algn="ctr"/>
+            <a:endParaRPr lang="en-DE"/>
+          </a:p>
+        </p:txBody>
+      </p:sp>
+      <p:sp>
+        <p:nvSpPr>
+          <p:cNvPr id="156" name="Rectangle 155">
+            <a:extLst>
+              <a:ext uri="{FF2B5EF4-FFF2-40B4-BE49-F238E27FC236}">
+                <a16:creationId xmlns:a16="http://schemas.microsoft.com/office/drawing/2014/main" id="{CCBEC248-30B3-C14D-87C5-49962047E86B}"/>
+              </a:ext>
+            </a:extLst>
+          </p:cNvPr>
+          <p:cNvSpPr>
+            <a:spLocks noChangeAspect="1"/>
+          </p:cNvSpPr>
+          <p:nvPr/>
+        </p:nvSpPr>
+        <p:spPr>
+          <a:xfrm>
+            <a:off x="7235639" y="2964315"/>
+            <a:ext cx="183600" cy="183600"/>
+          </a:xfrm>
+          <a:prstGeom prst="rect">
+            <a:avLst/>
+          </a:prstGeom>
+          <a:solidFill>
+            <a:schemeClr val="bg1"/>
+          </a:solidFill>
+          <a:ln>
+            <a:solidFill>
+              <a:srgbClr val="00B050"/>
+            </a:solidFill>
+          </a:ln>
+        </p:spPr>
+        <p:style>
+          <a:lnRef idx="2">
+            <a:schemeClr val="accent1">
+              <a:shade val="50000"/>
+            </a:schemeClr>
+          </a:lnRef>
+          <a:fillRef idx="1">
+            <a:schemeClr val="accent1"/>
+          </a:fillRef>
+          <a:effectRef idx="0">
+            <a:schemeClr val="accent1"/>
+          </a:effectRef>
+          <a:fontRef idx="minor">
+            <a:schemeClr val="lt1"/>
+          </a:fontRef>
+        </p:style>
+        <p:txBody>
+          <a:bodyPr rtlCol="0" anchor="ctr"/>
+          <a:lstStyle/>
+          <a:p>
+            <a:pPr algn="ctr"/>
+            <a:endParaRPr lang="en-DE"/>
+          </a:p>
+        </p:txBody>
+      </p:sp>
+      <p:sp>
+        <p:nvSpPr>
+          <p:cNvPr id="157" name="Rectangle 156">
+            <a:extLst>
+              <a:ext uri="{FF2B5EF4-FFF2-40B4-BE49-F238E27FC236}">
+                <a16:creationId xmlns:a16="http://schemas.microsoft.com/office/drawing/2014/main" id="{01A3D8E5-AB48-7A4D-9DCA-E998AA33084B}"/>
+              </a:ext>
+            </a:extLst>
+          </p:cNvPr>
+          <p:cNvSpPr/>
+          <p:nvPr/>
+        </p:nvSpPr>
+        <p:spPr>
+          <a:xfrm>
+            <a:off x="7425814" y="2964315"/>
+            <a:ext cx="108000" cy="183600"/>
+          </a:xfrm>
+          <a:prstGeom prst="rect">
+            <a:avLst/>
+          </a:prstGeom>
+          <a:solidFill>
+            <a:schemeClr val="tx1">
+              <a:lumMod val="75000"/>
+              <a:lumOff val="25000"/>
+            </a:schemeClr>
+          </a:solidFill>
+          <a:ln>
+            <a:noFill/>
+          </a:ln>
+        </p:spPr>
+        <p:style>
+          <a:lnRef idx="2">
+            <a:schemeClr val="accent1">
+              <a:shade val="50000"/>
+            </a:schemeClr>
+          </a:lnRef>
+          <a:fillRef idx="1">
+            <a:schemeClr val="accent1"/>
+          </a:fillRef>
+          <a:effectRef idx="0">
+            <a:schemeClr val="accent1"/>
+          </a:effectRef>
+          <a:fontRef idx="minor">
+            <a:schemeClr val="lt1"/>
+          </a:fontRef>
+        </p:style>
+        <p:txBody>
+          <a:bodyPr rtlCol="0" anchor="ctr"/>
+          <a:lstStyle/>
+          <a:p>
+            <a:pPr algn="ctr"/>
+            <a:endParaRPr lang="en-DE"/>
+          </a:p>
+        </p:txBody>
+      </p:sp>
+      <p:sp>
+        <p:nvSpPr>
+          <p:cNvPr id="158" name="Rectangle 157">
+            <a:extLst>
+              <a:ext uri="{FF2B5EF4-FFF2-40B4-BE49-F238E27FC236}">
+                <a16:creationId xmlns:a16="http://schemas.microsoft.com/office/drawing/2014/main" id="{FB9E12D8-BDEE-5447-9EF6-0838F6502756}"/>
+              </a:ext>
+            </a:extLst>
+          </p:cNvPr>
+          <p:cNvSpPr>
+            <a:spLocks noChangeAspect="1"/>
+          </p:cNvSpPr>
+          <p:nvPr/>
+        </p:nvSpPr>
+        <p:spPr>
+          <a:xfrm>
+            <a:off x="7540389" y="2964315"/>
+            <a:ext cx="183600" cy="183600"/>
+          </a:xfrm>
+          <a:prstGeom prst="rect">
+            <a:avLst/>
+          </a:prstGeom>
+          <a:solidFill>
+            <a:schemeClr val="bg1"/>
+          </a:solidFill>
+          <a:ln>
+            <a:solidFill>
+              <a:srgbClr val="00B050"/>
+            </a:solidFill>
+          </a:ln>
+        </p:spPr>
+        <p:style>
+          <a:lnRef idx="2">
+            <a:schemeClr val="accent1">
+              <a:shade val="50000"/>
+            </a:schemeClr>
+          </a:lnRef>
+          <a:fillRef idx="1">
+            <a:schemeClr val="accent1"/>
+          </a:fillRef>
+          <a:effectRef idx="0">
+            <a:schemeClr val="accent1"/>
+          </a:effectRef>
+          <a:fontRef idx="minor">
+            <a:schemeClr val="lt1"/>
+          </a:fontRef>
+        </p:style>
+        <p:txBody>
+          <a:bodyPr rtlCol="0" anchor="ctr"/>
+          <a:lstStyle/>
+          <a:p>
+            <a:pPr algn="ctr"/>
+            <a:endParaRPr lang="en-DE"/>
+          </a:p>
+        </p:txBody>
+      </p:sp>
+      <p:sp>
+        <p:nvSpPr>
+          <p:cNvPr id="159" name="Rectangle 158">
+            <a:extLst>
+              <a:ext uri="{FF2B5EF4-FFF2-40B4-BE49-F238E27FC236}">
+                <a16:creationId xmlns:a16="http://schemas.microsoft.com/office/drawing/2014/main" id="{72F8A68A-03A2-5C42-9C10-DF8C8BA84962}"/>
+              </a:ext>
+            </a:extLst>
+          </p:cNvPr>
+          <p:cNvSpPr>
+            <a:spLocks/>
+          </p:cNvSpPr>
+          <p:nvPr/>
+        </p:nvSpPr>
+        <p:spPr>
+          <a:xfrm>
+            <a:off x="6075968" y="5179062"/>
+            <a:ext cx="291600" cy="291600"/>
+          </a:xfrm>
+          <a:prstGeom prst="rect">
+            <a:avLst/>
+          </a:prstGeom>
+          <a:solidFill>
+            <a:schemeClr val="bg1"/>
+          </a:solidFill>
+          <a:ln>
+            <a:solidFill>
+              <a:schemeClr val="accent1">
+                <a:lumMod val="60000"/>
+                <a:lumOff val="40000"/>
+              </a:schemeClr>
+            </a:solidFill>
+          </a:ln>
+        </p:spPr>
+        <p:style>
+          <a:lnRef idx="2">
+            <a:schemeClr val="accent1">
+              <a:shade val="50000"/>
+            </a:schemeClr>
+          </a:lnRef>
+          <a:fillRef idx="1">
+            <a:schemeClr val="accent1"/>
+          </a:fillRef>
+          <a:effectRef idx="0">
+            <a:schemeClr val="accent1"/>
+          </a:effectRef>
+          <a:fontRef idx="minor">
+            <a:schemeClr val="lt1"/>
+          </a:fontRef>
+        </p:style>
+        <p:txBody>
+          <a:bodyPr rtlCol="0" anchor="ctr"/>
+          <a:lstStyle/>
+          <a:p>
+            <a:pPr algn="ctr"/>
+            <a:endParaRPr lang="en-DE"/>
+          </a:p>
+        </p:txBody>
+      </p:sp>
+      <p:sp>
+        <p:nvSpPr>
+          <p:cNvPr id="160" name="Rectangle 159">
+            <a:extLst>
+              <a:ext uri="{FF2B5EF4-FFF2-40B4-BE49-F238E27FC236}">
+                <a16:creationId xmlns:a16="http://schemas.microsoft.com/office/drawing/2014/main" id="{EA1F32EB-7C5D-6B4B-8D19-9D0D8FBB64FA}"/>
+              </a:ext>
+            </a:extLst>
+          </p:cNvPr>
+          <p:cNvSpPr/>
+          <p:nvPr/>
+        </p:nvSpPr>
+        <p:spPr>
+          <a:xfrm>
+            <a:off x="4008351" y="640025"/>
+            <a:ext cx="4396149" cy="537293"/>
+          </a:xfrm>
+          <a:prstGeom prst="rect">
+            <a:avLst/>
+          </a:prstGeom>
+          <a:solidFill>
+            <a:schemeClr val="tx1"/>
+          </a:solidFill>
+          <a:ln>
+            <a:solidFill>
+              <a:schemeClr val="tx1">
+                <a:lumMod val="75000"/>
+                <a:lumOff val="25000"/>
+              </a:schemeClr>
+            </a:solidFill>
+          </a:ln>
+        </p:spPr>
+        <p:style>
+          <a:lnRef idx="2">
+            <a:schemeClr val="accent1">
+              <a:shade val="50000"/>
+            </a:schemeClr>
+          </a:lnRef>
+          <a:fillRef idx="1">
+            <a:schemeClr val="accent1"/>
+          </a:fillRef>
+          <a:effectRef idx="0">
+            <a:schemeClr val="accent1"/>
+          </a:effectRef>
+          <a:fontRef idx="minor">
+            <a:schemeClr val="lt1"/>
+          </a:fontRef>
+        </p:style>
+        <p:txBody>
+          <a:bodyPr rtlCol="0" anchor="ctr"/>
+          <a:lstStyle/>
+          <a:p>
+            <a:pPr algn="ctr"/>
+            <a:r>
+              <a:rPr lang="en-DE" dirty="0"/>
+              <a:t>&lt;Highscore&gt; etc</a:t>
+            </a:r>
+          </a:p>
+        </p:txBody>
+      </p:sp>
+      <p:sp>
+        <p:nvSpPr>
+          <p:cNvPr id="161" name="Rectangle 160">
+            <a:extLst>
+              <a:ext uri="{FF2B5EF4-FFF2-40B4-BE49-F238E27FC236}">
+                <a16:creationId xmlns:a16="http://schemas.microsoft.com/office/drawing/2014/main" id="{8E3E8D77-BD14-CB41-800E-4C42FD66A89C}"/>
+              </a:ext>
+            </a:extLst>
+          </p:cNvPr>
+          <p:cNvSpPr/>
+          <p:nvPr/>
+        </p:nvSpPr>
+        <p:spPr>
+          <a:xfrm>
+            <a:off x="4007426" y="5871682"/>
+            <a:ext cx="4396149" cy="404632"/>
+          </a:xfrm>
+          <a:prstGeom prst="rect">
+            <a:avLst/>
+          </a:prstGeom>
+          <a:solidFill>
+            <a:schemeClr val="tx1"/>
+          </a:solidFill>
+          <a:ln>
+            <a:solidFill>
+              <a:schemeClr val="tx1">
+                <a:lumMod val="75000"/>
+                <a:lumOff val="25000"/>
+              </a:schemeClr>
+            </a:solidFill>
+          </a:ln>
+        </p:spPr>
+        <p:style>
+          <a:lnRef idx="2">
+            <a:schemeClr val="accent1">
+              <a:shade val="50000"/>
+            </a:schemeClr>
+          </a:lnRef>
+          <a:fillRef idx="1">
+            <a:schemeClr val="accent1"/>
+          </a:fillRef>
+          <a:effectRef idx="0">
+            <a:schemeClr val="accent1"/>
+          </a:effectRef>
+          <a:fontRef idx="minor">
+            <a:schemeClr val="lt1"/>
+          </a:fontRef>
+        </p:style>
+        <p:txBody>
+          <a:bodyPr rtlCol="0" anchor="ctr"/>
+          <a:lstStyle/>
+          <a:p>
+            <a:pPr algn="ctr"/>
+            <a:r>
+              <a:rPr lang="en-DE" dirty="0"/>
+              <a:t>&lt;Score&gt; etc</a:t>
+            </a:r>
+          </a:p>
+        </p:txBody>
+      </p:sp>
+    </p:spTree>
+    <p:extLst>
+      <p:ext uri="{BB962C8B-B14F-4D97-AF65-F5344CB8AC3E}">
+        <p14:creationId xmlns:p14="http://schemas.microsoft.com/office/powerpoint/2010/main" val="2659107390"/>
+      </p:ext>
+    </p:extLst>
+  </p:cSld>
+  <p:clrMapOvr>
+    <a:masterClrMapping/>
+  </p:clrMapOvr>
+</p:sld>
+</file>
+
 <file path=ppt/theme/theme1.xml><?xml version="1.0" encoding="utf-8"?>
 <a:theme xmlns:a="http://schemas.openxmlformats.org/drawingml/2006/main" name="Office Theme">
   <a:themeElements>
@@ -10341,4 +18856,299 @@
     </a:ext>
   </a:extLst>
 </a:theme>
+</file>
+
+<file path=ppt/theme/theme2.xml><?xml version="1.0" encoding="utf-8"?>
+<a:theme xmlns:a="http://schemas.openxmlformats.org/drawingml/2006/main" name="Office Theme">
+  <a:themeElements>
+    <a:clrScheme name="Office">
+      <a:dk1>
+        <a:sysClr val="windowText" lastClr="000000"/>
+      </a:dk1>
+      <a:lt1>
+        <a:sysClr val="window" lastClr="FFFFFF"/>
+      </a:lt1>
+      <a:dk2>
+        <a:srgbClr val="44546A"/>
+      </a:dk2>
+      <a:lt2>
+        <a:srgbClr val="E7E6E6"/>
+      </a:lt2>
+      <a:accent1>
+        <a:srgbClr val="4472C4"/>
+      </a:accent1>
+      <a:accent2>
+        <a:srgbClr val="ED7D31"/>
+      </a:accent2>
+      <a:accent3>
+        <a:srgbClr val="A5A5A5"/>
+      </a:accent3>
+      <a:accent4>
+        <a:srgbClr val="FFC000"/>
+      </a:accent4>
+      <a:accent5>
+        <a:srgbClr val="5B9BD5"/>
+      </a:accent5>
+      <a:accent6>
+        <a:srgbClr val="70AD47"/>
+      </a:accent6>
+      <a:hlink>
+        <a:srgbClr val="0563C1"/>
+      </a:hlink>
+      <a:folHlink>
+        <a:srgbClr val="954F72"/>
+      </a:folHlink>
+    </a:clrScheme>
+    <a:fontScheme name="Office">
+      <a:majorFont>
+        <a:latin typeface="Calibri Light" panose="020F0302020204030204"/>
+        <a:ea typeface=""/>
+        <a:cs typeface=""/>
+        <a:font script="Jpan" typeface="游ゴシック Light"/>
+        <a:font script="Hang" typeface="맑은 고딕"/>
+        <a:font script="Hans" typeface="等线 Light"/>
+        <a:font script="Hant" typeface="新細明體"/>
+        <a:font script="Arab" typeface="Times New Roman"/>
+        <a:font script="Hebr" typeface="Times New Roman"/>
+        <a:font script="Thai" typeface="Angsana New"/>
+        <a:font script="Ethi" typeface="Nyala"/>
+        <a:font script="Beng" typeface="Vrinda"/>
+        <a:font script="Gujr" typeface="Shruti"/>
+        <a:font script="Khmr" typeface="MoolBoran"/>
+        <a:font script="Knda" typeface="Tunga"/>
+        <a:font script="Guru" typeface="Raavi"/>
+        <a:font script="Cans" typeface="Euphemia"/>
+        <a:font script="Cher" typeface="Plantagenet Cherokee"/>
+        <a:font script="Yiii" typeface="Microsoft Yi Baiti"/>
+        <a:font script="Tibt" typeface="Microsoft Himalaya"/>
+        <a:font script="Thaa" typeface="MV Boli"/>
+        <a:font script="Deva" typeface="Mangal"/>
+        <a:font script="Telu" typeface="Gautami"/>
+        <a:font script="Taml" typeface="Latha"/>
+        <a:font script="Syrc" typeface="Estrangelo Edessa"/>
+        <a:font script="Orya" typeface="Kalinga"/>
+        <a:font script="Mlym" typeface="Kartika"/>
+        <a:font script="Laoo" typeface="DokChampa"/>
+        <a:font script="Sinh" typeface="Iskoola Pota"/>
+        <a:font script="Mong" typeface="Mongolian Baiti"/>
+        <a:font script="Viet" typeface="Times New Roman"/>
+        <a:font script="Uigh" typeface="Microsoft Uighur"/>
+        <a:font script="Geor" typeface="Sylfaen"/>
+        <a:font script="Armn" typeface="Arial"/>
+        <a:font script="Bugi" typeface="Leelawadee UI"/>
+        <a:font script="Bopo" typeface="Microsoft JhengHei"/>
+        <a:font script="Java" typeface="Javanese Text"/>
+        <a:font script="Lisu" typeface="Segoe UI"/>
+        <a:font script="Mymr" typeface="Myanmar Text"/>
+        <a:font script="Nkoo" typeface="Ebrima"/>
+        <a:font script="Olck" typeface="Nirmala UI"/>
+        <a:font script="Osma" typeface="Ebrima"/>
+        <a:font script="Phag" typeface="Phagspa"/>
+        <a:font script="Syrn" typeface="Estrangelo Edessa"/>
+        <a:font script="Syrj" typeface="Estrangelo Edessa"/>
+        <a:font script="Syre" typeface="Estrangelo Edessa"/>
+        <a:font script="Sora" typeface="Nirmala UI"/>
+        <a:font script="Tale" typeface="Microsoft Tai Le"/>
+        <a:font script="Talu" typeface="Microsoft New Tai Lue"/>
+        <a:font script="Tfng" typeface="Ebrima"/>
+      </a:majorFont>
+      <a:minorFont>
+        <a:latin typeface="Calibri" panose="020F0502020204030204"/>
+        <a:ea typeface=""/>
+        <a:cs typeface=""/>
+        <a:font script="Jpan" typeface="游ゴシック"/>
+        <a:font script="Hang" typeface="맑은 고딕"/>
+        <a:font script="Hans" typeface="等线"/>
+        <a:font script="Hant" typeface="新細明體"/>
+        <a:font script="Arab" typeface="Arial"/>
+        <a:font script="Hebr" typeface="Arial"/>
+        <a:font script="Thai" typeface="Cordia New"/>
+        <a:font script="Ethi" typeface="Nyala"/>
+        <a:font script="Beng" typeface="Vrinda"/>
+        <a:font script="Gujr" typeface="Shruti"/>
+        <a:font script="Khmr" typeface="DaunPenh"/>
+        <a:font script="Knda" typeface="Tunga"/>
+        <a:font script="Guru" typeface="Raavi"/>
+        <a:font script="Cans" typeface="Euphemia"/>
+        <a:font script="Cher" typeface="Plantagenet Cherokee"/>
+        <a:font script="Yiii" typeface="Microsoft Yi Baiti"/>
+        <a:font script="Tibt" typeface="Microsoft Himalaya"/>
+        <a:font script="Thaa" typeface="MV Boli"/>
+        <a:font script="Deva" typeface="Mangal"/>
+        <a:font script="Telu" typeface="Gautami"/>
+        <a:font script="Taml" typeface="Latha"/>
+        <a:font script="Syrc" typeface="Estrangelo Edessa"/>
+        <a:font script="Orya" typeface="Kalinga"/>
+        <a:font script="Mlym" typeface="Kartika"/>
+        <a:font script="Laoo" typeface="DokChampa"/>
+        <a:font script="Sinh" typeface="Iskoola Pota"/>
+        <a:font script="Mong" typeface="Mongolian Baiti"/>
+        <a:font script="Viet" typeface="Arial"/>
+        <a:font script="Uigh" typeface="Microsoft Uighur"/>
+        <a:font script="Geor" typeface="Sylfaen"/>
+        <a:font script="Armn" typeface="Arial"/>
+        <a:font script="Bugi" typeface="Leelawadee UI"/>
+        <a:font script="Bopo" typeface="Microsoft JhengHei"/>
+        <a:font script="Java" typeface="Javanese Text"/>
+        <a:font script="Lisu" typeface="Segoe UI"/>
+        <a:font script="Mymr" typeface="Myanmar Text"/>
+        <a:font script="Nkoo" typeface="Ebrima"/>
+        <a:font script="Olck" typeface="Nirmala UI"/>
+        <a:font script="Osma" typeface="Ebrima"/>
+        <a:font script="Phag" typeface="Phagspa"/>
+        <a:font script="Syrn" typeface="Estrangelo Edessa"/>
+        <a:font script="Syrj" typeface="Estrangelo Edessa"/>
+        <a:font script="Syre" typeface="Estrangelo Edessa"/>
+        <a:font script="Sora" typeface="Nirmala UI"/>
+        <a:font script="Tale" typeface="Microsoft Tai Le"/>
+        <a:font script="Talu" typeface="Microsoft New Tai Lue"/>
+        <a:font script="Tfng" typeface="Ebrima"/>
+      </a:minorFont>
+    </a:fontScheme>
+    <a:fmtScheme name="Office">
+      <a:fillStyleLst>
+        <a:solidFill>
+          <a:schemeClr val="phClr"/>
+        </a:solidFill>
+        <a:gradFill rotWithShape="1">
+          <a:gsLst>
+            <a:gs pos="0">
+              <a:schemeClr val="phClr">
+                <a:lumMod val="110000"/>
+                <a:satMod val="105000"/>
+                <a:tint val="67000"/>
+              </a:schemeClr>
+            </a:gs>
+            <a:gs pos="50000">
+              <a:schemeClr val="phClr">
+                <a:lumMod val="105000"/>
+                <a:satMod val="103000"/>
+                <a:tint val="73000"/>
+              </a:schemeClr>
+            </a:gs>
+            <a:gs pos="100000">
+              <a:schemeClr val="phClr">
+                <a:lumMod val="105000"/>
+                <a:satMod val="109000"/>
+                <a:tint val="81000"/>
+              </a:schemeClr>
+            </a:gs>
+          </a:gsLst>
+          <a:lin ang="5400000" scaled="0"/>
+        </a:gradFill>
+        <a:gradFill rotWithShape="1">
+          <a:gsLst>
+            <a:gs pos="0">
+              <a:schemeClr val="phClr">
+                <a:satMod val="103000"/>
+                <a:lumMod val="102000"/>
+                <a:tint val="94000"/>
+              </a:schemeClr>
+            </a:gs>
+            <a:gs pos="50000">
+              <a:schemeClr val="phClr">
+                <a:satMod val="110000"/>
+                <a:lumMod val="100000"/>
+                <a:shade val="100000"/>
+              </a:schemeClr>
+            </a:gs>
+            <a:gs pos="100000">
+              <a:schemeClr val="phClr">
+                <a:lumMod val="99000"/>
+                <a:satMod val="120000"/>
+                <a:shade val="78000"/>
+              </a:schemeClr>
+            </a:gs>
+          </a:gsLst>
+          <a:lin ang="5400000" scaled="0"/>
+        </a:gradFill>
+      </a:fillStyleLst>
+      <a:lnStyleLst>
+        <a:ln w="6350" cap="flat" cmpd="sng" algn="ctr">
+          <a:solidFill>
+            <a:schemeClr val="phClr"/>
+          </a:solidFill>
+          <a:prstDash val="solid"/>
+          <a:miter lim="800000"/>
+        </a:ln>
+        <a:ln w="12700" cap="flat" cmpd="sng" algn="ctr">
+          <a:solidFill>
+            <a:schemeClr val="phClr"/>
+          </a:solidFill>
+          <a:prstDash val="solid"/>
+          <a:miter lim="800000"/>
+        </a:ln>
+        <a:ln w="19050" cap="flat" cmpd="sng" algn="ctr">
+          <a:solidFill>
+            <a:schemeClr val="phClr"/>
+          </a:solidFill>
+          <a:prstDash val="solid"/>
+          <a:miter lim="800000"/>
+        </a:ln>
+      </a:lnStyleLst>
+      <a:effectStyleLst>
+        <a:effectStyle>
+          <a:effectLst/>
+        </a:effectStyle>
+        <a:effectStyle>
+          <a:effectLst/>
+        </a:effectStyle>
+        <a:effectStyle>
+          <a:effectLst>
+            <a:outerShdw blurRad="57150" dist="19050" dir="5400000" algn="ctr" rotWithShape="0">
+              <a:srgbClr val="000000">
+                <a:alpha val="63000"/>
+              </a:srgbClr>
+            </a:outerShdw>
+          </a:effectLst>
+        </a:effectStyle>
+      </a:effectStyleLst>
+      <a:bgFillStyleLst>
+        <a:solidFill>
+          <a:schemeClr val="phClr"/>
+        </a:solidFill>
+        <a:solidFill>
+          <a:schemeClr val="phClr">
+            <a:tint val="95000"/>
+            <a:satMod val="170000"/>
+          </a:schemeClr>
+        </a:solidFill>
+        <a:gradFill rotWithShape="1">
+          <a:gsLst>
+            <a:gs pos="0">
+              <a:schemeClr val="phClr">
+                <a:tint val="93000"/>
+                <a:satMod val="150000"/>
+                <a:shade val="98000"/>
+                <a:lumMod val="102000"/>
+              </a:schemeClr>
+            </a:gs>
+            <a:gs pos="50000">
+              <a:schemeClr val="phClr">
+                <a:tint val="98000"/>
+                <a:satMod val="130000"/>
+                <a:shade val="90000"/>
+                <a:lumMod val="103000"/>
+              </a:schemeClr>
+            </a:gs>
+            <a:gs pos="100000">
+              <a:schemeClr val="phClr">
+                <a:shade val="63000"/>
+                <a:satMod val="120000"/>
+              </a:schemeClr>
+            </a:gs>
+          </a:gsLst>
+          <a:lin ang="5400000" scaled="0"/>
+        </a:gradFill>
+      </a:bgFillStyleLst>
+    </a:fmtScheme>
+  </a:themeElements>
+  <a:objectDefaults/>
+  <a:extraClrSchemeLst/>
+  <a:extLst>
+    <a:ext uri="{05A4C25C-085E-4340-85A3-A5531E510DB2}">
+      <thm15:themeFamily xmlns:thm15="http://schemas.microsoft.com/office/thememl/2012/main" name="Office Theme" id="{62F939B6-93AF-4DB8-9C6B-D6C7DFDC589F}" vid="{4A3C46E8-61CC-4603-A589-7422A47A8E4A}"/>
+    </a:ext>
+  </a:extLst>
+</a:theme>
 </file>
--- a/Mockup-GUI-Space-Invaders.pptx
+++ b/Mockup-GUI-Space-Invaders.pptx
@@ -1714,7 +1714,7 @@
           <a:p>
             <a:fld id="{B787B185-F8CF-F64F-B58B-F31DE2B71282}" type="datetimeFigureOut">
               <a:rPr lang="en-DE" smtClean="0"/>
-              <a:t>13.05.21</a:t>
+              <a:t>14.05.21</a:t>
             </a:fld>
             <a:endParaRPr lang="en-DE"/>
           </a:p>
@@ -2180,6 +2180,29 @@
               <a:tabLst/>
               <a:defRPr/>
             </a:pPr>
+            <a:r>
+              <a:rPr lang="en-DE" dirty="0"/>
+              <a:t>Zwischen Reihen (25px) = 0,51 cm</a:t>
+            </a:r>
+          </a:p>
+          <a:p>
+            <a:pPr marL="0" marR="0" lvl="0" indent="0" algn="l" defTabSz="914400" rtl="0" eaLnBrk="1" fontAlgn="auto" latinLnBrk="0" hangingPunct="1">
+              <a:lnSpc>
+                <a:spcPct val="100000"/>
+              </a:lnSpc>
+              <a:spcBef>
+                <a:spcPts val="0"/>
+              </a:spcBef>
+              <a:spcAft>
+                <a:spcPts val="0"/>
+              </a:spcAft>
+              <a:buClrTx/>
+              <a:buSzTx/>
+              <a:buFontTx/>
+              <a:buNone/>
+              <a:tabLst/>
+              <a:defRPr/>
+            </a:pPr>
             <a:endParaRPr lang="en-DE" dirty="0"/>
           </a:p>
           <a:p>
@@ -2320,7 +2343,7 @@
               <a:rPr lang="en-DE" dirty="0">
                 <a:sym typeface="Wingdings" pitchFamily="2" charset="2"/>
               </a:rPr>
-              <a:t> (74px) = 1,5 cm</a:t>
+              <a:t> (75px) = 1,5 cm</a:t>
             </a:r>
           </a:p>
           <a:p>
@@ -2652,7 +2675,7 @@
           <a:p>
             <a:fld id="{5483CEF8-9ECA-4BFA-8C7F-BE638FC1BACD}" type="datetimeFigureOut">
               <a:rPr lang="en-US" smtClean="0"/>
-              <a:t>5/13/21</a:t>
+              <a:t>5/14/21</a:t>
             </a:fld>
             <a:endParaRPr lang="en-US"/>
           </a:p>
@@ -2850,7 +2873,7 @@
           <a:p>
             <a:fld id="{5483CEF8-9ECA-4BFA-8C7F-BE638FC1BACD}" type="datetimeFigureOut">
               <a:rPr lang="en-US" smtClean="0"/>
-              <a:t>5/13/21</a:t>
+              <a:t>5/14/21</a:t>
             </a:fld>
             <a:endParaRPr lang="en-US"/>
           </a:p>
@@ -3058,7 +3081,7 @@
           <a:p>
             <a:fld id="{5483CEF8-9ECA-4BFA-8C7F-BE638FC1BACD}" type="datetimeFigureOut">
               <a:rPr lang="en-US" smtClean="0"/>
-              <a:t>5/13/21</a:t>
+              <a:t>5/14/21</a:t>
             </a:fld>
             <a:endParaRPr lang="en-US"/>
           </a:p>
@@ -3256,7 +3279,7 @@
           <a:p>
             <a:fld id="{5483CEF8-9ECA-4BFA-8C7F-BE638FC1BACD}" type="datetimeFigureOut">
               <a:rPr lang="en-US" smtClean="0"/>
-              <a:t>5/13/21</a:t>
+              <a:t>5/14/21</a:t>
             </a:fld>
             <a:endParaRPr lang="en-US"/>
           </a:p>
@@ -3531,7 +3554,7 @@
           <a:p>
             <a:fld id="{5483CEF8-9ECA-4BFA-8C7F-BE638FC1BACD}" type="datetimeFigureOut">
               <a:rPr lang="en-US" smtClean="0"/>
-              <a:t>5/13/21</a:t>
+              <a:t>5/14/21</a:t>
             </a:fld>
             <a:endParaRPr lang="en-US"/>
           </a:p>
@@ -3796,7 +3819,7 @@
           <a:p>
             <a:fld id="{5483CEF8-9ECA-4BFA-8C7F-BE638FC1BACD}" type="datetimeFigureOut">
               <a:rPr lang="en-US" smtClean="0"/>
-              <a:t>5/13/21</a:t>
+              <a:t>5/14/21</a:t>
             </a:fld>
             <a:endParaRPr lang="en-US"/>
           </a:p>
@@ -4208,7 +4231,7 @@
           <a:p>
             <a:fld id="{5483CEF8-9ECA-4BFA-8C7F-BE638FC1BACD}" type="datetimeFigureOut">
               <a:rPr lang="en-US" smtClean="0"/>
-              <a:t>5/13/21</a:t>
+              <a:t>5/14/21</a:t>
             </a:fld>
             <a:endParaRPr lang="en-US"/>
           </a:p>
@@ -4349,7 +4372,7 @@
           <a:p>
             <a:fld id="{5483CEF8-9ECA-4BFA-8C7F-BE638FC1BACD}" type="datetimeFigureOut">
               <a:rPr lang="en-US" smtClean="0"/>
-              <a:t>5/13/21</a:t>
+              <a:t>5/14/21</a:t>
             </a:fld>
             <a:endParaRPr lang="en-US"/>
           </a:p>
@@ -4462,7 +4485,7 @@
           <a:p>
             <a:fld id="{5483CEF8-9ECA-4BFA-8C7F-BE638FC1BACD}" type="datetimeFigureOut">
               <a:rPr lang="en-US" smtClean="0"/>
-              <a:t>5/13/21</a:t>
+              <a:t>5/14/21</a:t>
             </a:fld>
             <a:endParaRPr lang="en-US"/>
           </a:p>
@@ -4773,7 +4796,7 @@
           <a:p>
             <a:fld id="{5483CEF8-9ECA-4BFA-8C7F-BE638FC1BACD}" type="datetimeFigureOut">
               <a:rPr lang="en-US" smtClean="0"/>
-              <a:t>5/13/21</a:t>
+              <a:t>5/14/21</a:t>
             </a:fld>
             <a:endParaRPr lang="en-US"/>
           </a:p>
@@ -5061,7 +5084,7 @@
           <a:p>
             <a:fld id="{5483CEF8-9ECA-4BFA-8C7F-BE638FC1BACD}" type="datetimeFigureOut">
               <a:rPr lang="en-US" smtClean="0"/>
-              <a:t>5/13/21</a:t>
+              <a:t>5/14/21</a:t>
             </a:fld>
             <a:endParaRPr lang="en-US"/>
           </a:p>
@@ -5302,7 +5325,7 @@
           <a:p>
             <a:fld id="{5483CEF8-9ECA-4BFA-8C7F-BE638FC1BACD}" type="datetimeFigureOut">
               <a:rPr lang="en-US" smtClean="0"/>
-              <a:t>5/13/21</a:t>
+              <a:t>5/14/21</a:t>
             </a:fld>
             <a:endParaRPr lang="en-US"/>
           </a:p>
@@ -18387,7 +18410,7 @@
         </p:nvSpPr>
         <p:spPr>
           <a:xfrm>
-            <a:off x="6075968" y="5179062"/>
+            <a:off x="6075968" y="5242860"/>
             <a:ext cx="291600" cy="291600"/>
           </a:xfrm>
           <a:prstGeom prst="rect">
@@ -18550,6 +18573,1023 @@
           </a:p>
         </p:txBody>
       </p:sp>
+      <p:sp>
+        <p:nvSpPr>
+          <p:cNvPr id="3" name="TextBox 2">
+            <a:extLst>
+              <a:ext uri="{FF2B5EF4-FFF2-40B4-BE49-F238E27FC236}">
+                <a16:creationId xmlns:a16="http://schemas.microsoft.com/office/drawing/2014/main" id="{B446D719-E141-C04B-AEA6-C1ECEA99CE9F}"/>
+              </a:ext>
+            </a:extLst>
+          </p:cNvPr>
+          <p:cNvSpPr txBox="1"/>
+          <p:nvPr/>
+        </p:nvSpPr>
+        <p:spPr>
+          <a:xfrm>
+            <a:off x="3826102" y="1032934"/>
+            <a:ext cx="214239" cy="261610"/>
+          </a:xfrm>
+          <a:prstGeom prst="rect">
+            <a:avLst/>
+          </a:prstGeom>
+          <a:noFill/>
+        </p:spPr>
+        <p:txBody>
+          <a:bodyPr wrap="square" rtlCol="0">
+            <a:spAutoFit/>
+          </a:bodyPr>
+          <a:lstStyle/>
+          <a:p>
+            <a:r>
+              <a:rPr lang="en-DE" sz="1100" dirty="0">
+                <a:solidFill>
+                  <a:srgbClr val="FF0000"/>
+                </a:solidFill>
+              </a:rPr>
+              <a:t>1</a:t>
+            </a:r>
+          </a:p>
+        </p:txBody>
+      </p:sp>
+      <p:sp>
+        <p:nvSpPr>
+          <p:cNvPr id="170" name="TextBox 169">
+            <a:extLst>
+              <a:ext uri="{FF2B5EF4-FFF2-40B4-BE49-F238E27FC236}">
+                <a16:creationId xmlns:a16="http://schemas.microsoft.com/office/drawing/2014/main" id="{B02A52C1-CF4C-B047-91D6-C43DA21D0CD7}"/>
+              </a:ext>
+            </a:extLst>
+          </p:cNvPr>
+          <p:cNvSpPr txBox="1"/>
+          <p:nvPr/>
+        </p:nvSpPr>
+        <p:spPr>
+          <a:xfrm>
+            <a:off x="4110384" y="1238925"/>
+            <a:ext cx="214239" cy="261610"/>
+          </a:xfrm>
+          <a:prstGeom prst="rect">
+            <a:avLst/>
+          </a:prstGeom>
+          <a:noFill/>
+        </p:spPr>
+        <p:txBody>
+          <a:bodyPr wrap="square" rtlCol="0">
+            <a:spAutoFit/>
+          </a:bodyPr>
+          <a:lstStyle/>
+          <a:p>
+            <a:r>
+              <a:rPr lang="en-DE" sz="1100" dirty="0">
+                <a:solidFill>
+                  <a:srgbClr val="FF0000"/>
+                </a:solidFill>
+              </a:rPr>
+              <a:t>2</a:t>
+            </a:r>
+          </a:p>
+        </p:txBody>
+      </p:sp>
+      <p:sp>
+        <p:nvSpPr>
+          <p:cNvPr id="171" name="TextBox 170">
+            <a:extLst>
+              <a:ext uri="{FF2B5EF4-FFF2-40B4-BE49-F238E27FC236}">
+                <a16:creationId xmlns:a16="http://schemas.microsoft.com/office/drawing/2014/main" id="{F1118874-CB21-9E4D-8F18-CD36BF8EFB21}"/>
+              </a:ext>
+            </a:extLst>
+          </p:cNvPr>
+          <p:cNvSpPr txBox="1"/>
+          <p:nvPr/>
+        </p:nvSpPr>
+        <p:spPr>
+          <a:xfrm>
+            <a:off x="4089317" y="1636486"/>
+            <a:ext cx="214239" cy="261610"/>
+          </a:xfrm>
+          <a:prstGeom prst="rect">
+            <a:avLst/>
+          </a:prstGeom>
+          <a:noFill/>
+        </p:spPr>
+        <p:txBody>
+          <a:bodyPr wrap="square" rtlCol="0">
+            <a:spAutoFit/>
+          </a:bodyPr>
+          <a:lstStyle/>
+          <a:p>
+            <a:r>
+              <a:rPr lang="en-DE" sz="1100" dirty="0">
+                <a:solidFill>
+                  <a:srgbClr val="FF0000"/>
+                </a:solidFill>
+              </a:rPr>
+              <a:t>3</a:t>
+            </a:r>
+          </a:p>
+        </p:txBody>
+      </p:sp>
+      <p:sp>
+        <p:nvSpPr>
+          <p:cNvPr id="172" name="TextBox 171">
+            <a:extLst>
+              <a:ext uri="{FF2B5EF4-FFF2-40B4-BE49-F238E27FC236}">
+                <a16:creationId xmlns:a16="http://schemas.microsoft.com/office/drawing/2014/main" id="{4AF09A28-443B-F649-855A-9889E02426B1}"/>
+              </a:ext>
+            </a:extLst>
+          </p:cNvPr>
+          <p:cNvSpPr txBox="1"/>
+          <p:nvPr/>
+        </p:nvSpPr>
+        <p:spPr>
+          <a:xfrm>
+            <a:off x="4096892" y="2051031"/>
+            <a:ext cx="214239" cy="261610"/>
+          </a:xfrm>
+          <a:prstGeom prst="rect">
+            <a:avLst/>
+          </a:prstGeom>
+          <a:noFill/>
+        </p:spPr>
+        <p:txBody>
+          <a:bodyPr wrap="square" rtlCol="0">
+            <a:spAutoFit/>
+          </a:bodyPr>
+          <a:lstStyle/>
+          <a:p>
+            <a:r>
+              <a:rPr lang="en-DE" sz="1100" dirty="0">
+                <a:solidFill>
+                  <a:srgbClr val="FF0000"/>
+                </a:solidFill>
+              </a:rPr>
+              <a:t>4</a:t>
+            </a:r>
+          </a:p>
+        </p:txBody>
+      </p:sp>
+      <p:sp>
+        <p:nvSpPr>
+          <p:cNvPr id="173" name="TextBox 172">
+            <a:extLst>
+              <a:ext uri="{FF2B5EF4-FFF2-40B4-BE49-F238E27FC236}">
+                <a16:creationId xmlns:a16="http://schemas.microsoft.com/office/drawing/2014/main" id="{C745DD09-1A60-FD4D-BFB3-4E5445F12DC2}"/>
+              </a:ext>
+            </a:extLst>
+          </p:cNvPr>
+          <p:cNvSpPr txBox="1"/>
+          <p:nvPr/>
+        </p:nvSpPr>
+        <p:spPr>
+          <a:xfrm>
+            <a:off x="4096892" y="2441716"/>
+            <a:ext cx="214239" cy="261610"/>
+          </a:xfrm>
+          <a:prstGeom prst="rect">
+            <a:avLst/>
+          </a:prstGeom>
+          <a:noFill/>
+        </p:spPr>
+        <p:txBody>
+          <a:bodyPr wrap="square" rtlCol="0">
+            <a:spAutoFit/>
+          </a:bodyPr>
+          <a:lstStyle/>
+          <a:p>
+            <a:r>
+              <a:rPr lang="en-DE" sz="1100" dirty="0">
+                <a:solidFill>
+                  <a:srgbClr val="FF0000"/>
+                </a:solidFill>
+              </a:rPr>
+              <a:t>5</a:t>
+            </a:r>
+          </a:p>
+        </p:txBody>
+      </p:sp>
+      <p:sp>
+        <p:nvSpPr>
+          <p:cNvPr id="174" name="TextBox 173">
+            <a:extLst>
+              <a:ext uri="{FF2B5EF4-FFF2-40B4-BE49-F238E27FC236}">
+                <a16:creationId xmlns:a16="http://schemas.microsoft.com/office/drawing/2014/main" id="{FBF08CB4-A52C-4840-82AD-BAA1D6DA645B}"/>
+              </a:ext>
+            </a:extLst>
+          </p:cNvPr>
+          <p:cNvSpPr txBox="1"/>
+          <p:nvPr/>
+        </p:nvSpPr>
+        <p:spPr>
+          <a:xfrm>
+            <a:off x="4096706" y="2831627"/>
+            <a:ext cx="214239" cy="261610"/>
+          </a:xfrm>
+          <a:prstGeom prst="rect">
+            <a:avLst/>
+          </a:prstGeom>
+          <a:noFill/>
+        </p:spPr>
+        <p:txBody>
+          <a:bodyPr wrap="square" rtlCol="0">
+            <a:spAutoFit/>
+          </a:bodyPr>
+          <a:lstStyle/>
+          <a:p>
+            <a:r>
+              <a:rPr lang="en-DE" sz="1100" dirty="0">
+                <a:solidFill>
+                  <a:srgbClr val="FF0000"/>
+                </a:solidFill>
+              </a:rPr>
+              <a:t>6</a:t>
+            </a:r>
+          </a:p>
+        </p:txBody>
+      </p:sp>
+      <p:sp>
+        <p:nvSpPr>
+          <p:cNvPr id="175" name="TextBox 174">
+            <a:extLst>
+              <a:ext uri="{FF2B5EF4-FFF2-40B4-BE49-F238E27FC236}">
+                <a16:creationId xmlns:a16="http://schemas.microsoft.com/office/drawing/2014/main" id="{D7DC168B-A43B-5C4C-A181-A5DAB34921EB}"/>
+              </a:ext>
+            </a:extLst>
+          </p:cNvPr>
+          <p:cNvSpPr txBox="1"/>
+          <p:nvPr/>
+        </p:nvSpPr>
+        <p:spPr>
+          <a:xfrm>
+            <a:off x="7875298" y="1256945"/>
+            <a:ext cx="214239" cy="261610"/>
+          </a:xfrm>
+          <a:prstGeom prst="rect">
+            <a:avLst/>
+          </a:prstGeom>
+          <a:noFill/>
+        </p:spPr>
+        <p:txBody>
+          <a:bodyPr wrap="square" rtlCol="0">
+            <a:spAutoFit/>
+          </a:bodyPr>
+          <a:lstStyle/>
+          <a:p>
+            <a:r>
+              <a:rPr lang="en-DE" sz="1100" dirty="0">
+                <a:solidFill>
+                  <a:srgbClr val="FF0000"/>
+                </a:solidFill>
+              </a:rPr>
+              <a:t>7</a:t>
+            </a:r>
+          </a:p>
+        </p:txBody>
+      </p:sp>
+      <p:sp>
+        <p:nvSpPr>
+          <p:cNvPr id="176" name="TextBox 175">
+            <a:extLst>
+              <a:ext uri="{FF2B5EF4-FFF2-40B4-BE49-F238E27FC236}">
+                <a16:creationId xmlns:a16="http://schemas.microsoft.com/office/drawing/2014/main" id="{8B43B63F-4242-1145-B107-70BABCAB32CB}"/>
+              </a:ext>
+            </a:extLst>
+          </p:cNvPr>
+          <p:cNvSpPr txBox="1"/>
+          <p:nvPr/>
+        </p:nvSpPr>
+        <p:spPr>
+          <a:xfrm>
+            <a:off x="4082259" y="1042303"/>
+            <a:ext cx="359274" cy="261610"/>
+          </a:xfrm>
+          <a:prstGeom prst="rect">
+            <a:avLst/>
+          </a:prstGeom>
+          <a:noFill/>
+        </p:spPr>
+        <p:txBody>
+          <a:bodyPr wrap="square" rtlCol="0">
+            <a:spAutoFit/>
+          </a:bodyPr>
+          <a:lstStyle/>
+          <a:p>
+            <a:r>
+              <a:rPr lang="en-DE" sz="1100" dirty="0">
+                <a:solidFill>
+                  <a:srgbClr val="FF0000"/>
+                </a:solidFill>
+              </a:rPr>
+              <a:t>14</a:t>
+            </a:r>
+          </a:p>
+        </p:txBody>
+      </p:sp>
+      <p:sp>
+        <p:nvSpPr>
+          <p:cNvPr id="177" name="TextBox 176">
+            <a:extLst>
+              <a:ext uri="{FF2B5EF4-FFF2-40B4-BE49-F238E27FC236}">
+                <a16:creationId xmlns:a16="http://schemas.microsoft.com/office/drawing/2014/main" id="{A86AADC1-BD76-A34D-A077-75638E1C7EBC}"/>
+              </a:ext>
+            </a:extLst>
+          </p:cNvPr>
+          <p:cNvSpPr txBox="1"/>
+          <p:nvPr/>
+        </p:nvSpPr>
+        <p:spPr>
+          <a:xfrm>
+            <a:off x="7880747" y="1658955"/>
+            <a:ext cx="214239" cy="261610"/>
+          </a:xfrm>
+          <a:prstGeom prst="rect">
+            <a:avLst/>
+          </a:prstGeom>
+          <a:noFill/>
+        </p:spPr>
+        <p:txBody>
+          <a:bodyPr wrap="square" rtlCol="0">
+            <a:spAutoFit/>
+          </a:bodyPr>
+          <a:lstStyle/>
+          <a:p>
+            <a:r>
+              <a:rPr lang="en-DE" sz="1100" dirty="0">
+                <a:solidFill>
+                  <a:srgbClr val="FF0000"/>
+                </a:solidFill>
+              </a:rPr>
+              <a:t>8</a:t>
+            </a:r>
+          </a:p>
+        </p:txBody>
+      </p:sp>
+      <p:sp>
+        <p:nvSpPr>
+          <p:cNvPr id="178" name="TextBox 177">
+            <a:extLst>
+              <a:ext uri="{FF2B5EF4-FFF2-40B4-BE49-F238E27FC236}">
+                <a16:creationId xmlns:a16="http://schemas.microsoft.com/office/drawing/2014/main" id="{9A3B8FEE-86DB-BE49-95F3-7CE8AF0A2795}"/>
+              </a:ext>
+            </a:extLst>
+          </p:cNvPr>
+          <p:cNvSpPr txBox="1"/>
+          <p:nvPr/>
+        </p:nvSpPr>
+        <p:spPr>
+          <a:xfrm>
+            <a:off x="7892116" y="2040660"/>
+            <a:ext cx="214239" cy="261610"/>
+          </a:xfrm>
+          <a:prstGeom prst="rect">
+            <a:avLst/>
+          </a:prstGeom>
+          <a:noFill/>
+        </p:spPr>
+        <p:txBody>
+          <a:bodyPr wrap="square" rtlCol="0">
+            <a:spAutoFit/>
+          </a:bodyPr>
+          <a:lstStyle/>
+          <a:p>
+            <a:r>
+              <a:rPr lang="en-DE" sz="1100" dirty="0">
+                <a:solidFill>
+                  <a:srgbClr val="FF0000"/>
+                </a:solidFill>
+              </a:rPr>
+              <a:t>9</a:t>
+            </a:r>
+          </a:p>
+        </p:txBody>
+      </p:sp>
+      <p:sp>
+        <p:nvSpPr>
+          <p:cNvPr id="179" name="TextBox 178">
+            <a:extLst>
+              <a:ext uri="{FF2B5EF4-FFF2-40B4-BE49-F238E27FC236}">
+                <a16:creationId xmlns:a16="http://schemas.microsoft.com/office/drawing/2014/main" id="{40B7B8C6-09A1-3141-86A3-2D6544ADCCF6}"/>
+              </a:ext>
+            </a:extLst>
+          </p:cNvPr>
+          <p:cNvSpPr txBox="1"/>
+          <p:nvPr/>
+        </p:nvSpPr>
+        <p:spPr>
+          <a:xfrm>
+            <a:off x="7853344" y="2442004"/>
+            <a:ext cx="326722" cy="261610"/>
+          </a:xfrm>
+          <a:prstGeom prst="rect">
+            <a:avLst/>
+          </a:prstGeom>
+          <a:noFill/>
+        </p:spPr>
+        <p:txBody>
+          <a:bodyPr wrap="square" rtlCol="0">
+            <a:spAutoFit/>
+          </a:bodyPr>
+          <a:lstStyle/>
+          <a:p>
+            <a:r>
+              <a:rPr lang="en-DE" sz="1100" dirty="0">
+                <a:solidFill>
+                  <a:srgbClr val="FF0000"/>
+                </a:solidFill>
+              </a:rPr>
+              <a:t>10</a:t>
+            </a:r>
+          </a:p>
+        </p:txBody>
+      </p:sp>
+      <p:sp>
+        <p:nvSpPr>
+          <p:cNvPr id="180" name="TextBox 179">
+            <a:extLst>
+              <a:ext uri="{FF2B5EF4-FFF2-40B4-BE49-F238E27FC236}">
+                <a16:creationId xmlns:a16="http://schemas.microsoft.com/office/drawing/2014/main" id="{459E5808-38B1-B042-8BBD-247D81BF6D90}"/>
+              </a:ext>
+            </a:extLst>
+          </p:cNvPr>
+          <p:cNvSpPr txBox="1"/>
+          <p:nvPr/>
+        </p:nvSpPr>
+        <p:spPr>
+          <a:xfrm>
+            <a:off x="7855789" y="2851921"/>
+            <a:ext cx="326722" cy="261610"/>
+          </a:xfrm>
+          <a:prstGeom prst="rect">
+            <a:avLst/>
+          </a:prstGeom>
+          <a:noFill/>
+        </p:spPr>
+        <p:txBody>
+          <a:bodyPr wrap="square" rtlCol="0">
+            <a:spAutoFit/>
+          </a:bodyPr>
+          <a:lstStyle/>
+          <a:p>
+            <a:r>
+              <a:rPr lang="en-DE" sz="1100" dirty="0">
+                <a:solidFill>
+                  <a:srgbClr val="FF0000"/>
+                </a:solidFill>
+              </a:rPr>
+              <a:t>11</a:t>
+            </a:r>
+          </a:p>
+        </p:txBody>
+      </p:sp>
+      <p:sp>
+        <p:nvSpPr>
+          <p:cNvPr id="181" name="TextBox 180">
+            <a:extLst>
+              <a:ext uri="{FF2B5EF4-FFF2-40B4-BE49-F238E27FC236}">
+                <a16:creationId xmlns:a16="http://schemas.microsoft.com/office/drawing/2014/main" id="{EC859EBB-BEF2-224F-A876-B10D334C805E}"/>
+              </a:ext>
+            </a:extLst>
+          </p:cNvPr>
+          <p:cNvSpPr txBox="1"/>
+          <p:nvPr/>
+        </p:nvSpPr>
+        <p:spPr>
+          <a:xfrm>
+            <a:off x="5904268" y="5074472"/>
+            <a:ext cx="326722" cy="261610"/>
+          </a:xfrm>
+          <a:prstGeom prst="rect">
+            <a:avLst/>
+          </a:prstGeom>
+          <a:noFill/>
+        </p:spPr>
+        <p:txBody>
+          <a:bodyPr wrap="square" rtlCol="0">
+            <a:spAutoFit/>
+          </a:bodyPr>
+          <a:lstStyle/>
+          <a:p>
+            <a:r>
+              <a:rPr lang="en-DE" sz="1100" dirty="0">
+                <a:solidFill>
+                  <a:srgbClr val="FF0000"/>
+                </a:solidFill>
+              </a:rPr>
+              <a:t>12</a:t>
+            </a:r>
+          </a:p>
+        </p:txBody>
+      </p:sp>
+      <p:sp>
+        <p:nvSpPr>
+          <p:cNvPr id="182" name="TextBox 181">
+            <a:extLst>
+              <a:ext uri="{FF2B5EF4-FFF2-40B4-BE49-F238E27FC236}">
+                <a16:creationId xmlns:a16="http://schemas.microsoft.com/office/drawing/2014/main" id="{6CBB1A09-302C-B74B-90D1-CC22E42BD0EC}"/>
+              </a:ext>
+            </a:extLst>
+          </p:cNvPr>
+          <p:cNvSpPr txBox="1"/>
+          <p:nvPr/>
+        </p:nvSpPr>
+        <p:spPr>
+          <a:xfrm>
+            <a:off x="3740083" y="5748355"/>
+            <a:ext cx="326722" cy="261610"/>
+          </a:xfrm>
+          <a:prstGeom prst="rect">
+            <a:avLst/>
+          </a:prstGeom>
+          <a:noFill/>
+        </p:spPr>
+        <p:txBody>
+          <a:bodyPr wrap="square" rtlCol="0">
+            <a:spAutoFit/>
+          </a:bodyPr>
+          <a:lstStyle/>
+          <a:p>
+            <a:r>
+              <a:rPr lang="en-DE" sz="1100" dirty="0">
+                <a:solidFill>
+                  <a:srgbClr val="FF0000"/>
+                </a:solidFill>
+              </a:rPr>
+              <a:t>13</a:t>
+            </a:r>
+          </a:p>
+        </p:txBody>
+      </p:sp>
+      <p:sp>
+        <p:nvSpPr>
+          <p:cNvPr id="183" name="TextBox 182">
+            <a:extLst>
+              <a:ext uri="{FF2B5EF4-FFF2-40B4-BE49-F238E27FC236}">
+                <a16:creationId xmlns:a16="http://schemas.microsoft.com/office/drawing/2014/main" id="{6F94978C-40E5-9C4D-99BD-7DD954998756}"/>
+              </a:ext>
+            </a:extLst>
+          </p:cNvPr>
+          <p:cNvSpPr txBox="1"/>
+          <p:nvPr/>
+        </p:nvSpPr>
+        <p:spPr>
+          <a:xfrm>
+            <a:off x="8024886" y="1051396"/>
+            <a:ext cx="326722" cy="261610"/>
+          </a:xfrm>
+          <a:prstGeom prst="rect">
+            <a:avLst/>
+          </a:prstGeom>
+          <a:noFill/>
+        </p:spPr>
+        <p:txBody>
+          <a:bodyPr wrap="square" rtlCol="0">
+            <a:spAutoFit/>
+          </a:bodyPr>
+          <a:lstStyle/>
+          <a:p>
+            <a:r>
+              <a:rPr lang="en-DE" sz="1100" dirty="0">
+                <a:solidFill>
+                  <a:srgbClr val="FF0000"/>
+                </a:solidFill>
+              </a:rPr>
+              <a:t>15</a:t>
+            </a:r>
+          </a:p>
+        </p:txBody>
+      </p:sp>
+      <p:grpSp>
+        <p:nvGrpSpPr>
+          <p:cNvPr id="185" name="Group 184">
+            <a:extLst>
+              <a:ext uri="{FF2B5EF4-FFF2-40B4-BE49-F238E27FC236}">
+                <a16:creationId xmlns:a16="http://schemas.microsoft.com/office/drawing/2014/main" id="{EAEC128A-E6F8-AA45-994B-3BD557FE3BCB}"/>
+              </a:ext>
+            </a:extLst>
+          </p:cNvPr>
+          <p:cNvGrpSpPr/>
+          <p:nvPr/>
+        </p:nvGrpSpPr>
+        <p:grpSpPr>
+          <a:xfrm>
+            <a:off x="9541395" y="513333"/>
+            <a:ext cx="1591695" cy="4105447"/>
+            <a:chOff x="289583" y="788255"/>
+            <a:chExt cx="3303393" cy="3698992"/>
+          </a:xfrm>
+        </p:grpSpPr>
+        <p:sp>
+          <p:nvSpPr>
+            <p:cNvPr id="186" name="Rectangle 185">
+              <a:extLst>
+                <a:ext uri="{FF2B5EF4-FFF2-40B4-BE49-F238E27FC236}">
+                  <a16:creationId xmlns:a16="http://schemas.microsoft.com/office/drawing/2014/main" id="{6D06818F-9A58-894B-9E0C-5AFFE98A258F}"/>
+                </a:ext>
+              </a:extLst>
+            </p:cNvPr>
+            <p:cNvSpPr/>
+            <p:nvPr/>
+          </p:nvSpPr>
+          <p:spPr>
+            <a:xfrm>
+              <a:off x="289585" y="788255"/>
+              <a:ext cx="3238460" cy="3692052"/>
+            </a:xfrm>
+            <a:prstGeom prst="rect">
+              <a:avLst/>
+            </a:prstGeom>
+            <a:solidFill>
+              <a:srgbClr val="FF8E90"/>
+            </a:solidFill>
+            <a:ln>
+              <a:noFill/>
+            </a:ln>
+          </p:spPr>
+          <p:style>
+            <a:lnRef idx="2">
+              <a:schemeClr val="accent1">
+                <a:shade val="50000"/>
+              </a:schemeClr>
+            </a:lnRef>
+            <a:fillRef idx="1">
+              <a:schemeClr val="accent1"/>
+            </a:fillRef>
+            <a:effectRef idx="0">
+              <a:schemeClr val="accent1"/>
+            </a:effectRef>
+            <a:fontRef idx="minor">
+              <a:schemeClr val="lt1"/>
+            </a:fontRef>
+          </p:style>
+          <p:txBody>
+            <a:bodyPr rtlCol="0" anchor="ctr"/>
+            <a:lstStyle/>
+            <a:p>
+              <a:endParaRPr lang="en-DE" sz="1400" dirty="0">
+                <a:solidFill>
+                  <a:schemeClr val="tx1"/>
+                </a:solidFill>
+              </a:endParaRPr>
+            </a:p>
+            <a:p>
+              <a:endParaRPr lang="en-DE" sz="1400" dirty="0">
+                <a:solidFill>
+                  <a:schemeClr val="tx1"/>
+                </a:solidFill>
+              </a:endParaRPr>
+            </a:p>
+            <a:p>
+              <a:endParaRPr lang="en-DE" sz="1400" dirty="0">
+                <a:solidFill>
+                  <a:schemeClr val="tx1"/>
+                </a:solidFill>
+              </a:endParaRPr>
+            </a:p>
+            <a:p>
+              <a:r>
+                <a:rPr lang="de-DE" sz="1400" dirty="0">
+                  <a:solidFill>
+                    <a:schemeClr val="tx1"/>
+                  </a:solidFill>
+                </a:rPr>
+                <a:t>  1</a:t>
+              </a:r>
+              <a:r>
+                <a:rPr lang="de-DE" sz="1400" dirty="0">
+                  <a:solidFill>
+                    <a:schemeClr val="tx1"/>
+                  </a:solidFill>
+                  <a:sym typeface="Wingdings" pitchFamily="2" charset="2"/>
+                </a:rPr>
+                <a:t> (    0 /    75)</a:t>
+              </a:r>
+            </a:p>
+            <a:p>
+              <a:r>
+                <a:rPr lang="de-DE" sz="1400" dirty="0">
+                  <a:solidFill>
+                    <a:schemeClr val="tx1"/>
+                  </a:solidFill>
+                  <a:sym typeface="Wingdings" pitchFamily="2" charset="2"/>
+                </a:rPr>
+                <a:t>  2 (  30 / 100)</a:t>
+              </a:r>
+            </a:p>
+            <a:p>
+              <a:r>
+                <a:rPr lang="de-DE" sz="1400" dirty="0">
+                  <a:solidFill>
+                    <a:schemeClr val="tx1"/>
+                  </a:solidFill>
+                  <a:sym typeface="Wingdings" pitchFamily="2" charset="2"/>
+                </a:rPr>
+                <a:t>  3 (  30 / 150)</a:t>
+              </a:r>
+            </a:p>
+            <a:p>
+              <a:r>
+                <a:rPr lang="de-DE" sz="1400" dirty="0">
+                  <a:solidFill>
+                    <a:schemeClr val="tx1"/>
+                  </a:solidFill>
+                  <a:sym typeface="Wingdings" pitchFamily="2" charset="2"/>
+                </a:rPr>
+                <a:t>  4 (  30 / 200)</a:t>
+              </a:r>
+            </a:p>
+            <a:p>
+              <a:r>
+                <a:rPr lang="de-DE" sz="1400" dirty="0">
+                  <a:solidFill>
+                    <a:schemeClr val="tx1"/>
+                  </a:solidFill>
+                  <a:sym typeface="Wingdings" pitchFamily="2" charset="2"/>
+                </a:rPr>
+                <a:t>  5 (  30 / 250)</a:t>
+              </a:r>
+            </a:p>
+            <a:p>
+              <a:r>
+                <a:rPr lang="de-DE" sz="1400" dirty="0">
+                  <a:solidFill>
+                    <a:schemeClr val="tx1"/>
+                  </a:solidFill>
+                  <a:sym typeface="Wingdings" pitchFamily="2" charset="2"/>
+                </a:rPr>
+                <a:t>  6 (  30 / 300)</a:t>
+              </a:r>
+            </a:p>
+            <a:p>
+              <a:r>
+                <a:rPr lang="de-DE" sz="1400" dirty="0">
+                  <a:solidFill>
+                    <a:schemeClr val="tx1"/>
+                  </a:solidFill>
+                  <a:sym typeface="Wingdings" pitchFamily="2" charset="2"/>
+                </a:rPr>
+                <a:t>  7 (545 / 100)</a:t>
+              </a:r>
+            </a:p>
+            <a:p>
+              <a:r>
+                <a:rPr lang="de-DE" sz="1400" dirty="0">
+                  <a:solidFill>
+                    <a:schemeClr val="tx1"/>
+                  </a:solidFill>
+                  <a:sym typeface="Wingdings" pitchFamily="2" charset="2"/>
+                </a:rPr>
+                <a:t>  8 (545 / 150)</a:t>
+              </a:r>
+            </a:p>
+            <a:p>
+              <a:r>
+                <a:rPr lang="de-DE" sz="1400" dirty="0">
+                  <a:solidFill>
+                    <a:schemeClr val="tx1"/>
+                  </a:solidFill>
+                  <a:sym typeface="Wingdings" pitchFamily="2" charset="2"/>
+                </a:rPr>
+                <a:t>  9 (545 / 200)</a:t>
+              </a:r>
+            </a:p>
+            <a:p>
+              <a:r>
+                <a:rPr lang="de-DE" sz="1400" dirty="0">
+                  <a:solidFill>
+                    <a:schemeClr val="tx1"/>
+                  </a:solidFill>
+                  <a:sym typeface="Wingdings" pitchFamily="2" charset="2"/>
+                </a:rPr>
+                <a:t>10 (545 / 250)</a:t>
+              </a:r>
+            </a:p>
+            <a:p>
+              <a:r>
+                <a:rPr lang="de-DE" sz="1400" dirty="0">
+                  <a:solidFill>
+                    <a:schemeClr val="tx1"/>
+                  </a:solidFill>
+                  <a:sym typeface="Wingdings" pitchFamily="2" charset="2"/>
+                </a:rPr>
+                <a:t>11 (545 / 300)</a:t>
+              </a:r>
+            </a:p>
+            <a:p>
+              <a:r>
+                <a:rPr lang="de-DE" sz="1400" dirty="0">
+                  <a:solidFill>
+                    <a:schemeClr val="tx1"/>
+                  </a:solidFill>
+                  <a:sym typeface="Wingdings" pitchFamily="2" charset="2"/>
+                </a:rPr>
+                <a:t>12 (280 / 658)</a:t>
+              </a:r>
+            </a:p>
+            <a:p>
+              <a:r>
+                <a:rPr lang="de-DE" sz="1400" dirty="0">
+                  <a:solidFill>
+                    <a:schemeClr val="tx1"/>
+                  </a:solidFill>
+                  <a:sym typeface="Wingdings" pitchFamily="2" charset="2"/>
+                </a:rPr>
+                <a:t>13 (    0 / 738)</a:t>
+              </a:r>
+            </a:p>
+            <a:p>
+              <a:r>
+                <a:rPr lang="de-DE" sz="1400" dirty="0">
+                  <a:solidFill>
+                    <a:schemeClr val="tx1"/>
+                  </a:solidFill>
+                  <a:sym typeface="Wingdings" pitchFamily="2" charset="2"/>
+                </a:rPr>
+                <a:t>14 (  30 /   75)</a:t>
+              </a:r>
+            </a:p>
+            <a:p>
+              <a:r>
+                <a:rPr lang="de-DE" sz="1400" dirty="0">
+                  <a:solidFill>
+                    <a:schemeClr val="tx1"/>
+                  </a:solidFill>
+                  <a:sym typeface="Wingdings" pitchFamily="2" charset="2"/>
+                </a:rPr>
+                <a:t>15 (570 /   75)</a:t>
+              </a:r>
+              <a:endParaRPr lang="en-DE" sz="1400" dirty="0">
+                <a:solidFill>
+                  <a:schemeClr val="tx1"/>
+                </a:solidFill>
+              </a:endParaRPr>
+            </a:p>
+            <a:p>
+              <a:pPr algn="ctr"/>
+              <a:endParaRPr lang="en-DE" sz="1400" dirty="0">
+                <a:solidFill>
+                  <a:schemeClr val="tx1"/>
+                </a:solidFill>
+              </a:endParaRPr>
+            </a:p>
+          </p:txBody>
+        </p:sp>
+        <p:sp>
+          <p:nvSpPr>
+            <p:cNvPr id="187" name="Rectangle 186">
+              <a:extLst>
+                <a:ext uri="{FF2B5EF4-FFF2-40B4-BE49-F238E27FC236}">
+                  <a16:creationId xmlns:a16="http://schemas.microsoft.com/office/drawing/2014/main" id="{A75F10CE-A0A4-864F-BBDD-CEEB2D1BE5BF}"/>
+                </a:ext>
+              </a:extLst>
+            </p:cNvPr>
+            <p:cNvSpPr/>
+            <p:nvPr/>
+          </p:nvSpPr>
+          <p:spPr>
+            <a:xfrm>
+              <a:off x="289583" y="788255"/>
+              <a:ext cx="3224447" cy="481211"/>
+            </a:xfrm>
+            <a:prstGeom prst="rect">
+              <a:avLst/>
+            </a:prstGeom>
+            <a:solidFill>
+              <a:srgbClr val="FF6668"/>
+            </a:solidFill>
+            <a:ln>
+              <a:noFill/>
+            </a:ln>
+          </p:spPr>
+          <p:style>
+            <a:lnRef idx="2">
+              <a:schemeClr val="accent1">
+                <a:shade val="50000"/>
+              </a:schemeClr>
+            </a:lnRef>
+            <a:fillRef idx="1">
+              <a:schemeClr val="accent1"/>
+            </a:fillRef>
+            <a:effectRef idx="0">
+              <a:schemeClr val="accent1"/>
+            </a:effectRef>
+            <a:fontRef idx="minor">
+              <a:schemeClr val="lt1"/>
+            </a:fontRef>
+          </p:style>
+          <p:txBody>
+            <a:bodyPr rtlCol="0" anchor="ctr"/>
+            <a:lstStyle/>
+            <a:p>
+              <a:pPr algn="ctr"/>
+              <a:endParaRPr lang="en-DE" dirty="0"/>
+            </a:p>
+          </p:txBody>
+        </p:sp>
+        <p:sp>
+          <p:nvSpPr>
+            <p:cNvPr id="188" name="Right Triangle 187">
+              <a:extLst>
+                <a:ext uri="{FF2B5EF4-FFF2-40B4-BE49-F238E27FC236}">
+                  <a16:creationId xmlns:a16="http://schemas.microsoft.com/office/drawing/2014/main" id="{30195F74-7435-554E-AD9F-F8883EACB7C6}"/>
+                </a:ext>
+              </a:extLst>
+            </p:cNvPr>
+            <p:cNvSpPr/>
+            <p:nvPr/>
+          </p:nvSpPr>
+          <p:spPr>
+            <a:xfrm rot="16200000">
+              <a:off x="3088998" y="3983269"/>
+              <a:ext cx="360000" cy="647956"/>
+            </a:xfrm>
+            <a:prstGeom prst="rtTriangle">
+              <a:avLst/>
+            </a:prstGeom>
+            <a:solidFill>
+              <a:schemeClr val="bg1"/>
+            </a:solidFill>
+            <a:ln>
+              <a:noFill/>
+            </a:ln>
+          </p:spPr>
+          <p:style>
+            <a:lnRef idx="2">
+              <a:schemeClr val="accent1">
+                <a:shade val="50000"/>
+              </a:schemeClr>
+            </a:lnRef>
+            <a:fillRef idx="1">
+              <a:schemeClr val="accent1"/>
+            </a:fillRef>
+            <a:effectRef idx="0">
+              <a:schemeClr val="accent1"/>
+            </a:effectRef>
+            <a:fontRef idx="minor">
+              <a:schemeClr val="lt1"/>
+            </a:fontRef>
+          </p:style>
+          <p:txBody>
+            <a:bodyPr rtlCol="0" anchor="ctr"/>
+            <a:lstStyle/>
+            <a:p>
+              <a:pPr algn="ctr"/>
+              <a:endParaRPr lang="en-DE" dirty="0"/>
+            </a:p>
+          </p:txBody>
+        </p:sp>
+        <p:sp>
+          <p:nvSpPr>
+            <p:cNvPr id="189" name="Right Triangle 188">
+              <a:extLst>
+                <a:ext uri="{FF2B5EF4-FFF2-40B4-BE49-F238E27FC236}">
+                  <a16:creationId xmlns:a16="http://schemas.microsoft.com/office/drawing/2014/main" id="{BB3C077C-0729-1D4A-A22E-41D835BC0485}"/>
+                </a:ext>
+              </a:extLst>
+            </p:cNvPr>
+            <p:cNvSpPr/>
+            <p:nvPr/>
+          </p:nvSpPr>
+          <p:spPr>
+            <a:xfrm rot="5400000">
+              <a:off x="3088551" y="4039881"/>
+              <a:ext cx="344592" cy="544757"/>
+            </a:xfrm>
+            <a:prstGeom prst="rtTriangle">
+              <a:avLst/>
+            </a:prstGeom>
+            <a:solidFill>
+              <a:srgbClr val="FF6668"/>
+            </a:solidFill>
+            <a:ln>
+              <a:noFill/>
+            </a:ln>
+          </p:spPr>
+          <p:style>
+            <a:lnRef idx="2">
+              <a:schemeClr val="accent1">
+                <a:shade val="50000"/>
+              </a:schemeClr>
+            </a:lnRef>
+            <a:fillRef idx="1">
+              <a:schemeClr val="accent1"/>
+            </a:fillRef>
+            <a:effectRef idx="0">
+              <a:schemeClr val="accent1"/>
+            </a:effectRef>
+            <a:fontRef idx="minor">
+              <a:schemeClr val="lt1"/>
+            </a:fontRef>
+          </p:style>
+          <p:txBody>
+            <a:bodyPr rtlCol="0" anchor="ctr"/>
+            <a:lstStyle/>
+            <a:p>
+              <a:pPr algn="ctr"/>
+              <a:endParaRPr lang="en-DE"/>
+            </a:p>
+          </p:txBody>
+        </p:sp>
+      </p:grpSp>
     </p:spTree>
     <p:extLst>
       <p:ext uri="{BB962C8B-B14F-4D97-AF65-F5344CB8AC3E}">
